--- a/MatBase-v1.0.0/0_ReadMeImages/ReadMePPT.pptx
+++ b/MatBase-v1.0.0/0_ReadMeImages/ReadMePPT.pptx
@@ -8,9 +8,8 @@
     <p:sldId id="265" r:id="rId2"/>
     <p:sldId id="262" r:id="rId3"/>
     <p:sldId id="266" r:id="rId4"/>
-    <p:sldId id="258" r:id="rId5"/>
-    <p:sldId id="263" r:id="rId6"/>
-    <p:sldId id="264" r:id="rId7"/>
+    <p:sldId id="267" r:id="rId5"/>
+    <p:sldId id="268" r:id="rId6"/>
   </p:sldIdLst>
   <p:sldSz cx="12192000" cy="6858000"/>
   <p:notesSz cx="6858000" cy="9144000"/>
@@ -120,6 +119,7 @@
 <file path=ppt/revisionInfo.xml><?xml version="1.0" encoding="utf-8"?>
 <p1510:revInfo xmlns:a="http://schemas.openxmlformats.org/drawingml/2006/main" xmlns:r="http://schemas.openxmlformats.org/officeDocument/2006/relationships" xmlns:p1510="http://schemas.microsoft.com/office/powerpoint/2015/10/main">
   <p1510:revLst>
+    <p1510:client id="{C90444B6-27EC-40F1-8CAD-759D5BB7F1E8}" v="15" dt="2023-07-21T10:28:30.380"/>
     <p1510:client id="{FD3B50EF-B16B-46FA-B87F-DA40465C5520}" v="5" dt="2023-07-20T18:12:45.970"/>
   </p1510:revLst>
 </p1510:revInfo>
@@ -2136,6 +2136,399 @@
           </ac:spMkLst>
         </pc:spChg>
       </pc:sldMasterChg>
+    </pc:docChg>
+  </pc:docChgLst>
+  <pc:docChgLst>
+    <pc:chgData name="Procopi Constantinou" userId="51d9ef28ec21f27b" providerId="LiveId" clId="{C90444B6-27EC-40F1-8CAD-759D5BB7F1E8}"/>
+    <pc:docChg chg="undo custSel addSld delSld modSld">
+      <pc:chgData name="Procopi Constantinou" userId="51d9ef28ec21f27b" providerId="LiveId" clId="{C90444B6-27EC-40F1-8CAD-759D5BB7F1E8}" dt="2023-07-21T10:29:05.421" v="579" actId="478"/>
+      <pc:docMkLst>
+        <pc:docMk/>
+      </pc:docMkLst>
+      <pc:sldChg chg="modSp del mod">
+        <pc:chgData name="Procopi Constantinou" userId="51d9ef28ec21f27b" providerId="LiveId" clId="{C90444B6-27EC-40F1-8CAD-759D5BB7F1E8}" dt="2023-07-21T10:02:08.683" v="493" actId="47"/>
+        <pc:sldMkLst>
+          <pc:docMk/>
+          <pc:sldMk cId="3812492309" sldId="258"/>
+        </pc:sldMkLst>
+        <pc:spChg chg="mod">
+          <ac:chgData name="Procopi Constantinou" userId="51d9ef28ec21f27b" providerId="LiveId" clId="{C90444B6-27EC-40F1-8CAD-759D5BB7F1E8}" dt="2023-07-21T09:58:28.119" v="330" actId="114"/>
+          <ac:spMkLst>
+            <pc:docMk/>
+            <pc:sldMk cId="3812492309" sldId="258"/>
+            <ac:spMk id="6" creationId="{445C9D60-F343-6701-83A2-9EC523640002}"/>
+          </ac:spMkLst>
+        </pc:spChg>
+      </pc:sldChg>
+      <pc:sldChg chg="addSp delSp modSp mod">
+        <pc:chgData name="Procopi Constantinou" userId="51d9ef28ec21f27b" providerId="LiveId" clId="{C90444B6-27EC-40F1-8CAD-759D5BB7F1E8}" dt="2023-07-21T09:53:51.025" v="251"/>
+        <pc:sldMkLst>
+          <pc:docMk/>
+          <pc:sldMk cId="370089973" sldId="262"/>
+        </pc:sldMkLst>
+        <pc:spChg chg="mod">
+          <ac:chgData name="Procopi Constantinou" userId="51d9ef28ec21f27b" providerId="LiveId" clId="{C90444B6-27EC-40F1-8CAD-759D5BB7F1E8}" dt="2023-07-21T09:53:51.025" v="251"/>
+          <ac:spMkLst>
+            <pc:docMk/>
+            <pc:sldMk cId="370089973" sldId="262"/>
+            <ac:spMk id="11" creationId="{95A43712-A658-5CBF-DAE0-90C12A7F598E}"/>
+          </ac:spMkLst>
+        </pc:spChg>
+        <pc:picChg chg="add del mod">
+          <ac:chgData name="Procopi Constantinou" userId="51d9ef28ec21f27b" providerId="LiveId" clId="{C90444B6-27EC-40F1-8CAD-759D5BB7F1E8}" dt="2023-07-21T09:43:54.558" v="33" actId="478"/>
+          <ac:picMkLst>
+            <pc:docMk/>
+            <pc:sldMk cId="370089973" sldId="262"/>
+            <ac:picMk id="2" creationId="{C98822D4-ADEE-8299-FB13-4AB0861037F2}"/>
+          </ac:picMkLst>
+        </pc:picChg>
+      </pc:sldChg>
+      <pc:sldChg chg="del">
+        <pc:chgData name="Procopi Constantinou" userId="51d9ef28ec21f27b" providerId="LiveId" clId="{C90444B6-27EC-40F1-8CAD-759D5BB7F1E8}" dt="2023-07-21T10:24:22.012" v="561" actId="47"/>
+        <pc:sldMkLst>
+          <pc:docMk/>
+          <pc:sldMk cId="278120897" sldId="263"/>
+        </pc:sldMkLst>
+      </pc:sldChg>
+      <pc:sldChg chg="del">
+        <pc:chgData name="Procopi Constantinou" userId="51d9ef28ec21f27b" providerId="LiveId" clId="{C90444B6-27EC-40F1-8CAD-759D5BB7F1E8}" dt="2023-07-21T10:24:22.012" v="561" actId="47"/>
+        <pc:sldMkLst>
+          <pc:docMk/>
+          <pc:sldMk cId="4059991840" sldId="264"/>
+        </pc:sldMkLst>
+      </pc:sldChg>
+      <pc:sldChg chg="addSp delSp modSp mod">
+        <pc:chgData name="Procopi Constantinou" userId="51d9ef28ec21f27b" providerId="LiveId" clId="{C90444B6-27EC-40F1-8CAD-759D5BB7F1E8}" dt="2023-07-21T10:29:05.421" v="579" actId="478"/>
+        <pc:sldMkLst>
+          <pc:docMk/>
+          <pc:sldMk cId="2542516483" sldId="265"/>
+        </pc:sldMkLst>
+        <pc:picChg chg="add del mod ord">
+          <ac:chgData name="Procopi Constantinou" userId="51d9ef28ec21f27b" providerId="LiveId" clId="{C90444B6-27EC-40F1-8CAD-759D5BB7F1E8}" dt="2023-07-21T10:29:05.421" v="579" actId="478"/>
+          <ac:picMkLst>
+            <pc:docMk/>
+            <pc:sldMk cId="2542516483" sldId="265"/>
+            <ac:picMk id="2" creationId="{6B030DFA-8399-D4AC-4B27-9B9C76B2ACD5}"/>
+          </ac:picMkLst>
+        </pc:picChg>
+        <pc:picChg chg="add del mod ord">
+          <ac:chgData name="Procopi Constantinou" userId="51d9ef28ec21f27b" providerId="LiveId" clId="{C90444B6-27EC-40F1-8CAD-759D5BB7F1E8}" dt="2023-07-21T10:29:05.421" v="579" actId="478"/>
+          <ac:picMkLst>
+            <pc:docMk/>
+            <pc:sldMk cId="2542516483" sldId="265"/>
+            <ac:picMk id="3" creationId="{152BE17B-3F62-E156-FFC6-ABB56F2A2CE2}"/>
+          </ac:picMkLst>
+        </pc:picChg>
+        <pc:picChg chg="add del mod ord">
+          <ac:chgData name="Procopi Constantinou" userId="51d9ef28ec21f27b" providerId="LiveId" clId="{C90444B6-27EC-40F1-8CAD-759D5BB7F1E8}" dt="2023-07-21T10:29:05.421" v="579" actId="478"/>
+          <ac:picMkLst>
+            <pc:docMk/>
+            <pc:sldMk cId="2542516483" sldId="265"/>
+            <ac:picMk id="4" creationId="{1A40CFD0-E660-C5FE-F8F2-C8D030BAE618}"/>
+          </ac:picMkLst>
+        </pc:picChg>
+        <pc:picChg chg="add del mod ord">
+          <ac:chgData name="Procopi Constantinou" userId="51d9ef28ec21f27b" providerId="LiveId" clId="{C90444B6-27EC-40F1-8CAD-759D5BB7F1E8}" dt="2023-07-21T10:29:05.421" v="579" actId="478"/>
+          <ac:picMkLst>
+            <pc:docMk/>
+            <pc:sldMk cId="2542516483" sldId="265"/>
+            <ac:picMk id="5" creationId="{5A2510BC-5586-0520-BA8C-D173F1590BA2}"/>
+          </ac:picMkLst>
+        </pc:picChg>
+        <pc:picChg chg="mod">
+          <ac:chgData name="Procopi Constantinou" userId="51d9ef28ec21f27b" providerId="LiveId" clId="{C90444B6-27EC-40F1-8CAD-759D5BB7F1E8}" dt="2023-07-21T10:28:48.863" v="577" actId="14100"/>
+          <ac:picMkLst>
+            <pc:docMk/>
+            <pc:sldMk cId="2542516483" sldId="265"/>
+            <ac:picMk id="6" creationId="{8B3B1B4A-1D39-3A80-6814-EFD9A7CA06C4}"/>
+          </ac:picMkLst>
+        </pc:picChg>
+      </pc:sldChg>
+      <pc:sldChg chg="addSp delSp modSp mod">
+        <pc:chgData name="Procopi Constantinou" userId="51d9ef28ec21f27b" providerId="LiveId" clId="{C90444B6-27EC-40F1-8CAD-759D5BB7F1E8}" dt="2023-07-21T10:01:04.678" v="452" actId="20577"/>
+        <pc:sldMkLst>
+          <pc:docMk/>
+          <pc:sldMk cId="1031712569" sldId="266"/>
+        </pc:sldMkLst>
+        <pc:spChg chg="add mod">
+          <ac:chgData name="Procopi Constantinou" userId="51d9ef28ec21f27b" providerId="LiveId" clId="{C90444B6-27EC-40F1-8CAD-759D5BB7F1E8}" dt="2023-07-21T10:01:04.678" v="452" actId="20577"/>
+          <ac:spMkLst>
+            <pc:docMk/>
+            <pc:sldMk cId="1031712569" sldId="266"/>
+            <ac:spMk id="7" creationId="{39910F25-BA65-47C9-651D-65E3F75AF847}"/>
+          </ac:spMkLst>
+        </pc:spChg>
+        <pc:spChg chg="del">
+          <ac:chgData name="Procopi Constantinou" userId="51d9ef28ec21f27b" providerId="LiveId" clId="{C90444B6-27EC-40F1-8CAD-759D5BB7F1E8}" dt="2023-07-21T09:44:09.056" v="34" actId="478"/>
+          <ac:spMkLst>
+            <pc:docMk/>
+            <pc:sldMk cId="1031712569" sldId="266"/>
+            <ac:spMk id="11" creationId="{95A43712-A658-5CBF-DAE0-90C12A7F598E}"/>
+          </ac:spMkLst>
+        </pc:spChg>
+        <pc:picChg chg="add mod">
+          <ac:chgData name="Procopi Constantinou" userId="51d9ef28ec21f27b" providerId="LiveId" clId="{C90444B6-27EC-40F1-8CAD-759D5BB7F1E8}" dt="2023-07-21T09:50:21.980" v="49" actId="1076"/>
+          <ac:picMkLst>
+            <pc:docMk/>
+            <pc:sldMk cId="1031712569" sldId="266"/>
+            <ac:picMk id="3" creationId="{31644AA7-23C3-64B4-9F61-52D420CB0681}"/>
+          </ac:picMkLst>
+        </pc:picChg>
+        <pc:picChg chg="mod ord">
+          <ac:chgData name="Procopi Constantinou" userId="51d9ef28ec21f27b" providerId="LiveId" clId="{C90444B6-27EC-40F1-8CAD-759D5BB7F1E8}" dt="2023-07-21T09:51:44.734" v="68" actId="1076"/>
+          <ac:picMkLst>
+            <pc:docMk/>
+            <pc:sldMk cId="1031712569" sldId="266"/>
+            <ac:picMk id="4" creationId="{4D49AFE8-89F3-E442-E851-BC14D35CBF75}"/>
+          </ac:picMkLst>
+        </pc:picChg>
+        <pc:picChg chg="add mod modCrop">
+          <ac:chgData name="Procopi Constantinou" userId="51d9ef28ec21f27b" providerId="LiveId" clId="{C90444B6-27EC-40F1-8CAD-759D5BB7F1E8}" dt="2023-07-21T09:50:21.980" v="49" actId="1076"/>
+          <ac:picMkLst>
+            <pc:docMk/>
+            <pc:sldMk cId="1031712569" sldId="266"/>
+            <ac:picMk id="6" creationId="{8B53803C-9A86-2329-F6FB-3F9B16707020}"/>
+          </ac:picMkLst>
+        </pc:picChg>
+        <pc:cxnChg chg="add mod">
+          <ac:chgData name="Procopi Constantinou" userId="51d9ef28ec21f27b" providerId="LiveId" clId="{C90444B6-27EC-40F1-8CAD-759D5BB7F1E8}" dt="2023-07-21T09:51:48.559" v="69" actId="14100"/>
+          <ac:cxnSpMkLst>
+            <pc:docMk/>
+            <pc:sldMk cId="1031712569" sldId="266"/>
+            <ac:cxnSpMk id="9" creationId="{00E06AEB-F5C7-5545-443C-1D58012D30C8}"/>
+          </ac:cxnSpMkLst>
+        </pc:cxnChg>
+        <pc:cxnChg chg="add mod">
+          <ac:chgData name="Procopi Constantinou" userId="51d9ef28ec21f27b" providerId="LiveId" clId="{C90444B6-27EC-40F1-8CAD-759D5BB7F1E8}" dt="2023-07-21T09:51:49.974" v="70" actId="14100"/>
+          <ac:cxnSpMkLst>
+            <pc:docMk/>
+            <pc:sldMk cId="1031712569" sldId="266"/>
+            <ac:cxnSpMk id="10" creationId="{A8E3D877-D5CC-5B05-0CC5-796A56EBD542}"/>
+          </ac:cxnSpMkLst>
+        </pc:cxnChg>
+      </pc:sldChg>
+      <pc:sldChg chg="addSp delSp modSp add mod">
+        <pc:chgData name="Procopi Constantinou" userId="51d9ef28ec21f27b" providerId="LiveId" clId="{C90444B6-27EC-40F1-8CAD-759D5BB7F1E8}" dt="2023-07-21T10:01:46.026" v="492" actId="113"/>
+        <pc:sldMkLst>
+          <pc:docMk/>
+          <pc:sldMk cId="2195047201" sldId="267"/>
+        </pc:sldMkLst>
+        <pc:spChg chg="del">
+          <ac:chgData name="Procopi Constantinou" userId="51d9ef28ec21f27b" providerId="LiveId" clId="{C90444B6-27EC-40F1-8CAD-759D5BB7F1E8}" dt="2023-07-21T09:54:41.524" v="253" actId="478"/>
+          <ac:spMkLst>
+            <pc:docMk/>
+            <pc:sldMk cId="2195047201" sldId="267"/>
+            <ac:spMk id="7" creationId="{39910F25-BA65-47C9-651D-65E3F75AF847}"/>
+          </ac:spMkLst>
+        </pc:spChg>
+        <pc:spChg chg="add mod">
+          <ac:chgData name="Procopi Constantinou" userId="51d9ef28ec21f27b" providerId="LiveId" clId="{C90444B6-27EC-40F1-8CAD-759D5BB7F1E8}" dt="2023-07-21T10:01:43.710" v="488" actId="1037"/>
+          <ac:spMkLst>
+            <pc:docMk/>
+            <pc:sldMk cId="2195047201" sldId="267"/>
+            <ac:spMk id="16" creationId="{86F9A0E5-0FBF-5764-7F1C-E98BD456B7DC}"/>
+          </ac:spMkLst>
+        </pc:spChg>
+        <pc:spChg chg="add mod">
+          <ac:chgData name="Procopi Constantinou" userId="51d9ef28ec21f27b" providerId="LiveId" clId="{C90444B6-27EC-40F1-8CAD-759D5BB7F1E8}" dt="2023-07-21T10:01:46.026" v="492" actId="113"/>
+          <ac:spMkLst>
+            <pc:docMk/>
+            <pc:sldMk cId="2195047201" sldId="267"/>
+            <ac:spMk id="17" creationId="{015F52A6-0991-933A-6E49-B6107365BA3E}"/>
+          </ac:spMkLst>
+        </pc:spChg>
+        <pc:picChg chg="del">
+          <ac:chgData name="Procopi Constantinou" userId="51d9ef28ec21f27b" providerId="LiveId" clId="{C90444B6-27EC-40F1-8CAD-759D5BB7F1E8}" dt="2023-07-21T09:54:41.895" v="254" actId="478"/>
+          <ac:picMkLst>
+            <pc:docMk/>
+            <pc:sldMk cId="2195047201" sldId="267"/>
+            <ac:picMk id="3" creationId="{31644AA7-23C3-64B4-9F61-52D420CB0681}"/>
+          </ac:picMkLst>
+        </pc:picChg>
+        <pc:picChg chg="del">
+          <ac:chgData name="Procopi Constantinou" userId="51d9ef28ec21f27b" providerId="LiveId" clId="{C90444B6-27EC-40F1-8CAD-759D5BB7F1E8}" dt="2023-07-21T09:54:41.524" v="253" actId="478"/>
+          <ac:picMkLst>
+            <pc:docMk/>
+            <pc:sldMk cId="2195047201" sldId="267"/>
+            <ac:picMk id="4" creationId="{4D49AFE8-89F3-E442-E851-BC14D35CBF75}"/>
+          </ac:picMkLst>
+        </pc:picChg>
+        <pc:picChg chg="add mod">
+          <ac:chgData name="Procopi Constantinou" userId="51d9ef28ec21f27b" providerId="LiveId" clId="{C90444B6-27EC-40F1-8CAD-759D5BB7F1E8}" dt="2023-07-21T09:54:51.050" v="258" actId="1076"/>
+          <ac:picMkLst>
+            <pc:docMk/>
+            <pc:sldMk cId="2195047201" sldId="267"/>
+            <ac:picMk id="5" creationId="{AE08A7B1-5D7C-FA28-48DC-26B367C92BEE}"/>
+          </ac:picMkLst>
+        </pc:picChg>
+        <pc:picChg chg="del">
+          <ac:chgData name="Procopi Constantinou" userId="51d9ef28ec21f27b" providerId="LiveId" clId="{C90444B6-27EC-40F1-8CAD-759D5BB7F1E8}" dt="2023-07-21T09:54:41.524" v="253" actId="478"/>
+          <ac:picMkLst>
+            <pc:docMk/>
+            <pc:sldMk cId="2195047201" sldId="267"/>
+            <ac:picMk id="6" creationId="{8B53803C-9A86-2329-F6FB-3F9B16707020}"/>
+          </ac:picMkLst>
+        </pc:picChg>
+        <pc:picChg chg="add mod">
+          <ac:chgData name="Procopi Constantinou" userId="51d9ef28ec21f27b" providerId="LiveId" clId="{C90444B6-27EC-40F1-8CAD-759D5BB7F1E8}" dt="2023-07-21T09:57:24.347" v="274" actId="1076"/>
+          <ac:picMkLst>
+            <pc:docMk/>
+            <pc:sldMk cId="2195047201" sldId="267"/>
+            <ac:picMk id="11" creationId="{BAD346FF-4336-518A-1C6B-71D0CE06667A}"/>
+          </ac:picMkLst>
+        </pc:picChg>
+        <pc:picChg chg="add mod">
+          <ac:chgData name="Procopi Constantinou" userId="51d9ef28ec21f27b" providerId="LiveId" clId="{C90444B6-27EC-40F1-8CAD-759D5BB7F1E8}" dt="2023-07-21T09:57:24.347" v="274" actId="1076"/>
+          <ac:picMkLst>
+            <pc:docMk/>
+            <pc:sldMk cId="2195047201" sldId="267"/>
+            <ac:picMk id="13" creationId="{C5ED786F-4CAC-F096-9BFE-95F668669B53}"/>
+          </ac:picMkLst>
+        </pc:picChg>
+        <pc:picChg chg="add del mod">
+          <ac:chgData name="Procopi Constantinou" userId="51d9ef28ec21f27b" providerId="LiveId" clId="{C90444B6-27EC-40F1-8CAD-759D5BB7F1E8}" dt="2023-07-21T09:57:18.524" v="271" actId="478"/>
+          <ac:picMkLst>
+            <pc:docMk/>
+            <pc:sldMk cId="2195047201" sldId="267"/>
+            <ac:picMk id="15" creationId="{3CFA860A-5696-B12F-1C1B-136AAF4B9167}"/>
+          </ac:picMkLst>
+        </pc:picChg>
+        <pc:cxnChg chg="del">
+          <ac:chgData name="Procopi Constantinou" userId="51d9ef28ec21f27b" providerId="LiveId" clId="{C90444B6-27EC-40F1-8CAD-759D5BB7F1E8}" dt="2023-07-21T09:54:41.524" v="253" actId="478"/>
+          <ac:cxnSpMkLst>
+            <pc:docMk/>
+            <pc:sldMk cId="2195047201" sldId="267"/>
+            <ac:cxnSpMk id="9" creationId="{00E06AEB-F5C7-5545-443C-1D58012D30C8}"/>
+          </ac:cxnSpMkLst>
+        </pc:cxnChg>
+        <pc:cxnChg chg="del">
+          <ac:chgData name="Procopi Constantinou" userId="51d9ef28ec21f27b" providerId="LiveId" clId="{C90444B6-27EC-40F1-8CAD-759D5BB7F1E8}" dt="2023-07-21T09:54:41.524" v="253" actId="478"/>
+          <ac:cxnSpMkLst>
+            <pc:docMk/>
+            <pc:sldMk cId="2195047201" sldId="267"/>
+            <ac:cxnSpMk id="10" creationId="{A8E3D877-D5CC-5B05-0CC5-796A56EBD542}"/>
+          </ac:cxnSpMkLst>
+        </pc:cxnChg>
+      </pc:sldChg>
+      <pc:sldChg chg="addSp delSp modSp add mod">
+        <pc:chgData name="Procopi Constantinou" userId="51d9ef28ec21f27b" providerId="LiveId" clId="{C90444B6-27EC-40F1-8CAD-759D5BB7F1E8}" dt="2023-07-21T10:24:15.062" v="560"/>
+        <pc:sldMkLst>
+          <pc:docMk/>
+          <pc:sldMk cId="6992132" sldId="268"/>
+        </pc:sldMkLst>
+        <pc:spChg chg="del">
+          <ac:chgData name="Procopi Constantinou" userId="51d9ef28ec21f27b" providerId="LiveId" clId="{C90444B6-27EC-40F1-8CAD-759D5BB7F1E8}" dt="2023-07-21T10:02:11.864" v="495" actId="478"/>
+          <ac:spMkLst>
+            <pc:docMk/>
+            <pc:sldMk cId="6992132" sldId="268"/>
+            <ac:spMk id="16" creationId="{86F9A0E5-0FBF-5764-7F1C-E98BD456B7DC}"/>
+          </ac:spMkLst>
+        </pc:spChg>
+        <pc:spChg chg="del">
+          <ac:chgData name="Procopi Constantinou" userId="51d9ef28ec21f27b" providerId="LiveId" clId="{C90444B6-27EC-40F1-8CAD-759D5BB7F1E8}" dt="2023-07-21T10:02:11.864" v="495" actId="478"/>
+          <ac:spMkLst>
+            <pc:docMk/>
+            <pc:sldMk cId="6992132" sldId="268"/>
+            <ac:spMk id="17" creationId="{015F52A6-0991-933A-6E49-B6107365BA3E}"/>
+          </ac:spMkLst>
+        </pc:spChg>
+        <pc:spChg chg="add mod">
+          <ac:chgData name="Procopi Constantinou" userId="51d9ef28ec21f27b" providerId="LiveId" clId="{C90444B6-27EC-40F1-8CAD-759D5BB7F1E8}" dt="2023-07-21T10:24:15.062" v="560"/>
+          <ac:spMkLst>
+            <pc:docMk/>
+            <pc:sldMk cId="6992132" sldId="268"/>
+            <ac:spMk id="18" creationId="{D27EC9AC-2136-867F-CC85-1D018D49ED4C}"/>
+          </ac:spMkLst>
+        </pc:spChg>
+        <pc:spChg chg="add del mod">
+          <ac:chgData name="Procopi Constantinou" userId="51d9ef28ec21f27b" providerId="LiveId" clId="{C90444B6-27EC-40F1-8CAD-759D5BB7F1E8}" dt="2023-07-21T10:23:04.977" v="531" actId="478"/>
+          <ac:spMkLst>
+            <pc:docMk/>
+            <pc:sldMk cId="6992132" sldId="268"/>
+            <ac:spMk id="19" creationId="{4BB56FD1-17AF-21B5-4C07-250D5F9C4C39}"/>
+          </ac:spMkLst>
+        </pc:spChg>
+        <pc:spChg chg="add del mod">
+          <ac:chgData name="Procopi Constantinou" userId="51d9ef28ec21f27b" providerId="LiveId" clId="{C90444B6-27EC-40F1-8CAD-759D5BB7F1E8}" dt="2023-07-21T10:24:03.047" v="556" actId="478"/>
+          <ac:spMkLst>
+            <pc:docMk/>
+            <pc:sldMk cId="6992132" sldId="268"/>
+            <ac:spMk id="20" creationId="{3BABD5B2-20E6-B1AD-EC66-D6A110EE1C0A}"/>
+          </ac:spMkLst>
+        </pc:spChg>
+        <pc:picChg chg="add del">
+          <ac:chgData name="Procopi Constantinou" userId="51d9ef28ec21f27b" providerId="LiveId" clId="{C90444B6-27EC-40F1-8CAD-759D5BB7F1E8}" dt="2023-07-21T10:03:15.278" v="500" actId="22"/>
+          <ac:picMkLst>
+            <pc:docMk/>
+            <pc:sldMk cId="6992132" sldId="268"/>
+            <ac:picMk id="3" creationId="{9DE3A0CC-06C9-B731-F921-8115FA5C52C0}"/>
+          </ac:picMkLst>
+        </pc:picChg>
+        <pc:picChg chg="del">
+          <ac:chgData name="Procopi Constantinou" userId="51d9ef28ec21f27b" providerId="LiveId" clId="{C90444B6-27EC-40F1-8CAD-759D5BB7F1E8}" dt="2023-07-21T10:02:12.916" v="498" actId="478"/>
+          <ac:picMkLst>
+            <pc:docMk/>
+            <pc:sldMk cId="6992132" sldId="268"/>
+            <ac:picMk id="5" creationId="{AE08A7B1-5D7C-FA28-48DC-26B367C92BEE}"/>
+          </ac:picMkLst>
+        </pc:picChg>
+        <pc:picChg chg="add mod">
+          <ac:chgData name="Procopi Constantinou" userId="51d9ef28ec21f27b" providerId="LiveId" clId="{C90444B6-27EC-40F1-8CAD-759D5BB7F1E8}" dt="2023-07-21T10:22:27.649" v="523" actId="1076"/>
+          <ac:picMkLst>
+            <pc:docMk/>
+            <pc:sldMk cId="6992132" sldId="268"/>
+            <ac:picMk id="6" creationId="{0933BDBA-18AC-86FA-36ED-57F05519EB31}"/>
+          </ac:picMkLst>
+        </pc:picChg>
+        <pc:picChg chg="add del mod">
+          <ac:chgData name="Procopi Constantinou" userId="51d9ef28ec21f27b" providerId="LiveId" clId="{C90444B6-27EC-40F1-8CAD-759D5BB7F1E8}" dt="2023-07-21T10:21:49.316" v="511" actId="478"/>
+          <ac:picMkLst>
+            <pc:docMk/>
+            <pc:sldMk cId="6992132" sldId="268"/>
+            <ac:picMk id="8" creationId="{50568C5A-5A7D-AAEC-47E2-23DBB5B73BA6}"/>
+          </ac:picMkLst>
+        </pc:picChg>
+        <pc:picChg chg="add del mod">
+          <ac:chgData name="Procopi Constantinou" userId="51d9ef28ec21f27b" providerId="LiveId" clId="{C90444B6-27EC-40F1-8CAD-759D5BB7F1E8}" dt="2023-07-21T10:21:49.316" v="511" actId="478"/>
+          <ac:picMkLst>
+            <pc:docMk/>
+            <pc:sldMk cId="6992132" sldId="268"/>
+            <ac:picMk id="9" creationId="{45588F37-8607-6EE0-9842-8B69EC0AF006}"/>
+          </ac:picMkLst>
+        </pc:picChg>
+        <pc:picChg chg="del">
+          <ac:chgData name="Procopi Constantinou" userId="51d9ef28ec21f27b" providerId="LiveId" clId="{C90444B6-27EC-40F1-8CAD-759D5BB7F1E8}" dt="2023-07-21T10:02:12.682" v="497" actId="478"/>
+          <ac:picMkLst>
+            <pc:docMk/>
+            <pc:sldMk cId="6992132" sldId="268"/>
+            <ac:picMk id="11" creationId="{BAD346FF-4336-518A-1C6B-71D0CE06667A}"/>
+          </ac:picMkLst>
+        </pc:picChg>
+        <pc:picChg chg="add mod">
+          <ac:chgData name="Procopi Constantinou" userId="51d9ef28ec21f27b" providerId="LiveId" clId="{C90444B6-27EC-40F1-8CAD-759D5BB7F1E8}" dt="2023-07-21T10:22:19.829" v="520" actId="14100"/>
+          <ac:picMkLst>
+            <pc:docMk/>
+            <pc:sldMk cId="6992132" sldId="268"/>
+            <ac:picMk id="12" creationId="{3B3CA1F6-9C80-F442-741D-504F811B3D33}"/>
+          </ac:picMkLst>
+        </pc:picChg>
+        <pc:picChg chg="del">
+          <ac:chgData name="Procopi Constantinou" userId="51d9ef28ec21f27b" providerId="LiveId" clId="{C90444B6-27EC-40F1-8CAD-759D5BB7F1E8}" dt="2023-07-21T10:02:12.408" v="496" actId="478"/>
+          <ac:picMkLst>
+            <pc:docMk/>
+            <pc:sldMk cId="6992132" sldId="268"/>
+            <ac:picMk id="13" creationId="{C5ED786F-4CAC-F096-9BFE-95F668669B53}"/>
+          </ac:picMkLst>
+        </pc:picChg>
+        <pc:picChg chg="add mod">
+          <ac:chgData name="Procopi Constantinou" userId="51d9ef28ec21f27b" providerId="LiveId" clId="{C90444B6-27EC-40F1-8CAD-759D5BB7F1E8}" dt="2023-07-21T10:22:19.829" v="520" actId="14100"/>
+          <ac:picMkLst>
+            <pc:docMk/>
+            <pc:sldMk cId="6992132" sldId="268"/>
+            <ac:picMk id="15" creationId="{EA02C1C7-B144-CB79-48BC-A03D16E0ACF6}"/>
+          </ac:picMkLst>
+        </pc:picChg>
+      </pc:sldChg>
     </pc:docChg>
   </pc:docChgLst>
   <pc:docChgLst>
@@ -3031,7 +3424,7 @@
           <a:p>
             <a:fld id="{8F96877B-6F8F-4029-BDC3-E68FCDFE4ABE}" type="datetimeFigureOut">
               <a:rPr lang="en-GB" smtClean="0"/>
-              <a:t>20/07/2023</a:t>
+              <a:t>21/07/2023</a:t>
             </a:fld>
             <a:endParaRPr lang="en-GB"/>
           </a:p>
@@ -3231,7 +3624,7 @@
           <a:p>
             <a:fld id="{8F96877B-6F8F-4029-BDC3-E68FCDFE4ABE}" type="datetimeFigureOut">
               <a:rPr lang="en-GB" smtClean="0"/>
-              <a:t>20/07/2023</a:t>
+              <a:t>21/07/2023</a:t>
             </a:fld>
             <a:endParaRPr lang="en-GB"/>
           </a:p>
@@ -3441,7 +3834,7 @@
           <a:p>
             <a:fld id="{8F96877B-6F8F-4029-BDC3-E68FCDFE4ABE}" type="datetimeFigureOut">
               <a:rPr lang="en-GB" smtClean="0"/>
-              <a:t>20/07/2023</a:t>
+              <a:t>21/07/2023</a:t>
             </a:fld>
             <a:endParaRPr lang="en-GB"/>
           </a:p>
@@ -3641,7 +4034,7 @@
           <a:p>
             <a:fld id="{8F96877B-6F8F-4029-BDC3-E68FCDFE4ABE}" type="datetimeFigureOut">
               <a:rPr lang="en-GB" smtClean="0"/>
-              <a:t>20/07/2023</a:t>
+              <a:t>21/07/2023</a:t>
             </a:fld>
             <a:endParaRPr lang="en-GB"/>
           </a:p>
@@ -3917,7 +4310,7 @@
           <a:p>
             <a:fld id="{8F96877B-6F8F-4029-BDC3-E68FCDFE4ABE}" type="datetimeFigureOut">
               <a:rPr lang="en-GB" smtClean="0"/>
-              <a:t>20/07/2023</a:t>
+              <a:t>21/07/2023</a:t>
             </a:fld>
             <a:endParaRPr lang="en-GB"/>
           </a:p>
@@ -4185,7 +4578,7 @@
           <a:p>
             <a:fld id="{8F96877B-6F8F-4029-BDC3-E68FCDFE4ABE}" type="datetimeFigureOut">
               <a:rPr lang="en-GB" smtClean="0"/>
-              <a:t>20/07/2023</a:t>
+              <a:t>21/07/2023</a:t>
             </a:fld>
             <a:endParaRPr lang="en-GB"/>
           </a:p>
@@ -4600,7 +4993,7 @@
           <a:p>
             <a:fld id="{8F96877B-6F8F-4029-BDC3-E68FCDFE4ABE}" type="datetimeFigureOut">
               <a:rPr lang="en-GB" smtClean="0"/>
-              <a:t>20/07/2023</a:t>
+              <a:t>21/07/2023</a:t>
             </a:fld>
             <a:endParaRPr lang="en-GB"/>
           </a:p>
@@ -4742,7 +5135,7 @@
           <a:p>
             <a:fld id="{8F96877B-6F8F-4029-BDC3-E68FCDFE4ABE}" type="datetimeFigureOut">
               <a:rPr lang="en-GB" smtClean="0"/>
-              <a:t>20/07/2023</a:t>
+              <a:t>21/07/2023</a:t>
             </a:fld>
             <a:endParaRPr lang="en-GB"/>
           </a:p>
@@ -4855,7 +5248,7 @@
           <a:p>
             <a:fld id="{8F96877B-6F8F-4029-BDC3-E68FCDFE4ABE}" type="datetimeFigureOut">
               <a:rPr lang="en-GB" smtClean="0"/>
-              <a:t>20/07/2023</a:t>
+              <a:t>21/07/2023</a:t>
             </a:fld>
             <a:endParaRPr lang="en-GB"/>
           </a:p>
@@ -5168,7 +5561,7 @@
           <a:p>
             <a:fld id="{8F96877B-6F8F-4029-BDC3-E68FCDFE4ABE}" type="datetimeFigureOut">
               <a:rPr lang="en-GB" smtClean="0"/>
-              <a:t>20/07/2023</a:t>
+              <a:t>21/07/2023</a:t>
             </a:fld>
             <a:endParaRPr lang="en-GB"/>
           </a:p>
@@ -5457,7 +5850,7 @@
           <a:p>
             <a:fld id="{8F96877B-6F8F-4029-BDC3-E68FCDFE4ABE}" type="datetimeFigureOut">
               <a:rPr lang="en-GB" smtClean="0"/>
-              <a:t>20/07/2023</a:t>
+              <a:t>21/07/2023</a:t>
             </a:fld>
             <a:endParaRPr lang="en-GB"/>
           </a:p>
@@ -5758,7 +6151,7 @@
           <a:p>
             <a:fld id="{8F96877B-6F8F-4029-BDC3-E68FCDFE4ABE}" type="datetimeFigureOut">
               <a:rPr lang="en-GB" smtClean="0"/>
-              <a:t>20/07/2023</a:t>
+              <a:t>21/07/2023</a:t>
             </a:fld>
             <a:endParaRPr lang="en-GB"/>
           </a:p>
@@ -6203,8 +6596,8 @@
         </p:blipFill>
         <p:spPr>
           <a:xfrm>
-            <a:off x="922866" y="423333"/>
-            <a:ext cx="4210266" cy="2673487"/>
+            <a:off x="3635970" y="1866899"/>
+            <a:ext cx="4920060" cy="3124202"/>
           </a:xfrm>
           <a:prstGeom prst="rect">
             <a:avLst/>
@@ -6429,13 +6822,25 @@
               <a:rPr lang="en-GB" sz="1600" dirty="0">
                 <a:latin typeface="Arial Nova Cond" panose="020B0506020202020204" pitchFamily="34" charset="0"/>
               </a:rPr>
-              <a:t>Boot App with </a:t>
+              <a:t>Navigate to this App via </a:t>
             </a:r>
             <a:r>
               <a:rPr lang="en-GB" sz="1600" b="1" dirty="0">
                 <a:latin typeface="Arial Nova Cond" panose="020B0506020202020204" pitchFamily="34" charset="0"/>
               </a:rPr>
-              <a:t>‘APP_MATERIALSDATABASE’.</a:t>
+              <a:t>‘App_MatBase’ </a:t>
+            </a:r>
+            <a:r>
+              <a:rPr lang="en-GB" sz="1600" dirty="0">
+                <a:latin typeface="Arial Nova Cond" panose="020B0506020202020204" pitchFamily="34" charset="0"/>
+              </a:rPr>
+              <a:t>Main Menu</a:t>
+            </a:r>
+            <a:r>
+              <a:rPr lang="en-GB" sz="1600" b="1" dirty="0">
+                <a:latin typeface="Arial Nova Cond" panose="020B0506020202020204" pitchFamily="34" charset="0"/>
+              </a:rPr>
+              <a:t>.</a:t>
             </a:r>
             <a:endParaRPr lang="en-GB" sz="1600" b="1" i="0" dirty="0">
               <a:effectLst/>
@@ -6474,12 +6879,72 @@
           <a:chExt cx="0" cy="0"/>
         </a:xfrm>
       </p:grpSpPr>
+      <p:pic>
+        <p:nvPicPr>
+          <p:cNvPr id="3" name="Picture 2">
+            <a:extLst>
+              <a:ext uri="{FF2B5EF4-FFF2-40B4-BE49-F238E27FC236}">
+                <a16:creationId xmlns:a16="http://schemas.microsoft.com/office/drawing/2014/main" id="{31644AA7-23C3-64B4-9F61-52D420CB0681}"/>
+              </a:ext>
+            </a:extLst>
+          </p:cNvPr>
+          <p:cNvPicPr>
+            <a:picLocks noChangeAspect="1"/>
+          </p:cNvPicPr>
+          <p:nvPr/>
+        </p:nvPicPr>
+        <p:blipFill>
+          <a:blip r:embed="rId2"/>
+          <a:stretch>
+            <a:fillRect/>
+          </a:stretch>
+        </p:blipFill>
+        <p:spPr>
+          <a:xfrm>
+            <a:off x="6686267" y="13063"/>
+            <a:ext cx="5505733" cy="3435164"/>
+          </a:xfrm>
+          <a:prstGeom prst="rect">
+            <a:avLst/>
+          </a:prstGeom>
+        </p:spPr>
+      </p:pic>
+      <p:pic>
+        <p:nvPicPr>
+          <p:cNvPr id="6" name="Picture 5">
+            <a:extLst>
+              <a:ext uri="{FF2B5EF4-FFF2-40B4-BE49-F238E27FC236}">
+                <a16:creationId xmlns:a16="http://schemas.microsoft.com/office/drawing/2014/main" id="{8B53803C-9A86-2329-F6FB-3F9B16707020}"/>
+              </a:ext>
+            </a:extLst>
+          </p:cNvPr>
+          <p:cNvPicPr>
+            <a:picLocks noChangeAspect="1"/>
+          </p:cNvPicPr>
+          <p:nvPr/>
+        </p:nvPicPr>
+        <p:blipFill>
+          <a:blip r:embed="rId3"/>
+          <a:stretch>
+            <a:fillRect/>
+          </a:stretch>
+        </p:blipFill>
+        <p:spPr>
+          <a:xfrm>
+            <a:off x="6686266" y="3448227"/>
+            <a:ext cx="5505733" cy="3426555"/>
+          </a:xfrm>
+          <a:prstGeom prst="rect">
+            <a:avLst/>
+          </a:prstGeom>
+        </p:spPr>
+      </p:pic>
       <p:sp>
         <p:nvSpPr>
-          <p:cNvPr id="11" name="TextBox 10">
-            <a:extLst>
-              <a:ext uri="{FF2B5EF4-FFF2-40B4-BE49-F238E27FC236}">
-                <a16:creationId xmlns:a16="http://schemas.microsoft.com/office/drawing/2014/main" id="{95A43712-A658-5CBF-DAE0-90C12A7F598E}"/>
+          <p:cNvPr id="7" name="TextBox 6">
+            <a:extLst>
+              <a:ext uri="{FF2B5EF4-FFF2-40B4-BE49-F238E27FC236}">
+                <a16:creationId xmlns:a16="http://schemas.microsoft.com/office/drawing/2014/main" id="{39910F25-BA65-47C9-651D-65E3F75AF847}"/>
               </a:ext>
             </a:extLst>
           </p:cNvPr>
@@ -6488,7 +6953,7 @@
         </p:nvSpPr>
         <p:spPr>
           <a:xfrm>
-            <a:off x="9137424" y="6467808"/>
+            <a:off x="116191" y="5468741"/>
             <a:ext cx="4879382" cy="1323439"/>
           </a:xfrm>
           <a:prstGeom prst="rect">
@@ -6509,43 +6974,6 @@
           </a:bodyPr>
           <a:lstStyle/>
           <a:p>
-            <a:r>
-              <a:rPr lang="en-GB" sz="1600" b="1" i="0" dirty="0">
-                <a:effectLst/>
-                <a:latin typeface="Arial Nova Cond" panose="020B0506020202020204" pitchFamily="34" charset="0"/>
-              </a:rPr>
-              <a:t>Currently </a:t>
-            </a:r>
-            <a:r>
-              <a:rPr lang="en-GB" sz="1600" b="1" i="0" u="sng" dirty="0">
-                <a:effectLst/>
-                <a:latin typeface="Arial Nova Cond" panose="020B0506020202020204" pitchFamily="34" charset="0"/>
-              </a:rPr>
-              <a:t>168</a:t>
-            </a:r>
-            <a:r>
-              <a:rPr lang="en-GB" sz="1600" b="1" i="0" dirty="0">
-                <a:effectLst/>
-                <a:latin typeface="Arial Nova Cond" panose="020B0506020202020204" pitchFamily="34" charset="0"/>
-              </a:rPr>
-              <a:t> material entries with </a:t>
-            </a:r>
-            <a:r>
-              <a:rPr lang="en-GB" sz="1600" b="1" i="0" u="sng" dirty="0">
-                <a:effectLst/>
-                <a:latin typeface="Arial Nova Cond" panose="020B0506020202020204" pitchFamily="34" charset="0"/>
-              </a:rPr>
-              <a:t>42</a:t>
-            </a:r>
-            <a:r>
-              <a:rPr lang="en-GB" sz="1600" b="1" i="0" dirty="0">
-                <a:effectLst/>
-                <a:latin typeface="Arial Nova Cond" panose="020B0506020202020204" pitchFamily="34" charset="0"/>
-              </a:rPr>
-              <a:t> properties each:</a:t>
-            </a:r>
-          </a:p>
-          <a:p>
             <a:pPr marL="285750" indent="-285750">
               <a:buFont typeface="Wingdings" panose="05000000000000000000" pitchFamily="2" charset="2"/>
               <a:buChar char="Ø"/>
@@ -6554,28 +6982,45 @@
               <a:rPr lang="en-GB" sz="1600" dirty="0">
                 <a:latin typeface="Arial Nova Cond" panose="020B0506020202020204" pitchFamily="34" charset="0"/>
               </a:rPr>
-              <a:t>Database saved </a:t>
+              <a:t>Access all material parameters from our database or manually enter data for materials not included. </a:t>
+            </a:r>
+          </a:p>
+          <a:p>
+            <a:pPr marL="285750" indent="-285750">
+              <a:buFont typeface="Wingdings" panose="05000000000000000000" pitchFamily="2" charset="2"/>
+              <a:buChar char="Ø"/>
+            </a:pPr>
+            <a:r>
+              <a:rPr lang="en-GB" sz="1600" dirty="0">
+                <a:latin typeface="Arial Nova Cond" panose="020B0506020202020204" pitchFamily="34" charset="0"/>
+              </a:rPr>
+              <a:t>Plot the 3D real- and reciprocal-space lattices</a:t>
             </a:r>
             <a:r>
               <a:rPr lang="en-GB" sz="1600" b="0" i="0" dirty="0">
                 <a:effectLst/>
                 <a:latin typeface="Arial Nova Cond" panose="020B0506020202020204" pitchFamily="34" charset="0"/>
               </a:rPr>
-              <a:t>in </a:t>
-            </a:r>
-            <a:r>
-              <a:rPr lang="en-GB" sz="1600" b="1" i="0" dirty="0">
-                <a:effectLst/>
+              <a:t>.</a:t>
+            </a:r>
+          </a:p>
+          <a:p>
+            <a:pPr marL="285750" indent="-285750">
+              <a:buFont typeface="Wingdings" panose="05000000000000000000" pitchFamily="2" charset="2"/>
+              <a:buChar char="Ø"/>
+            </a:pPr>
+            <a:r>
+              <a:rPr lang="en-GB" sz="1600" dirty="0">
                 <a:latin typeface="Arial Nova Cond" panose="020B0506020202020204" pitchFamily="34" charset="0"/>
               </a:rPr>
-              <a:t>‘MPD_PCC.mat’ </a:t>
+              <a:t>Extract 2D slices through the Brillouin zone</a:t>
             </a:r>
             <a:r>
               <a:rPr lang="en-GB" sz="1600" b="0" i="0" dirty="0">
                 <a:effectLst/>
                 <a:latin typeface="Arial Nova Cond" panose="020B0506020202020204" pitchFamily="34" charset="0"/>
               </a:rPr>
-              <a:t>MATLAB file.</a:t>
+              <a:t>.</a:t>
             </a:r>
           </a:p>
           <a:p>
@@ -6587,52 +7032,25 @@
               <a:rPr lang="en-GB" sz="1600" dirty="0">
                 <a:latin typeface="Arial Nova Cond" panose="020B0506020202020204" pitchFamily="34" charset="0"/>
               </a:rPr>
-              <a:t>Elements, Oxides, Binary Semiconductors, Ionic Salts.</a:t>
-            </a:r>
-          </a:p>
-          <a:p>
-            <a:pPr marL="285750" indent="-285750">
-              <a:buFont typeface="Wingdings" panose="05000000000000000000" pitchFamily="2" charset="2"/>
-              <a:buChar char="Ø"/>
-            </a:pPr>
-            <a:r>
-              <a:rPr lang="en-GB" sz="1600" b="0" i="0" dirty="0">
-                <a:effectLst/>
+              <a:t>Navigate to this App via </a:t>
+            </a:r>
+            <a:r>
+              <a:rPr lang="en-GB" sz="1600" b="1" dirty="0">
                 <a:latin typeface="Arial Nova Cond" panose="020B0506020202020204" pitchFamily="34" charset="0"/>
               </a:rPr>
-              <a:t>Use </a:t>
-            </a:r>
-            <a:r>
-              <a:rPr lang="en-GB" sz="1600" b="1" i="0" dirty="0">
-                <a:effectLst/>
-                <a:latin typeface="Arial Nova Cond" panose="020B0506020202020204" pitchFamily="34" charset="0"/>
-              </a:rPr>
-              <a:t>‘get_mpd_props()’ </a:t>
-            </a:r>
-            <a:r>
-              <a:rPr lang="en-GB" sz="1600" b="0" i="0" dirty="0">
-                <a:effectLst/>
-                <a:latin typeface="Arial Nova Cond" panose="020B0506020202020204" pitchFamily="34" charset="0"/>
-              </a:rPr>
-              <a:t>to extract material properties.</a:t>
-            </a:r>
-          </a:p>
-          <a:p>
-            <a:pPr marL="285750" indent="-285750">
-              <a:buFont typeface="Wingdings" panose="05000000000000000000" pitchFamily="2" charset="2"/>
-              <a:buChar char="Ø"/>
-            </a:pPr>
+              <a:t>‘App_MatBase’ </a:t>
+            </a:r>
             <a:r>
               <a:rPr lang="en-GB" sz="1600" dirty="0">
                 <a:latin typeface="Arial Nova Cond" panose="020B0506020202020204" pitchFamily="34" charset="0"/>
               </a:rPr>
-              <a:t>Boot App with </a:t>
+              <a:t>Main Menu</a:t>
             </a:r>
             <a:r>
               <a:rPr lang="en-GB" sz="1600" b="1" dirty="0">
                 <a:latin typeface="Arial Nova Cond" panose="020B0506020202020204" pitchFamily="34" charset="0"/>
               </a:rPr>
-              <a:t>‘APP_MATERIALSDATABASE’.</a:t>
+              <a:t>.</a:t>
             </a:r>
             <a:endParaRPr lang="en-GB" sz="1600" b="1" i="0" dirty="0">
               <a:effectLst/>
@@ -6656,7 +7074,7 @@
           <p:nvPr/>
         </p:nvPicPr>
         <p:blipFill>
-          <a:blip r:embed="rId2">
+          <a:blip r:embed="rId4">
             <a:extLst>
               <a:ext uri="{28A0092B-C50C-407E-A947-70E740481C1C}">
                 <a14:useLocalDpi xmlns:a14="http://schemas.microsoft.com/office/drawing/2010/main" val="0"/>
@@ -6669,14 +7087,96 @@
         </p:blipFill>
         <p:spPr>
           <a:xfrm>
-            <a:off x="0" y="0"/>
-            <a:ext cx="5505733" cy="3448227"/>
+            <a:off x="-1" y="1173376"/>
+            <a:ext cx="6686267" cy="4187592"/>
           </a:xfrm>
           <a:prstGeom prst="rect">
             <a:avLst/>
           </a:prstGeom>
         </p:spPr>
       </p:pic>
+      <p:cxnSp>
+        <p:nvCxnSpPr>
+          <p:cNvPr id="9" name="Straight Arrow Connector 8">
+            <a:extLst>
+              <a:ext uri="{FF2B5EF4-FFF2-40B4-BE49-F238E27FC236}">
+                <a16:creationId xmlns:a16="http://schemas.microsoft.com/office/drawing/2014/main" id="{00E06AEB-F5C7-5545-443C-1D58012D30C8}"/>
+              </a:ext>
+            </a:extLst>
+          </p:cNvPr>
+          <p:cNvCxnSpPr>
+            <a:cxnSpLocks/>
+          </p:cNvCxnSpPr>
+          <p:nvPr/>
+        </p:nvCxnSpPr>
+        <p:spPr>
+          <a:xfrm>
+            <a:off x="3746500" y="5080000"/>
+            <a:ext cx="3238500" cy="901700"/>
+          </a:xfrm>
+          <a:prstGeom prst="straightConnector1">
+            <a:avLst/>
+          </a:prstGeom>
+          <a:ln w="19050">
+            <a:tailEnd type="triangle"/>
+          </a:ln>
+        </p:spPr>
+        <p:style>
+          <a:lnRef idx="1">
+            <a:schemeClr val="accent1"/>
+          </a:lnRef>
+          <a:fillRef idx="0">
+            <a:schemeClr val="accent1"/>
+          </a:fillRef>
+          <a:effectRef idx="0">
+            <a:schemeClr val="accent1"/>
+          </a:effectRef>
+          <a:fontRef idx="minor">
+            <a:schemeClr val="tx1"/>
+          </a:fontRef>
+        </p:style>
+      </p:cxnSp>
+      <p:cxnSp>
+        <p:nvCxnSpPr>
+          <p:cNvPr id="10" name="Straight Arrow Connector 9">
+            <a:extLst>
+              <a:ext uri="{FF2B5EF4-FFF2-40B4-BE49-F238E27FC236}">
+                <a16:creationId xmlns:a16="http://schemas.microsoft.com/office/drawing/2014/main" id="{A8E3D877-D5CC-5B05-0CC5-796A56EBD542}"/>
+              </a:ext>
+            </a:extLst>
+          </p:cNvPr>
+          <p:cNvCxnSpPr>
+            <a:cxnSpLocks/>
+          </p:cNvCxnSpPr>
+          <p:nvPr/>
+        </p:nvCxnSpPr>
+        <p:spPr>
+          <a:xfrm flipV="1">
+            <a:off x="3644900" y="723900"/>
+            <a:ext cx="3340100" cy="3327400"/>
+          </a:xfrm>
+          <a:prstGeom prst="straightConnector1">
+            <a:avLst/>
+          </a:prstGeom>
+          <a:ln w="19050">
+            <a:tailEnd type="triangle"/>
+          </a:ln>
+        </p:spPr>
+        <p:style>
+          <a:lnRef idx="1">
+            <a:schemeClr val="accent1"/>
+          </a:lnRef>
+          <a:fillRef idx="0">
+            <a:schemeClr val="accent1"/>
+          </a:fillRef>
+          <a:effectRef idx="0">
+            <a:schemeClr val="accent1"/>
+          </a:effectRef>
+          <a:fontRef idx="minor">
+            <a:schemeClr val="tx1"/>
+          </a:fontRef>
+        </p:style>
+      </p:cxnSp>
     </p:spTree>
     <p:extLst>
       <p:ext uri="{BB962C8B-B14F-4D97-AF65-F5344CB8AC3E}">
@@ -6707,12 +7207,108 @@
           <a:chExt cx="0" cy="0"/>
         </a:xfrm>
       </p:grpSpPr>
+      <p:pic>
+        <p:nvPicPr>
+          <p:cNvPr id="5" name="Picture 4" descr="A computer screen shot of a periodic table&#10;&#10;Description automatically generated">
+            <a:extLst>
+              <a:ext uri="{FF2B5EF4-FFF2-40B4-BE49-F238E27FC236}">
+                <a16:creationId xmlns:a16="http://schemas.microsoft.com/office/drawing/2014/main" id="{AE08A7B1-5D7C-FA28-48DC-26B367C92BEE}"/>
+              </a:ext>
+            </a:extLst>
+          </p:cNvPr>
+          <p:cNvPicPr>
+            <a:picLocks noChangeAspect="1"/>
+          </p:cNvPicPr>
+          <p:nvPr/>
+        </p:nvPicPr>
+        <p:blipFill>
+          <a:blip r:embed="rId2">
+            <a:extLst>
+              <a:ext uri="{28A0092B-C50C-407E-A947-70E740481C1C}">
+                <a14:useLocalDpi xmlns:a14="http://schemas.microsoft.com/office/drawing/2010/main" val="0"/>
+              </a:ext>
+            </a:extLst>
+          </a:blip>
+          <a:stretch>
+            <a:fillRect/>
+          </a:stretch>
+        </p:blipFill>
+        <p:spPr>
+          <a:xfrm>
+            <a:off x="0" y="0"/>
+            <a:ext cx="8877756" cy="4292821"/>
+          </a:xfrm>
+          <a:prstGeom prst="rect">
+            <a:avLst/>
+          </a:prstGeom>
+        </p:spPr>
+      </p:pic>
+      <p:pic>
+        <p:nvPicPr>
+          <p:cNvPr id="11" name="Picture 10">
+            <a:extLst>
+              <a:ext uri="{FF2B5EF4-FFF2-40B4-BE49-F238E27FC236}">
+                <a16:creationId xmlns:a16="http://schemas.microsoft.com/office/drawing/2014/main" id="{BAD346FF-4336-518A-1C6B-71D0CE06667A}"/>
+              </a:ext>
+            </a:extLst>
+          </p:cNvPr>
+          <p:cNvPicPr>
+            <a:picLocks noChangeAspect="1"/>
+          </p:cNvPicPr>
+          <p:nvPr/>
+        </p:nvPicPr>
+        <p:blipFill>
+          <a:blip r:embed="rId3"/>
+          <a:stretch>
+            <a:fillRect/>
+          </a:stretch>
+        </p:blipFill>
+        <p:spPr>
+          <a:xfrm>
+            <a:off x="8877756" y="228599"/>
+            <a:ext cx="3316056" cy="2825743"/>
+          </a:xfrm>
+          <a:prstGeom prst="rect">
+            <a:avLst/>
+          </a:prstGeom>
+        </p:spPr>
+      </p:pic>
+      <p:pic>
+        <p:nvPicPr>
+          <p:cNvPr id="13" name="Picture 12">
+            <a:extLst>
+              <a:ext uri="{FF2B5EF4-FFF2-40B4-BE49-F238E27FC236}">
+                <a16:creationId xmlns:a16="http://schemas.microsoft.com/office/drawing/2014/main" id="{C5ED786F-4CAC-F096-9BFE-95F668669B53}"/>
+              </a:ext>
+            </a:extLst>
+          </p:cNvPr>
+          <p:cNvPicPr>
+            <a:picLocks noChangeAspect="1"/>
+          </p:cNvPicPr>
+          <p:nvPr/>
+        </p:nvPicPr>
+        <p:blipFill>
+          <a:blip r:embed="rId4"/>
+          <a:stretch>
+            <a:fillRect/>
+          </a:stretch>
+        </p:blipFill>
+        <p:spPr>
+          <a:xfrm>
+            <a:off x="8888847" y="3054342"/>
+            <a:ext cx="3303153" cy="2812840"/>
+          </a:xfrm>
+          <a:prstGeom prst="rect">
+            <a:avLst/>
+          </a:prstGeom>
+        </p:spPr>
+      </p:pic>
       <p:sp>
         <p:nvSpPr>
-          <p:cNvPr id="4" name="TextBox 3">
-            <a:extLst>
-              <a:ext uri="{FF2B5EF4-FFF2-40B4-BE49-F238E27FC236}">
-                <a16:creationId xmlns:a16="http://schemas.microsoft.com/office/drawing/2014/main" id="{C3A60D11-AEA7-D412-70DD-753B4EE6B408}"/>
+          <p:cNvPr id="16" name="TextBox 15">
+            <a:extLst>
+              <a:ext uri="{FF2B5EF4-FFF2-40B4-BE49-F238E27FC236}">
+                <a16:creationId xmlns:a16="http://schemas.microsoft.com/office/drawing/2014/main" id="{86F9A0E5-0FBF-5764-7F1C-E98BD456B7DC}"/>
               </a:ext>
             </a:extLst>
           </p:cNvPr>
@@ -6721,227 +7317,8 @@
         </p:nvSpPr>
         <p:spPr>
           <a:xfrm>
-            <a:off x="0" y="0"/>
-            <a:ext cx="12192000" cy="523220"/>
-          </a:xfrm>
-          <a:prstGeom prst="rect">
-            <a:avLst/>
-          </a:prstGeom>
-          <a:noFill/>
-        </p:spPr>
-        <p:txBody>
-          <a:bodyPr wrap="square" rtlCol="0">
-            <a:spAutoFit/>
-          </a:bodyPr>
-          <a:lstStyle/>
-          <a:p>
-            <a:pPr algn="ctr"/>
-            <a:r>
-              <a:rPr lang="en-GB" sz="2800" b="1" dirty="0">
-                <a:latin typeface="Arial Nova Cond" panose="020B0506020202020204" pitchFamily="34" charset="0"/>
-              </a:rPr>
-              <a:t>Showcase of the Electron Inelastic Mean Free Path Database</a:t>
-            </a:r>
-          </a:p>
-        </p:txBody>
-      </p:sp>
-      <p:sp>
-        <p:nvSpPr>
-          <p:cNvPr id="6" name="TextBox 5">
-            <a:extLst>
-              <a:ext uri="{FF2B5EF4-FFF2-40B4-BE49-F238E27FC236}">
-                <a16:creationId xmlns:a16="http://schemas.microsoft.com/office/drawing/2014/main" id="{445C9D60-F343-6701-83A2-9EC523640002}"/>
-              </a:ext>
-            </a:extLst>
-          </p:cNvPr>
-          <p:cNvSpPr txBox="1"/>
-          <p:nvPr/>
-        </p:nvSpPr>
-        <p:spPr>
-          <a:xfrm>
-            <a:off x="101912" y="4549676"/>
-            <a:ext cx="5798556" cy="2308324"/>
-          </a:xfrm>
-          <a:prstGeom prst="rect">
-            <a:avLst/>
-          </a:prstGeom>
-          <a:noFill/>
-        </p:spPr>
-        <p:txBody>
-          <a:bodyPr wrap="square">
-            <a:spAutoFit/>
-          </a:bodyPr>
-          <a:lstStyle/>
-          <a:p>
-            <a:r>
-              <a:rPr lang="en-GB" sz="1600" b="1" i="0" dirty="0">
-                <a:effectLst/>
-                <a:latin typeface="Arial Nova Cond" panose="020B0506020202020204" pitchFamily="34" charset="0"/>
-              </a:rPr>
-              <a:t>Available electron IMFP calculator functions:</a:t>
-            </a:r>
-          </a:p>
-          <a:p>
-            <a:pPr marL="285750" indent="-285750">
-              <a:buFont typeface="Wingdings" panose="05000000000000000000" pitchFamily="2" charset="2"/>
-              <a:buChar char="Ø"/>
-            </a:pPr>
-            <a:r>
-              <a:rPr lang="en-GB" sz="1600" b="1" i="0" dirty="0">
-                <a:effectLst/>
-                <a:latin typeface="Arial Nova Cond" panose="020B0506020202020204" pitchFamily="34" charset="0"/>
-              </a:rPr>
-              <a:t>eimfp_optical()</a:t>
-            </a:r>
-            <a:r>
-              <a:rPr lang="en-GB" sz="1600" b="1" i="1" dirty="0">
-                <a:effectLst/>
-                <a:latin typeface="Arial Nova Cond" panose="020B0506020202020204" pitchFamily="34" charset="0"/>
-              </a:rPr>
-              <a:t> *gives all available optical experimental data</a:t>
-            </a:r>
-            <a:endParaRPr lang="en-GB" sz="1600" b="0" i="0" dirty="0">
-              <a:effectLst/>
-              <a:latin typeface="Arial Nova Cond" panose="020B0506020202020204" pitchFamily="34" charset="0"/>
-            </a:endParaRPr>
-          </a:p>
-          <a:p>
-            <a:pPr marL="285750" indent="-285750">
-              <a:buFont typeface="Wingdings" panose="05000000000000000000" pitchFamily="2" charset="2"/>
-              <a:buChar char="Ø"/>
-            </a:pPr>
-            <a:r>
-              <a:rPr lang="en-GB" sz="1600" dirty="0">
-                <a:latin typeface="Arial Nova Cond" panose="020B0506020202020204" pitchFamily="34" charset="0"/>
-              </a:rPr>
-              <a:t>eimfp_S1()</a:t>
-            </a:r>
-          </a:p>
-          <a:p>
-            <a:pPr marL="285750" indent="-285750">
-              <a:buFont typeface="Wingdings" panose="05000000000000000000" pitchFamily="2" charset="2"/>
-              <a:buChar char="Ø"/>
-            </a:pPr>
-            <a:r>
-              <a:rPr lang="en-GB" sz="1600" b="0" i="0" dirty="0">
-                <a:effectLst/>
-                <a:latin typeface="Arial Nova Cond" panose="020B0506020202020204" pitchFamily="34" charset="0"/>
-              </a:rPr>
-              <a:t>eimfp_S</a:t>
-            </a:r>
-            <a:r>
-              <a:rPr lang="en-GB" sz="1600" dirty="0">
-                <a:latin typeface="Arial Nova Cond" panose="020B0506020202020204" pitchFamily="34" charset="0"/>
-              </a:rPr>
-              <a:t>1_mpd()</a:t>
-            </a:r>
-          </a:p>
-          <a:p>
-            <a:pPr marL="285750" indent="-285750">
-              <a:buFont typeface="Wingdings" panose="05000000000000000000" pitchFamily="2" charset="2"/>
-              <a:buChar char="Ø"/>
-            </a:pPr>
-            <a:r>
-              <a:rPr lang="en-GB" sz="1600" b="0" i="0" dirty="0">
-                <a:effectLst/>
-                <a:latin typeface="Arial Nova Cond" panose="020B0506020202020204" pitchFamily="34" charset="0"/>
-              </a:rPr>
-              <a:t>eimfp_S2_avg()</a:t>
-            </a:r>
-          </a:p>
-          <a:p>
-            <a:pPr marL="285750" indent="-285750">
-              <a:buFont typeface="Wingdings" panose="05000000000000000000" pitchFamily="2" charset="2"/>
-              <a:buChar char="Ø"/>
-            </a:pPr>
-            <a:r>
-              <a:rPr lang="en-GB" sz="1600" dirty="0">
-                <a:latin typeface="Arial Nova Cond" panose="020B0506020202020204" pitchFamily="34" charset="0"/>
-              </a:rPr>
-              <a:t>eimfp_tpp2m()</a:t>
-            </a:r>
-          </a:p>
-          <a:p>
-            <a:pPr marL="285750" indent="-285750">
-              <a:buFont typeface="Wingdings" panose="05000000000000000000" pitchFamily="2" charset="2"/>
-              <a:buChar char="Ø"/>
-            </a:pPr>
-            <a:r>
-              <a:rPr lang="en-GB" sz="1600" b="0" i="0" dirty="0">
-                <a:effectLst/>
-                <a:latin typeface="Arial Nova Cond" panose="020B0506020202020204" pitchFamily="34" charset="0"/>
-              </a:rPr>
-              <a:t>eimfp_tpp2m_avg()</a:t>
-            </a:r>
-            <a:endParaRPr lang="en-GB" sz="1600" dirty="0">
-              <a:latin typeface="Arial Nova Cond" panose="020B0506020202020204" pitchFamily="34" charset="0"/>
-            </a:endParaRPr>
-          </a:p>
-          <a:p>
-            <a:pPr marL="285750" indent="-285750">
-              <a:buFont typeface="Wingdings" panose="05000000000000000000" pitchFamily="2" charset="2"/>
-              <a:buChar char="Ø"/>
-            </a:pPr>
-            <a:r>
-              <a:rPr lang="en-GB" sz="1600" b="1" i="0" dirty="0">
-                <a:effectLst/>
-                <a:latin typeface="Arial Nova Cond" panose="020B0506020202020204" pitchFamily="34" charset="0"/>
-              </a:rPr>
-              <a:t>eimfp_tpp2m_mpd() </a:t>
-            </a:r>
-            <a:r>
-              <a:rPr lang="en-GB" sz="1600" b="1" i="1" dirty="0">
-                <a:effectLst/>
-                <a:latin typeface="Arial Nova Cond" panose="020B0506020202020204" pitchFamily="34" charset="0"/>
-              </a:rPr>
-              <a:t>**Recommended </a:t>
-            </a:r>
-            <a:r>
-              <a:rPr lang="en-GB" sz="1600" b="1" i="1">
-                <a:effectLst/>
-                <a:latin typeface="Arial Nova Cond" panose="020B0506020202020204" pitchFamily="34" charset="0"/>
-              </a:rPr>
-              <a:t>IMFP calculator to use</a:t>
-            </a:r>
-            <a:endParaRPr lang="en-GB" sz="1600" b="1" i="1" dirty="0">
-              <a:effectLst/>
-              <a:latin typeface="Arial Nova Cond" panose="020B0506020202020204" pitchFamily="34" charset="0"/>
-            </a:endParaRPr>
-          </a:p>
-          <a:p>
-            <a:pPr marL="285750" indent="-285750">
-              <a:buFont typeface="Wingdings" panose="05000000000000000000" pitchFamily="2" charset="2"/>
-              <a:buChar char="Ø"/>
-            </a:pPr>
-            <a:r>
-              <a:rPr lang="en-GB" sz="1600" dirty="0">
-                <a:latin typeface="Arial Nova Cond" panose="020B0506020202020204" pitchFamily="34" charset="0"/>
-              </a:rPr>
-              <a:t>eimfp_universal()</a:t>
-            </a:r>
-            <a:endParaRPr lang="en-GB" sz="1600" b="0" i="0" dirty="0">
-              <a:effectLst/>
-              <a:latin typeface="Arial Nova Cond" panose="020B0506020202020204" pitchFamily="34" charset="0"/>
-            </a:endParaRPr>
-          </a:p>
-        </p:txBody>
-      </p:sp>
-      <p:sp>
-        <p:nvSpPr>
-          <p:cNvPr id="8" name="TextBox 7">
-            <a:extLst>
-              <a:ext uri="{FF2B5EF4-FFF2-40B4-BE49-F238E27FC236}">
-                <a16:creationId xmlns:a16="http://schemas.microsoft.com/office/drawing/2014/main" id="{DAA6B327-F268-AD7C-4B4E-054CD8F94693}"/>
-              </a:ext>
-            </a:extLst>
-          </p:cNvPr>
-          <p:cNvSpPr txBox="1"/>
-          <p:nvPr/>
-        </p:nvSpPr>
-        <p:spPr>
-          <a:xfrm>
-            <a:off x="6206184" y="4891891"/>
-            <a:ext cx="5143627" cy="830997"/>
+            <a:off x="127001" y="4375082"/>
+            <a:ext cx="5943599" cy="1569660"/>
           </a:xfrm>
           <a:prstGeom prst="rect">
             <a:avLst/>
@@ -6961,52 +7338,15 @@
           </a:bodyPr>
           <a:lstStyle/>
           <a:p>
-            <a:r>
-              <a:rPr lang="en-GB" sz="1600" b="1" i="0" dirty="0">
-                <a:effectLst/>
-                <a:latin typeface="Arial Nova Cond" panose="020B0506020202020204" pitchFamily="34" charset="0"/>
-              </a:rPr>
-              <a:t>For a particular material:</a:t>
-            </a:r>
-          </a:p>
-          <a:p>
             <a:pPr marL="285750" indent="-285750">
               <a:buFont typeface="Wingdings" panose="05000000000000000000" pitchFamily="2" charset="2"/>
               <a:buChar char="Ø"/>
             </a:pPr>
             <a:r>
-              <a:rPr lang="en-GB" sz="1600" b="0" i="0" dirty="0">
-                <a:effectLst/>
+              <a:rPr lang="en-GB" sz="1600" dirty="0">
                 <a:latin typeface="Arial Nova Cond" panose="020B0506020202020204" pitchFamily="34" charset="0"/>
               </a:rPr>
-              <a:t>Use </a:t>
-            </a:r>
-            <a:r>
-              <a:rPr lang="en-GB" sz="1600" b="1" i="0" dirty="0">
-                <a:effectLst/>
-                <a:latin typeface="Arial Nova Cond" panose="020B0506020202020204" pitchFamily="34" charset="0"/>
-              </a:rPr>
-              <a:t>‘get_eimfp_props</a:t>
-            </a:r>
-            <a:r>
-              <a:rPr lang="en-GB" sz="1600" b="1" dirty="0">
-                <a:latin typeface="Arial Nova Cond" panose="020B0506020202020204" pitchFamily="34" charset="0"/>
-              </a:rPr>
-              <a:t>(</a:t>
-            </a:r>
-            <a:r>
-              <a:rPr lang="en-GB" sz="1600" b="1" i="0" dirty="0">
-                <a:effectLst/>
-                <a:latin typeface="Arial Nova Cond" panose="020B0506020202020204" pitchFamily="34" charset="0"/>
-              </a:rPr>
-              <a:t>)’ </a:t>
-            </a:r>
-            <a:r>
-              <a:rPr lang="en-GB" sz="1600" b="0" i="0" dirty="0">
-                <a:effectLst/>
-                <a:latin typeface="Arial Nova Cond" panose="020B0506020202020204" pitchFamily="34" charset="0"/>
-              </a:rPr>
-              <a:t>to extract all experimental data.</a:t>
+              <a:t>Access all material parameters from our database or manually enter data for materials not included. </a:t>
             </a:r>
           </a:p>
           <a:p>
@@ -7015,973 +7355,156 @@
               <a:buChar char="Ø"/>
             </a:pPr>
             <a:r>
-              <a:rPr lang="en-GB" sz="1600" b="0" i="0" dirty="0">
+              <a:rPr lang="en-GB" sz="1600" dirty="0">
+                <a:latin typeface="Arial Nova Cond" panose="020B0506020202020204" pitchFamily="34" charset="0"/>
+              </a:rPr>
+              <a:t>Plot and calculate the IMFP using a range of formalisms; Universal, TPP-2M, S1, and S2 methods.</a:t>
+            </a:r>
+            <a:endParaRPr lang="en-GB" sz="1600" b="0" i="0" dirty="0">
+              <a:effectLst/>
+              <a:latin typeface="Arial Nova Cond" panose="020B0506020202020204" pitchFamily="34" charset="0"/>
+            </a:endParaRPr>
+          </a:p>
+          <a:p>
+            <a:pPr marL="285750" indent="-285750">
+              <a:buFont typeface="Wingdings" panose="05000000000000000000" pitchFamily="2" charset="2"/>
+              <a:buChar char="Ø"/>
+            </a:pPr>
+            <a:r>
+              <a:rPr lang="en-GB" sz="1600" dirty="0">
+                <a:latin typeface="Arial Nova Cond" panose="020B0506020202020204" pitchFamily="34" charset="0"/>
+              </a:rPr>
+              <a:t>Export IMFP data as a text file.</a:t>
+            </a:r>
+            <a:endParaRPr lang="en-GB" sz="1600" b="0" i="0" dirty="0">
+              <a:effectLst/>
+              <a:latin typeface="Arial Nova Cond" panose="020B0506020202020204" pitchFamily="34" charset="0"/>
+            </a:endParaRPr>
+          </a:p>
+          <a:p>
+            <a:pPr marL="285750" indent="-285750">
+              <a:buFont typeface="Wingdings" panose="05000000000000000000" pitchFamily="2" charset="2"/>
+              <a:buChar char="Ø"/>
+            </a:pPr>
+            <a:r>
+              <a:rPr lang="en-GB" sz="1600" dirty="0">
+                <a:latin typeface="Arial Nova Cond" panose="020B0506020202020204" pitchFamily="34" charset="0"/>
+              </a:rPr>
+              <a:t>Navigate to this App via </a:t>
+            </a:r>
+            <a:r>
+              <a:rPr lang="en-GB" sz="1600" b="1" dirty="0">
+                <a:latin typeface="Arial Nova Cond" panose="020B0506020202020204" pitchFamily="34" charset="0"/>
+              </a:rPr>
+              <a:t>‘App_MatBase’ </a:t>
+            </a:r>
+            <a:r>
+              <a:rPr lang="en-GB" sz="1600" dirty="0">
+                <a:latin typeface="Arial Nova Cond" panose="020B0506020202020204" pitchFamily="34" charset="0"/>
+              </a:rPr>
+              <a:t>Main Menu</a:t>
+            </a:r>
+            <a:r>
+              <a:rPr lang="en-GB" sz="1600" b="1" dirty="0">
+                <a:latin typeface="Arial Nova Cond" panose="020B0506020202020204" pitchFamily="34" charset="0"/>
+              </a:rPr>
+              <a:t>.</a:t>
+            </a:r>
+            <a:endParaRPr lang="en-GB" sz="1600" b="1" i="0" dirty="0">
+              <a:effectLst/>
+              <a:latin typeface="Arial Nova Cond" panose="020B0506020202020204" pitchFamily="34" charset="0"/>
+            </a:endParaRPr>
+          </a:p>
+        </p:txBody>
+      </p:sp>
+      <p:sp>
+        <p:nvSpPr>
+          <p:cNvPr id="17" name="TextBox 16">
+            <a:extLst>
+              <a:ext uri="{FF2B5EF4-FFF2-40B4-BE49-F238E27FC236}">
+                <a16:creationId xmlns:a16="http://schemas.microsoft.com/office/drawing/2014/main" id="{015F52A6-0991-933A-6E49-B6107365BA3E}"/>
+              </a:ext>
+            </a:extLst>
+          </p:cNvPr>
+          <p:cNvSpPr txBox="1"/>
+          <p:nvPr/>
+        </p:nvSpPr>
+        <p:spPr>
+          <a:xfrm>
+            <a:off x="284744" y="6001603"/>
+            <a:ext cx="5798556" cy="830997"/>
+          </a:xfrm>
+          <a:prstGeom prst="rect">
+            <a:avLst/>
+          </a:prstGeom>
+          <a:noFill/>
+        </p:spPr>
+        <p:txBody>
+          <a:bodyPr wrap="square">
+            <a:spAutoFit/>
+          </a:bodyPr>
+          <a:lstStyle/>
+          <a:p>
+            <a:r>
+              <a:rPr lang="en-GB" sz="1600" i="0" dirty="0">
                 <a:effectLst/>
                 <a:latin typeface="Arial Nova Cond" panose="020B0506020202020204" pitchFamily="34" charset="0"/>
               </a:rPr>
-              <a:t>Use </a:t>
-            </a:r>
-            <a:r>
-              <a:rPr lang="en-GB" sz="1600" b="1" i="0" dirty="0">
+              <a:t>Available electron IMFP calculator functions in MATLAB:</a:t>
+            </a:r>
+          </a:p>
+          <a:p>
+            <a:pPr marL="285750" indent="-285750">
+              <a:buFont typeface="Wingdings" panose="05000000000000000000" pitchFamily="2" charset="2"/>
+              <a:buChar char="Ø"/>
+            </a:pPr>
+            <a:r>
+              <a:rPr lang="en-GB" sz="1600" i="0" dirty="0">
                 <a:effectLst/>
                 <a:latin typeface="Arial Nova Cond" panose="020B0506020202020204" pitchFamily="34" charset="0"/>
               </a:rPr>
-              <a:t>‘view_eimfp_props</a:t>
-            </a:r>
-            <a:r>
-              <a:rPr lang="en-GB" sz="1600" b="1" dirty="0">
-                <a:latin typeface="Arial Nova Cond" panose="020B0506020202020204" pitchFamily="34" charset="0"/>
-              </a:rPr>
-              <a:t>(</a:t>
-            </a:r>
-            <a:r>
-              <a:rPr lang="en-GB" sz="1600" b="1" i="0" dirty="0">
+              <a:t>eimfp_optical()</a:t>
+            </a:r>
+            <a:r>
+              <a:rPr lang="en-GB" sz="1600" i="1" dirty="0">
                 <a:effectLst/>
                 <a:latin typeface="Arial Nova Cond" panose="020B0506020202020204" pitchFamily="34" charset="0"/>
               </a:rPr>
-              <a:t>)’ </a:t>
-            </a:r>
-            <a:r>
-              <a:rPr lang="en-GB" sz="1600" b="0" i="0" dirty="0">
-                <a:effectLst/>
+              <a:t> 	*gives all available optical experimental data</a:t>
+            </a:r>
+            <a:endParaRPr lang="en-GB" sz="1600" i="0" dirty="0">
+              <a:effectLst/>
+              <a:latin typeface="Arial Nova Cond" panose="020B0506020202020204" pitchFamily="34" charset="0"/>
+            </a:endParaRPr>
+          </a:p>
+          <a:p>
+            <a:pPr marL="285750" indent="-285750">
+              <a:buFont typeface="Wingdings" panose="05000000000000000000" pitchFamily="2" charset="2"/>
+              <a:buChar char="Ø"/>
+            </a:pPr>
+            <a:r>
+              <a:rPr lang="en-GB" sz="1600" dirty="0">
                 <a:latin typeface="Arial Nova Cond" panose="020B0506020202020204" pitchFamily="34" charset="0"/>
               </a:rPr>
-              <a:t>to quickly view data.</a:t>
-            </a:r>
+              <a:t>IMFP_CALC() 	</a:t>
+            </a:r>
+            <a:r>
+              <a:rPr lang="en-GB" sz="1600" i="1" dirty="0">
+                <a:latin typeface="Arial Nova Cond" panose="020B0506020202020204" pitchFamily="34" charset="0"/>
+              </a:rPr>
+              <a:t>**general IMFP calculator function</a:t>
+            </a:r>
+            <a:endParaRPr lang="en-GB" sz="1600" i="1" dirty="0">
+              <a:effectLst/>
+              <a:latin typeface="Arial Nova Cond" panose="020B0506020202020204" pitchFamily="34" charset="0"/>
+            </a:endParaRPr>
           </a:p>
         </p:txBody>
       </p:sp>
-      <p:grpSp>
-        <p:nvGrpSpPr>
-          <p:cNvPr id="14" name="Group 13">
-            <a:extLst>
-              <a:ext uri="{FF2B5EF4-FFF2-40B4-BE49-F238E27FC236}">
-                <a16:creationId xmlns:a16="http://schemas.microsoft.com/office/drawing/2014/main" id="{3708143E-DF7E-93B1-951D-E7E7C76B41EE}"/>
-              </a:ext>
-            </a:extLst>
-          </p:cNvPr>
-          <p:cNvGrpSpPr/>
-          <p:nvPr/>
-        </p:nvGrpSpPr>
-        <p:grpSpPr>
-          <a:xfrm>
-            <a:off x="666750" y="485120"/>
-            <a:ext cx="10858500" cy="4106126"/>
-            <a:chOff x="666750" y="485120"/>
-            <a:chExt cx="10858500" cy="4106126"/>
-          </a:xfrm>
-        </p:grpSpPr>
-        <p:pic>
-          <p:nvPicPr>
-            <p:cNvPr id="5" name="Picture 4" descr="Chart&#10;&#10;Description automatically generated">
-              <a:extLst>
-                <a:ext uri="{FF2B5EF4-FFF2-40B4-BE49-F238E27FC236}">
-                  <a16:creationId xmlns:a16="http://schemas.microsoft.com/office/drawing/2014/main" id="{4F781F0F-462F-5D27-6C6E-D8C7572F84E5}"/>
-                </a:ext>
-              </a:extLst>
-            </p:cNvPr>
-            <p:cNvPicPr>
-              <a:picLocks noChangeAspect="1"/>
-            </p:cNvPicPr>
-            <p:nvPr/>
-          </p:nvPicPr>
-          <p:blipFill>
-            <a:blip r:embed="rId2">
-              <a:extLst>
-                <a:ext uri="{28A0092B-C50C-407E-A947-70E740481C1C}">
-                  <a14:useLocalDpi xmlns:a14="http://schemas.microsoft.com/office/drawing/2010/main" val="0"/>
-                </a:ext>
-              </a:extLst>
-            </a:blip>
-            <a:stretch>
-              <a:fillRect/>
-            </a:stretch>
-          </p:blipFill>
-          <p:spPr>
-            <a:xfrm>
-              <a:off x="666750" y="485120"/>
-              <a:ext cx="10858500" cy="4106126"/>
-            </a:xfrm>
-            <a:custGeom>
-              <a:avLst/>
-              <a:gdLst>
-                <a:gd name="connsiteX0" fmla="*/ 0 w 10858500"/>
-                <a:gd name="connsiteY0" fmla="*/ 0 h 4106126"/>
-                <a:gd name="connsiteX1" fmla="*/ 352901 w 10858500"/>
-                <a:gd name="connsiteY1" fmla="*/ 0 h 4106126"/>
-                <a:gd name="connsiteX2" fmla="*/ 922972 w 10858500"/>
-                <a:gd name="connsiteY2" fmla="*/ 0 h 4106126"/>
-                <a:gd name="connsiteX3" fmla="*/ 1493044 w 10858500"/>
-                <a:gd name="connsiteY3" fmla="*/ 0 h 4106126"/>
-                <a:gd name="connsiteX4" fmla="*/ 2388870 w 10858500"/>
-                <a:gd name="connsiteY4" fmla="*/ 0 h 4106126"/>
-                <a:gd name="connsiteX5" fmla="*/ 3284696 w 10858500"/>
-                <a:gd name="connsiteY5" fmla="*/ 0 h 4106126"/>
-                <a:gd name="connsiteX6" fmla="*/ 3637597 w 10858500"/>
-                <a:gd name="connsiteY6" fmla="*/ 0 h 4106126"/>
-                <a:gd name="connsiteX7" fmla="*/ 4316254 w 10858500"/>
-                <a:gd name="connsiteY7" fmla="*/ 0 h 4106126"/>
-                <a:gd name="connsiteX8" fmla="*/ 4777740 w 10858500"/>
-                <a:gd name="connsiteY8" fmla="*/ 0 h 4106126"/>
-                <a:gd name="connsiteX9" fmla="*/ 5456396 w 10858500"/>
-                <a:gd name="connsiteY9" fmla="*/ 0 h 4106126"/>
-                <a:gd name="connsiteX10" fmla="*/ 5809297 w 10858500"/>
-                <a:gd name="connsiteY10" fmla="*/ 0 h 4106126"/>
-                <a:gd name="connsiteX11" fmla="*/ 6270784 w 10858500"/>
-                <a:gd name="connsiteY11" fmla="*/ 0 h 4106126"/>
-                <a:gd name="connsiteX12" fmla="*/ 6732270 w 10858500"/>
-                <a:gd name="connsiteY12" fmla="*/ 0 h 4106126"/>
-                <a:gd name="connsiteX13" fmla="*/ 7410926 w 10858500"/>
-                <a:gd name="connsiteY13" fmla="*/ 0 h 4106126"/>
-                <a:gd name="connsiteX14" fmla="*/ 7980997 w 10858500"/>
-                <a:gd name="connsiteY14" fmla="*/ 0 h 4106126"/>
-                <a:gd name="connsiteX15" fmla="*/ 8768239 w 10858500"/>
-                <a:gd name="connsiteY15" fmla="*/ 0 h 4106126"/>
-                <a:gd name="connsiteX16" fmla="*/ 9555480 w 10858500"/>
-                <a:gd name="connsiteY16" fmla="*/ 0 h 4106126"/>
-                <a:gd name="connsiteX17" fmla="*/ 10125551 w 10858500"/>
-                <a:gd name="connsiteY17" fmla="*/ 0 h 4106126"/>
-                <a:gd name="connsiteX18" fmla="*/ 10858500 w 10858500"/>
-                <a:gd name="connsiteY18" fmla="*/ 0 h 4106126"/>
-                <a:gd name="connsiteX19" fmla="*/ 10858500 w 10858500"/>
-                <a:gd name="connsiteY19" fmla="*/ 725416 h 4106126"/>
-                <a:gd name="connsiteX20" fmla="*/ 10858500 w 10858500"/>
-                <a:gd name="connsiteY20" fmla="*/ 1491892 h 4106126"/>
-                <a:gd name="connsiteX21" fmla="*/ 10858500 w 10858500"/>
-                <a:gd name="connsiteY21" fmla="*/ 2094124 h 4106126"/>
-                <a:gd name="connsiteX22" fmla="*/ 10858500 w 10858500"/>
-                <a:gd name="connsiteY22" fmla="*/ 2737417 h 4106126"/>
-                <a:gd name="connsiteX23" fmla="*/ 10858500 w 10858500"/>
-                <a:gd name="connsiteY23" fmla="*/ 3421772 h 4106126"/>
-                <a:gd name="connsiteX24" fmla="*/ 10858500 w 10858500"/>
-                <a:gd name="connsiteY24" fmla="*/ 4106126 h 4106126"/>
-                <a:gd name="connsiteX25" fmla="*/ 10505599 w 10858500"/>
-                <a:gd name="connsiteY25" fmla="*/ 4106126 h 4106126"/>
-                <a:gd name="connsiteX26" fmla="*/ 9935528 w 10858500"/>
-                <a:gd name="connsiteY26" fmla="*/ 4106126 h 4106126"/>
-                <a:gd name="connsiteX27" fmla="*/ 9582626 w 10858500"/>
-                <a:gd name="connsiteY27" fmla="*/ 4106126 h 4106126"/>
-                <a:gd name="connsiteX28" fmla="*/ 9229725 w 10858500"/>
-                <a:gd name="connsiteY28" fmla="*/ 4106126 h 4106126"/>
-                <a:gd name="connsiteX29" fmla="*/ 8551069 w 10858500"/>
-                <a:gd name="connsiteY29" fmla="*/ 4106126 h 4106126"/>
-                <a:gd name="connsiteX30" fmla="*/ 7763828 w 10858500"/>
-                <a:gd name="connsiteY30" fmla="*/ 4106126 h 4106126"/>
-                <a:gd name="connsiteX31" fmla="*/ 6976586 w 10858500"/>
-                <a:gd name="connsiteY31" fmla="*/ 4106126 h 4106126"/>
-                <a:gd name="connsiteX32" fmla="*/ 6189345 w 10858500"/>
-                <a:gd name="connsiteY32" fmla="*/ 4106126 h 4106126"/>
-                <a:gd name="connsiteX33" fmla="*/ 5836444 w 10858500"/>
-                <a:gd name="connsiteY33" fmla="*/ 4106126 h 4106126"/>
-                <a:gd name="connsiteX34" fmla="*/ 5266373 w 10858500"/>
-                <a:gd name="connsiteY34" fmla="*/ 4106126 h 4106126"/>
-                <a:gd name="connsiteX35" fmla="*/ 4370546 w 10858500"/>
-                <a:gd name="connsiteY35" fmla="*/ 4106126 h 4106126"/>
-                <a:gd name="connsiteX36" fmla="*/ 3909060 w 10858500"/>
-                <a:gd name="connsiteY36" fmla="*/ 4106126 h 4106126"/>
-                <a:gd name="connsiteX37" fmla="*/ 3121819 w 10858500"/>
-                <a:gd name="connsiteY37" fmla="*/ 4106126 h 4106126"/>
-                <a:gd name="connsiteX38" fmla="*/ 2225992 w 10858500"/>
-                <a:gd name="connsiteY38" fmla="*/ 4106126 h 4106126"/>
-                <a:gd name="connsiteX39" fmla="*/ 1655921 w 10858500"/>
-                <a:gd name="connsiteY39" fmla="*/ 4106126 h 4106126"/>
-                <a:gd name="connsiteX40" fmla="*/ 1194435 w 10858500"/>
-                <a:gd name="connsiteY40" fmla="*/ 4106126 h 4106126"/>
-                <a:gd name="connsiteX41" fmla="*/ 732949 w 10858500"/>
-                <a:gd name="connsiteY41" fmla="*/ 4106126 h 4106126"/>
-                <a:gd name="connsiteX42" fmla="*/ 0 w 10858500"/>
-                <a:gd name="connsiteY42" fmla="*/ 4106126 h 4106126"/>
-                <a:gd name="connsiteX43" fmla="*/ 0 w 10858500"/>
-                <a:gd name="connsiteY43" fmla="*/ 3462833 h 4106126"/>
-                <a:gd name="connsiteX44" fmla="*/ 0 w 10858500"/>
-                <a:gd name="connsiteY44" fmla="*/ 2901662 h 4106126"/>
-                <a:gd name="connsiteX45" fmla="*/ 0 w 10858500"/>
-                <a:gd name="connsiteY45" fmla="*/ 2299431 h 4106126"/>
-                <a:gd name="connsiteX46" fmla="*/ 0 w 10858500"/>
-                <a:gd name="connsiteY46" fmla="*/ 1738260 h 4106126"/>
-                <a:gd name="connsiteX47" fmla="*/ 0 w 10858500"/>
-                <a:gd name="connsiteY47" fmla="*/ 1012844 h 4106126"/>
-                <a:gd name="connsiteX48" fmla="*/ 0 w 10858500"/>
-                <a:gd name="connsiteY48" fmla="*/ 0 h 4106126"/>
-              </a:gdLst>
-              <a:ahLst/>
-              <a:cxnLst>
-                <a:cxn ang="0">
-                  <a:pos x="connsiteX0" y="connsiteY0"/>
-                </a:cxn>
-                <a:cxn ang="0">
-                  <a:pos x="connsiteX1" y="connsiteY1"/>
-                </a:cxn>
-                <a:cxn ang="0">
-                  <a:pos x="connsiteX2" y="connsiteY2"/>
-                </a:cxn>
-                <a:cxn ang="0">
-                  <a:pos x="connsiteX3" y="connsiteY3"/>
-                </a:cxn>
-                <a:cxn ang="0">
-                  <a:pos x="connsiteX4" y="connsiteY4"/>
-                </a:cxn>
-                <a:cxn ang="0">
-                  <a:pos x="connsiteX5" y="connsiteY5"/>
-                </a:cxn>
-                <a:cxn ang="0">
-                  <a:pos x="connsiteX6" y="connsiteY6"/>
-                </a:cxn>
-                <a:cxn ang="0">
-                  <a:pos x="connsiteX7" y="connsiteY7"/>
-                </a:cxn>
-                <a:cxn ang="0">
-                  <a:pos x="connsiteX8" y="connsiteY8"/>
-                </a:cxn>
-                <a:cxn ang="0">
-                  <a:pos x="connsiteX9" y="connsiteY9"/>
-                </a:cxn>
-                <a:cxn ang="0">
-                  <a:pos x="connsiteX10" y="connsiteY10"/>
-                </a:cxn>
-                <a:cxn ang="0">
-                  <a:pos x="connsiteX11" y="connsiteY11"/>
-                </a:cxn>
-                <a:cxn ang="0">
-                  <a:pos x="connsiteX12" y="connsiteY12"/>
-                </a:cxn>
-                <a:cxn ang="0">
-                  <a:pos x="connsiteX13" y="connsiteY13"/>
-                </a:cxn>
-                <a:cxn ang="0">
-                  <a:pos x="connsiteX14" y="connsiteY14"/>
-                </a:cxn>
-                <a:cxn ang="0">
-                  <a:pos x="connsiteX15" y="connsiteY15"/>
-                </a:cxn>
-                <a:cxn ang="0">
-                  <a:pos x="connsiteX16" y="connsiteY16"/>
-                </a:cxn>
-                <a:cxn ang="0">
-                  <a:pos x="connsiteX17" y="connsiteY17"/>
-                </a:cxn>
-                <a:cxn ang="0">
-                  <a:pos x="connsiteX18" y="connsiteY18"/>
-                </a:cxn>
-                <a:cxn ang="0">
-                  <a:pos x="connsiteX19" y="connsiteY19"/>
-                </a:cxn>
-                <a:cxn ang="0">
-                  <a:pos x="connsiteX20" y="connsiteY20"/>
-                </a:cxn>
-                <a:cxn ang="0">
-                  <a:pos x="connsiteX21" y="connsiteY21"/>
-                </a:cxn>
-                <a:cxn ang="0">
-                  <a:pos x="connsiteX22" y="connsiteY22"/>
-                </a:cxn>
-                <a:cxn ang="0">
-                  <a:pos x="connsiteX23" y="connsiteY23"/>
-                </a:cxn>
-                <a:cxn ang="0">
-                  <a:pos x="connsiteX24" y="connsiteY24"/>
-                </a:cxn>
-                <a:cxn ang="0">
-                  <a:pos x="connsiteX25" y="connsiteY25"/>
-                </a:cxn>
-                <a:cxn ang="0">
-                  <a:pos x="connsiteX26" y="connsiteY26"/>
-                </a:cxn>
-                <a:cxn ang="0">
-                  <a:pos x="connsiteX27" y="connsiteY27"/>
-                </a:cxn>
-                <a:cxn ang="0">
-                  <a:pos x="connsiteX28" y="connsiteY28"/>
-                </a:cxn>
-                <a:cxn ang="0">
-                  <a:pos x="connsiteX29" y="connsiteY29"/>
-                </a:cxn>
-                <a:cxn ang="0">
-                  <a:pos x="connsiteX30" y="connsiteY30"/>
-                </a:cxn>
-                <a:cxn ang="0">
-                  <a:pos x="connsiteX31" y="connsiteY31"/>
-                </a:cxn>
-                <a:cxn ang="0">
-                  <a:pos x="connsiteX32" y="connsiteY32"/>
-                </a:cxn>
-                <a:cxn ang="0">
-                  <a:pos x="connsiteX33" y="connsiteY33"/>
-                </a:cxn>
-                <a:cxn ang="0">
-                  <a:pos x="connsiteX34" y="connsiteY34"/>
-                </a:cxn>
-                <a:cxn ang="0">
-                  <a:pos x="connsiteX35" y="connsiteY35"/>
-                </a:cxn>
-                <a:cxn ang="0">
-                  <a:pos x="connsiteX36" y="connsiteY36"/>
-                </a:cxn>
-                <a:cxn ang="0">
-                  <a:pos x="connsiteX37" y="connsiteY37"/>
-                </a:cxn>
-                <a:cxn ang="0">
-                  <a:pos x="connsiteX38" y="connsiteY38"/>
-                </a:cxn>
-                <a:cxn ang="0">
-                  <a:pos x="connsiteX39" y="connsiteY39"/>
-                </a:cxn>
-                <a:cxn ang="0">
-                  <a:pos x="connsiteX40" y="connsiteY40"/>
-                </a:cxn>
-                <a:cxn ang="0">
-                  <a:pos x="connsiteX41" y="connsiteY41"/>
-                </a:cxn>
-                <a:cxn ang="0">
-                  <a:pos x="connsiteX42" y="connsiteY42"/>
-                </a:cxn>
-                <a:cxn ang="0">
-                  <a:pos x="connsiteX43" y="connsiteY43"/>
-                </a:cxn>
-                <a:cxn ang="0">
-                  <a:pos x="connsiteX44" y="connsiteY44"/>
-                </a:cxn>
-                <a:cxn ang="0">
-                  <a:pos x="connsiteX45" y="connsiteY45"/>
-                </a:cxn>
-                <a:cxn ang="0">
-                  <a:pos x="connsiteX46" y="connsiteY46"/>
-                </a:cxn>
-                <a:cxn ang="0">
-                  <a:pos x="connsiteX47" y="connsiteY47"/>
-                </a:cxn>
-                <a:cxn ang="0">
-                  <a:pos x="connsiteX48" y="connsiteY48"/>
-                </a:cxn>
-              </a:cxnLst>
-              <a:rect l="l" t="t" r="r" b="b"/>
-              <a:pathLst>
-                <a:path w="10858500" h="4106126" fill="none" extrusionOk="0">
-                  <a:moveTo>
-                    <a:pt x="0" y="0"/>
-                  </a:moveTo>
-                  <a:cubicBezTo>
-                    <a:pt x="77245" y="-13478"/>
-                    <a:pt x="183820" y="-13057"/>
-                    <a:pt x="352901" y="0"/>
-                  </a:cubicBezTo>
-                  <a:cubicBezTo>
-                    <a:pt x="521982" y="13057"/>
-                    <a:pt x="691891" y="-17889"/>
-                    <a:pt x="922972" y="0"/>
-                  </a:cubicBezTo>
-                  <a:cubicBezTo>
-                    <a:pt x="1154053" y="17889"/>
-                    <a:pt x="1276663" y="-24709"/>
-                    <a:pt x="1493044" y="0"/>
-                  </a:cubicBezTo>
-                  <a:cubicBezTo>
-                    <a:pt x="1709425" y="24709"/>
-                    <a:pt x="2048407" y="3813"/>
-                    <a:pt x="2388870" y="0"/>
-                  </a:cubicBezTo>
-                  <a:cubicBezTo>
-                    <a:pt x="2729333" y="-3813"/>
-                    <a:pt x="2974270" y="-30884"/>
-                    <a:pt x="3284696" y="0"/>
-                  </a:cubicBezTo>
-                  <a:cubicBezTo>
-                    <a:pt x="3595122" y="30884"/>
-                    <a:pt x="3520949" y="7491"/>
-                    <a:pt x="3637597" y="0"/>
-                  </a:cubicBezTo>
-                  <a:cubicBezTo>
-                    <a:pt x="3754245" y="-7491"/>
-                    <a:pt x="3979277" y="18313"/>
-                    <a:pt x="4316254" y="0"/>
-                  </a:cubicBezTo>
-                  <a:cubicBezTo>
-                    <a:pt x="4653231" y="-18313"/>
-                    <a:pt x="4648775" y="17666"/>
-                    <a:pt x="4777740" y="0"/>
-                  </a:cubicBezTo>
-                  <a:cubicBezTo>
-                    <a:pt x="4906705" y="-17666"/>
-                    <a:pt x="5201718" y="22739"/>
-                    <a:pt x="5456396" y="0"/>
-                  </a:cubicBezTo>
-                  <a:cubicBezTo>
-                    <a:pt x="5711074" y="-22739"/>
-                    <a:pt x="5713032" y="17309"/>
-                    <a:pt x="5809297" y="0"/>
-                  </a:cubicBezTo>
-                  <a:cubicBezTo>
-                    <a:pt x="5905562" y="-17309"/>
-                    <a:pt x="6054295" y="17096"/>
-                    <a:pt x="6270784" y="0"/>
-                  </a:cubicBezTo>
-                  <a:cubicBezTo>
-                    <a:pt x="6487273" y="-17096"/>
-                    <a:pt x="6520360" y="23022"/>
-                    <a:pt x="6732270" y="0"/>
-                  </a:cubicBezTo>
-                  <a:cubicBezTo>
-                    <a:pt x="6944180" y="-23022"/>
-                    <a:pt x="7219300" y="20534"/>
-                    <a:pt x="7410926" y="0"/>
-                  </a:cubicBezTo>
-                  <a:cubicBezTo>
-                    <a:pt x="7602552" y="-20534"/>
-                    <a:pt x="7853932" y="-8532"/>
-                    <a:pt x="7980997" y="0"/>
-                  </a:cubicBezTo>
-                  <a:cubicBezTo>
-                    <a:pt x="8108062" y="8532"/>
-                    <a:pt x="8516700" y="-24876"/>
-                    <a:pt x="8768239" y="0"/>
-                  </a:cubicBezTo>
-                  <a:cubicBezTo>
-                    <a:pt x="9019778" y="24876"/>
-                    <a:pt x="9272249" y="-21657"/>
-                    <a:pt x="9555480" y="0"/>
-                  </a:cubicBezTo>
-                  <a:cubicBezTo>
-                    <a:pt x="9838711" y="21657"/>
-                    <a:pt x="9912604" y="27326"/>
-                    <a:pt x="10125551" y="0"/>
-                  </a:cubicBezTo>
-                  <a:cubicBezTo>
-                    <a:pt x="10338498" y="-27326"/>
-                    <a:pt x="10531065" y="-20073"/>
-                    <a:pt x="10858500" y="0"/>
-                  </a:cubicBezTo>
-                  <a:cubicBezTo>
-                    <a:pt x="10854034" y="350242"/>
-                    <a:pt x="10836281" y="511247"/>
-                    <a:pt x="10858500" y="725416"/>
-                  </a:cubicBezTo>
-                  <a:cubicBezTo>
-                    <a:pt x="10880719" y="939585"/>
-                    <a:pt x="10847217" y="1282848"/>
-                    <a:pt x="10858500" y="1491892"/>
-                  </a:cubicBezTo>
-                  <a:cubicBezTo>
-                    <a:pt x="10869783" y="1700936"/>
-                    <a:pt x="10840088" y="1968360"/>
-                    <a:pt x="10858500" y="2094124"/>
-                  </a:cubicBezTo>
-                  <a:cubicBezTo>
-                    <a:pt x="10876912" y="2219888"/>
-                    <a:pt x="10853062" y="2513267"/>
-                    <a:pt x="10858500" y="2737417"/>
-                  </a:cubicBezTo>
-                  <a:cubicBezTo>
-                    <a:pt x="10863938" y="2961567"/>
-                    <a:pt x="10841888" y="3157209"/>
-                    <a:pt x="10858500" y="3421772"/>
-                  </a:cubicBezTo>
-                  <a:cubicBezTo>
-                    <a:pt x="10875112" y="3686335"/>
-                    <a:pt x="10879108" y="3929049"/>
-                    <a:pt x="10858500" y="4106126"/>
-                  </a:cubicBezTo>
-                  <a:cubicBezTo>
-                    <a:pt x="10716114" y="4102490"/>
-                    <a:pt x="10582503" y="4104761"/>
-                    <a:pt x="10505599" y="4106126"/>
-                  </a:cubicBezTo>
-                  <a:cubicBezTo>
-                    <a:pt x="10428695" y="4107491"/>
-                    <a:pt x="10209691" y="4079601"/>
-                    <a:pt x="9935528" y="4106126"/>
-                  </a:cubicBezTo>
-                  <a:cubicBezTo>
-                    <a:pt x="9661365" y="4132651"/>
-                    <a:pt x="9684625" y="4120337"/>
-                    <a:pt x="9582626" y="4106126"/>
-                  </a:cubicBezTo>
-                  <a:cubicBezTo>
-                    <a:pt x="9480627" y="4091915"/>
-                    <a:pt x="9304133" y="4093781"/>
-                    <a:pt x="9229725" y="4106126"/>
-                  </a:cubicBezTo>
-                  <a:cubicBezTo>
-                    <a:pt x="9155317" y="4118471"/>
-                    <a:pt x="8720765" y="4074614"/>
-                    <a:pt x="8551069" y="4106126"/>
-                  </a:cubicBezTo>
-                  <a:cubicBezTo>
-                    <a:pt x="8381373" y="4137638"/>
-                    <a:pt x="8149073" y="4093671"/>
-                    <a:pt x="7763828" y="4106126"/>
-                  </a:cubicBezTo>
-                  <a:cubicBezTo>
-                    <a:pt x="7378583" y="4118581"/>
-                    <a:pt x="7366993" y="4114192"/>
-                    <a:pt x="6976586" y="4106126"/>
-                  </a:cubicBezTo>
-                  <a:cubicBezTo>
-                    <a:pt x="6586179" y="4098060"/>
-                    <a:pt x="6407540" y="4098124"/>
-                    <a:pt x="6189345" y="4106126"/>
-                  </a:cubicBezTo>
-                  <a:cubicBezTo>
-                    <a:pt x="5971150" y="4114128"/>
-                    <a:pt x="5928606" y="4109999"/>
-                    <a:pt x="5836444" y="4106126"/>
-                  </a:cubicBezTo>
-                  <a:cubicBezTo>
-                    <a:pt x="5744282" y="4102253"/>
-                    <a:pt x="5448253" y="4110794"/>
-                    <a:pt x="5266373" y="4106126"/>
-                  </a:cubicBezTo>
-                  <a:cubicBezTo>
-                    <a:pt x="5084493" y="4101458"/>
-                    <a:pt x="4781250" y="4121585"/>
-                    <a:pt x="4370546" y="4106126"/>
-                  </a:cubicBezTo>
-                  <a:cubicBezTo>
-                    <a:pt x="3959842" y="4090667"/>
-                    <a:pt x="4085346" y="4101457"/>
-                    <a:pt x="3909060" y="4106126"/>
-                  </a:cubicBezTo>
-                  <a:cubicBezTo>
-                    <a:pt x="3732774" y="4110795"/>
-                    <a:pt x="3421403" y="4122772"/>
-                    <a:pt x="3121819" y="4106126"/>
-                  </a:cubicBezTo>
-                  <a:cubicBezTo>
-                    <a:pt x="2822235" y="4089480"/>
-                    <a:pt x="2639069" y="4131516"/>
-                    <a:pt x="2225992" y="4106126"/>
-                  </a:cubicBezTo>
-                  <a:cubicBezTo>
-                    <a:pt x="1812915" y="4080736"/>
-                    <a:pt x="1779210" y="4100470"/>
-                    <a:pt x="1655921" y="4106126"/>
-                  </a:cubicBezTo>
-                  <a:cubicBezTo>
-                    <a:pt x="1532632" y="4111782"/>
-                    <a:pt x="1299972" y="4124912"/>
-                    <a:pt x="1194435" y="4106126"/>
-                  </a:cubicBezTo>
-                  <a:cubicBezTo>
-                    <a:pt x="1088898" y="4087340"/>
-                    <a:pt x="940620" y="4086256"/>
-                    <a:pt x="732949" y="4106126"/>
-                  </a:cubicBezTo>
-                  <a:cubicBezTo>
-                    <a:pt x="525278" y="4125996"/>
-                    <a:pt x="229430" y="4135342"/>
-                    <a:pt x="0" y="4106126"/>
-                  </a:cubicBezTo>
-                  <a:cubicBezTo>
-                    <a:pt x="-9462" y="3967386"/>
-                    <a:pt x="12291" y="3653647"/>
-                    <a:pt x="0" y="3462833"/>
-                  </a:cubicBezTo>
-                  <a:cubicBezTo>
-                    <a:pt x="-12291" y="3272019"/>
-                    <a:pt x="24945" y="3048512"/>
-                    <a:pt x="0" y="2901662"/>
-                  </a:cubicBezTo>
-                  <a:cubicBezTo>
-                    <a:pt x="-24945" y="2754812"/>
-                    <a:pt x="18527" y="2508362"/>
-                    <a:pt x="0" y="2299431"/>
-                  </a:cubicBezTo>
-                  <a:cubicBezTo>
-                    <a:pt x="-18527" y="2090500"/>
-                    <a:pt x="-18142" y="1900078"/>
-                    <a:pt x="0" y="1738260"/>
-                  </a:cubicBezTo>
-                  <a:cubicBezTo>
-                    <a:pt x="18142" y="1576442"/>
-                    <a:pt x="-13981" y="1173805"/>
-                    <a:pt x="0" y="1012844"/>
-                  </a:cubicBezTo>
-                  <a:cubicBezTo>
-                    <a:pt x="13981" y="851883"/>
-                    <a:pt x="-32228" y="414247"/>
-                    <a:pt x="0" y="0"/>
-                  </a:cubicBezTo>
-                  <a:close/>
-                </a:path>
-                <a:path w="10858500" h="4106126" stroke="0" extrusionOk="0">
-                  <a:moveTo>
-                    <a:pt x="0" y="0"/>
-                  </a:moveTo>
-                  <a:cubicBezTo>
-                    <a:pt x="143050" y="6793"/>
-                    <a:pt x="430579" y="-15425"/>
-                    <a:pt x="678656" y="0"/>
-                  </a:cubicBezTo>
-                  <a:cubicBezTo>
-                    <a:pt x="926733" y="15425"/>
-                    <a:pt x="1035217" y="14167"/>
-                    <a:pt x="1140143" y="0"/>
-                  </a:cubicBezTo>
-                  <a:cubicBezTo>
-                    <a:pt x="1245069" y="-14167"/>
-                    <a:pt x="1509893" y="24887"/>
-                    <a:pt x="1710214" y="0"/>
-                  </a:cubicBezTo>
-                  <a:cubicBezTo>
-                    <a:pt x="1910535" y="-24887"/>
-                    <a:pt x="2172833" y="-8709"/>
-                    <a:pt x="2388870" y="0"/>
-                  </a:cubicBezTo>
-                  <a:cubicBezTo>
-                    <a:pt x="2604907" y="8709"/>
-                    <a:pt x="2579146" y="-2275"/>
-                    <a:pt x="2741771" y="0"/>
-                  </a:cubicBezTo>
-                  <a:cubicBezTo>
-                    <a:pt x="2904396" y="2275"/>
-                    <a:pt x="3279310" y="-8298"/>
-                    <a:pt x="3529013" y="0"/>
-                  </a:cubicBezTo>
-                  <a:cubicBezTo>
-                    <a:pt x="3778716" y="8298"/>
-                    <a:pt x="3790054" y="-954"/>
-                    <a:pt x="3881914" y="0"/>
-                  </a:cubicBezTo>
-                  <a:cubicBezTo>
-                    <a:pt x="3973774" y="954"/>
-                    <a:pt x="4086724" y="3508"/>
-                    <a:pt x="4234815" y="0"/>
-                  </a:cubicBezTo>
-                  <a:cubicBezTo>
-                    <a:pt x="4382906" y="-3508"/>
-                    <a:pt x="4649133" y="-26440"/>
-                    <a:pt x="4913471" y="0"/>
-                  </a:cubicBezTo>
-                  <a:cubicBezTo>
-                    <a:pt x="5177809" y="26440"/>
-                    <a:pt x="5192328" y="6470"/>
-                    <a:pt x="5266373" y="0"/>
-                  </a:cubicBezTo>
-                  <a:cubicBezTo>
-                    <a:pt x="5340418" y="-6470"/>
-                    <a:pt x="5594634" y="7011"/>
-                    <a:pt x="5836444" y="0"/>
-                  </a:cubicBezTo>
-                  <a:cubicBezTo>
-                    <a:pt x="6078254" y="-7011"/>
-                    <a:pt x="6180387" y="-31812"/>
-                    <a:pt x="6515100" y="0"/>
-                  </a:cubicBezTo>
-                  <a:cubicBezTo>
-                    <a:pt x="6849813" y="31812"/>
-                    <a:pt x="7015966" y="18088"/>
-                    <a:pt x="7302341" y="0"/>
-                  </a:cubicBezTo>
-                  <a:cubicBezTo>
-                    <a:pt x="7588716" y="-18088"/>
-                    <a:pt x="7776705" y="24802"/>
-                    <a:pt x="7980998" y="0"/>
-                  </a:cubicBezTo>
-                  <a:cubicBezTo>
-                    <a:pt x="8185291" y="-24802"/>
-                    <a:pt x="8451156" y="-15888"/>
-                    <a:pt x="8659654" y="0"/>
-                  </a:cubicBezTo>
-                  <a:cubicBezTo>
-                    <a:pt x="8868152" y="15888"/>
-                    <a:pt x="9175728" y="98"/>
-                    <a:pt x="9446895" y="0"/>
-                  </a:cubicBezTo>
-                  <a:cubicBezTo>
-                    <a:pt x="9718062" y="-98"/>
-                    <a:pt x="9751940" y="18827"/>
-                    <a:pt x="9908381" y="0"/>
-                  </a:cubicBezTo>
-                  <a:cubicBezTo>
-                    <a:pt x="10064822" y="-18827"/>
-                    <a:pt x="10445814" y="2371"/>
-                    <a:pt x="10858500" y="0"/>
-                  </a:cubicBezTo>
-                  <a:cubicBezTo>
-                    <a:pt x="10861328" y="129949"/>
-                    <a:pt x="10828582" y="382492"/>
-                    <a:pt x="10858500" y="602232"/>
-                  </a:cubicBezTo>
-                  <a:cubicBezTo>
-                    <a:pt x="10888418" y="821972"/>
-                    <a:pt x="10874153" y="1078519"/>
-                    <a:pt x="10858500" y="1327647"/>
-                  </a:cubicBezTo>
-                  <a:cubicBezTo>
-                    <a:pt x="10842847" y="1576776"/>
-                    <a:pt x="10855747" y="1684219"/>
-                    <a:pt x="10858500" y="1929879"/>
-                  </a:cubicBezTo>
-                  <a:cubicBezTo>
-                    <a:pt x="10861253" y="2175539"/>
-                    <a:pt x="10824764" y="2309874"/>
-                    <a:pt x="10858500" y="2655295"/>
-                  </a:cubicBezTo>
-                  <a:cubicBezTo>
-                    <a:pt x="10892236" y="3000716"/>
-                    <a:pt x="10838483" y="3009519"/>
-                    <a:pt x="10858500" y="3298588"/>
-                  </a:cubicBezTo>
-                  <a:cubicBezTo>
-                    <a:pt x="10878517" y="3587657"/>
-                    <a:pt x="10842732" y="3914155"/>
-                    <a:pt x="10858500" y="4106126"/>
-                  </a:cubicBezTo>
-                  <a:cubicBezTo>
-                    <a:pt x="10702941" y="4077644"/>
-                    <a:pt x="10441039" y="4082373"/>
-                    <a:pt x="10288429" y="4106126"/>
-                  </a:cubicBezTo>
-                  <a:cubicBezTo>
-                    <a:pt x="10135819" y="4129879"/>
-                    <a:pt x="10066777" y="4115414"/>
-                    <a:pt x="9935528" y="4106126"/>
-                  </a:cubicBezTo>
-                  <a:cubicBezTo>
-                    <a:pt x="9804279" y="4096838"/>
-                    <a:pt x="9418886" y="4094815"/>
-                    <a:pt x="9148286" y="4106126"/>
-                  </a:cubicBezTo>
-                  <a:cubicBezTo>
-                    <a:pt x="8877686" y="4117437"/>
-                    <a:pt x="8436270" y="4077170"/>
-                    <a:pt x="8252460" y="4106126"/>
-                  </a:cubicBezTo>
-                  <a:cubicBezTo>
-                    <a:pt x="8068650" y="4135082"/>
-                    <a:pt x="7773043" y="4120689"/>
-                    <a:pt x="7465219" y="4106126"/>
-                  </a:cubicBezTo>
-                  <a:cubicBezTo>
-                    <a:pt x="7157395" y="4091563"/>
-                    <a:pt x="6910874" y="4110422"/>
-                    <a:pt x="6569393" y="4106126"/>
-                  </a:cubicBezTo>
-                  <a:cubicBezTo>
-                    <a:pt x="6227912" y="4101830"/>
-                    <a:pt x="6083038" y="4103151"/>
-                    <a:pt x="5673566" y="4106126"/>
-                  </a:cubicBezTo>
-                  <a:cubicBezTo>
-                    <a:pt x="5264094" y="4109101"/>
-                    <a:pt x="5325126" y="4117218"/>
-                    <a:pt x="5212080" y="4106126"/>
-                  </a:cubicBezTo>
-                  <a:cubicBezTo>
-                    <a:pt x="5099034" y="4095034"/>
-                    <a:pt x="4618214" y="4136068"/>
-                    <a:pt x="4316254" y="4106126"/>
-                  </a:cubicBezTo>
-                  <a:cubicBezTo>
-                    <a:pt x="4014294" y="4076184"/>
-                    <a:pt x="3712112" y="4136445"/>
-                    <a:pt x="3420427" y="4106126"/>
-                  </a:cubicBezTo>
-                  <a:cubicBezTo>
-                    <a:pt x="3128742" y="4075807"/>
-                    <a:pt x="2865983" y="4143374"/>
-                    <a:pt x="2633186" y="4106126"/>
-                  </a:cubicBezTo>
-                  <a:cubicBezTo>
-                    <a:pt x="2400389" y="4068878"/>
-                    <a:pt x="2327892" y="4116133"/>
-                    <a:pt x="2063115" y="4106126"/>
-                  </a:cubicBezTo>
-                  <a:cubicBezTo>
-                    <a:pt x="1798338" y="4096119"/>
-                    <a:pt x="1597335" y="4138186"/>
-                    <a:pt x="1275874" y="4106126"/>
-                  </a:cubicBezTo>
-                  <a:cubicBezTo>
-                    <a:pt x="954413" y="4074066"/>
-                    <a:pt x="596752" y="4122670"/>
-                    <a:pt x="0" y="4106126"/>
-                  </a:cubicBezTo>
-                  <a:cubicBezTo>
-                    <a:pt x="-6623" y="3916821"/>
-                    <a:pt x="1869" y="3751571"/>
-                    <a:pt x="0" y="3544955"/>
-                  </a:cubicBezTo>
-                  <a:cubicBezTo>
-                    <a:pt x="-1869" y="3338339"/>
-                    <a:pt x="-12915" y="3113374"/>
-                    <a:pt x="0" y="2778479"/>
-                  </a:cubicBezTo>
-                  <a:cubicBezTo>
-                    <a:pt x="12915" y="2443584"/>
-                    <a:pt x="27958" y="2345602"/>
-                    <a:pt x="0" y="2176247"/>
-                  </a:cubicBezTo>
-                  <a:cubicBezTo>
-                    <a:pt x="-27958" y="2006892"/>
-                    <a:pt x="23448" y="1786018"/>
-                    <a:pt x="0" y="1409770"/>
-                  </a:cubicBezTo>
-                  <a:cubicBezTo>
-                    <a:pt x="-23448" y="1033522"/>
-                    <a:pt x="-15553" y="1126737"/>
-                    <a:pt x="0" y="848599"/>
-                  </a:cubicBezTo>
-                  <a:cubicBezTo>
-                    <a:pt x="15553" y="570461"/>
-                    <a:pt x="41628" y="381028"/>
-                    <a:pt x="0" y="0"/>
-                  </a:cubicBezTo>
-                  <a:close/>
-                </a:path>
-              </a:pathLst>
-            </a:custGeom>
-            <a:ln>
-              <a:solidFill>
-                <a:schemeClr val="tx1"/>
-              </a:solidFill>
-              <a:extLst>
-                <a:ext uri="{C807C97D-BFC1-408E-A445-0C87EB9F89A2}">
-                  <ask:lineSketchStyleProps xmlns:ask="http://schemas.microsoft.com/office/drawing/2018/sketchyshapes" sd="301474445">
-                    <a:prstGeom prst="rect">
-                      <a:avLst/>
-                    </a:prstGeom>
-                    <ask:type>
-                      <ask:lineSketchFreehand/>
-                    </ask:type>
-                  </ask:lineSketchStyleProps>
-                </a:ext>
-              </a:extLst>
-            </a:ln>
-          </p:spPr>
-        </p:pic>
-        <p:sp>
-          <p:nvSpPr>
-            <p:cNvPr id="12" name="TextBox 11">
-              <a:extLst>
-                <a:ext uri="{FF2B5EF4-FFF2-40B4-BE49-F238E27FC236}">
-                  <a16:creationId xmlns:a16="http://schemas.microsoft.com/office/drawing/2014/main" id="{C2DB36CE-60D3-90F9-7746-6EC02E1C4FD0}"/>
-                </a:ext>
-              </a:extLst>
-            </p:cNvPr>
-            <p:cNvSpPr txBox="1"/>
-            <p:nvPr/>
-          </p:nvSpPr>
-          <p:spPr>
-            <a:xfrm>
-              <a:off x="3892977" y="700563"/>
-              <a:ext cx="1917273" cy="307777"/>
-            </a:xfrm>
-            <a:prstGeom prst="rect">
-              <a:avLst/>
-            </a:prstGeom>
-            <a:solidFill>
-              <a:schemeClr val="bg1"/>
-            </a:solidFill>
-          </p:spPr>
-          <p:txBody>
-            <a:bodyPr wrap="square">
-              <a:spAutoFit/>
-            </a:bodyPr>
-            <a:lstStyle/>
-            <a:p>
-              <a:pPr algn="ctr"/>
-              <a:r>
-                <a:rPr lang="it-IT" sz="1400" b="0" i="1" dirty="0">
-                  <a:solidFill>
-                    <a:srgbClr val="212121"/>
-                  </a:solidFill>
-                  <a:effectLst/>
-                  <a:latin typeface="Arial Nova Cond" panose="020B0506020202020204" pitchFamily="34" charset="0"/>
-                </a:rPr>
-                <a:t>view_eimfp_props(</a:t>
-              </a:r>
-              <a:r>
-                <a:rPr lang="it-IT" sz="1400" b="0" i="1" u="none" strike="noStrike" dirty="0">
-                  <a:solidFill>
-                    <a:srgbClr val="A709F5"/>
-                  </a:solidFill>
-                  <a:effectLst/>
-                  <a:latin typeface="Arial Nova Cond" panose="020B0506020202020204" pitchFamily="34" charset="0"/>
-                </a:rPr>
-                <a:t>"Si"</a:t>
-              </a:r>
-              <a:r>
-                <a:rPr lang="it-IT" sz="1400" b="0" i="1" dirty="0">
-                  <a:solidFill>
-                    <a:srgbClr val="212121"/>
-                  </a:solidFill>
-                  <a:effectLst/>
-                  <a:latin typeface="Arial Nova Cond" panose="020B0506020202020204" pitchFamily="34" charset="0"/>
-                </a:rPr>
-                <a:t>);</a:t>
-              </a:r>
-            </a:p>
-          </p:txBody>
-        </p:sp>
-        <p:sp>
-          <p:nvSpPr>
-            <p:cNvPr id="13" name="TextBox 12">
-              <a:extLst>
-                <a:ext uri="{FF2B5EF4-FFF2-40B4-BE49-F238E27FC236}">
-                  <a16:creationId xmlns:a16="http://schemas.microsoft.com/office/drawing/2014/main" id="{403FAB03-7C97-0D17-BC97-FD3DAFFF8831}"/>
-                </a:ext>
-              </a:extLst>
-            </p:cNvPr>
-            <p:cNvSpPr txBox="1"/>
-            <p:nvPr/>
-          </p:nvSpPr>
-          <p:spPr>
-            <a:xfrm>
-              <a:off x="9213850" y="757713"/>
-              <a:ext cx="2135961" cy="307777"/>
-            </a:xfrm>
-            <a:prstGeom prst="rect">
-              <a:avLst/>
-            </a:prstGeom>
-            <a:solidFill>
-              <a:schemeClr val="bg1"/>
-            </a:solidFill>
-          </p:spPr>
-          <p:txBody>
-            <a:bodyPr wrap="square">
-              <a:spAutoFit/>
-            </a:bodyPr>
-            <a:lstStyle/>
-            <a:p>
-              <a:pPr algn="ctr"/>
-              <a:r>
-                <a:rPr lang="it-IT" sz="1400" b="0" i="1" dirty="0">
-                  <a:solidFill>
-                    <a:srgbClr val="212121"/>
-                  </a:solidFill>
-                  <a:effectLst/>
-                  <a:latin typeface="Arial Nova Cond" panose="020B0506020202020204" pitchFamily="34" charset="0"/>
-                </a:rPr>
-                <a:t>view_eimfp_props(</a:t>
-              </a:r>
-              <a:r>
-                <a:rPr lang="it-IT" sz="1400" b="0" i="1" u="none" strike="noStrike" dirty="0">
-                  <a:solidFill>
-                    <a:srgbClr val="A709F5"/>
-                  </a:solidFill>
-                  <a:effectLst/>
-                  <a:latin typeface="Arial Nova Cond" panose="020B0506020202020204" pitchFamily="34" charset="0"/>
-                </a:rPr>
-                <a:t>"InAs"</a:t>
-              </a:r>
-              <a:r>
-                <a:rPr lang="it-IT" sz="1400" b="0" i="1" dirty="0">
-                  <a:solidFill>
-                    <a:srgbClr val="212121"/>
-                  </a:solidFill>
-                  <a:effectLst/>
-                  <a:latin typeface="Arial Nova Cond" panose="020B0506020202020204" pitchFamily="34" charset="0"/>
-                </a:rPr>
-                <a:t>);</a:t>
-              </a:r>
-            </a:p>
-          </p:txBody>
-        </p:sp>
-      </p:grpSp>
     </p:spTree>
     <p:extLst>
       <p:ext uri="{BB962C8B-B14F-4D97-AF65-F5344CB8AC3E}">
-        <p14:creationId xmlns:p14="http://schemas.microsoft.com/office/powerpoint/2010/main" val="3812492309"/>
+        <p14:creationId xmlns:p14="http://schemas.microsoft.com/office/powerpoint/2010/main" val="2195047201"/>
       </p:ext>
     </p:extLst>
   </p:cSld>
@@ -8010,10 +7533,10 @@
       </p:grpSpPr>
       <p:pic>
         <p:nvPicPr>
-          <p:cNvPr id="5" name="Picture 4">
-            <a:extLst>
-              <a:ext uri="{FF2B5EF4-FFF2-40B4-BE49-F238E27FC236}">
-                <a16:creationId xmlns:a16="http://schemas.microsoft.com/office/drawing/2014/main" id="{BB780C83-1A20-4E97-9424-5DF82C1AA757}"/>
+          <p:cNvPr id="6" name="Picture 5">
+            <a:extLst>
+              <a:ext uri="{FF2B5EF4-FFF2-40B4-BE49-F238E27FC236}">
+                <a16:creationId xmlns:a16="http://schemas.microsoft.com/office/drawing/2014/main" id="{0933BDBA-18AC-86FA-36ED-57F05519EB31}"/>
               </a:ext>
             </a:extLst>
           </p:cNvPr>
@@ -8030,512 +7553,20 @@
         </p:blipFill>
         <p:spPr>
           <a:xfrm>
-            <a:off x="1050767" y="3685271"/>
-            <a:ext cx="6559865" cy="3109229"/>
+            <a:off x="0" y="817754"/>
+            <a:ext cx="7973181" cy="3338883"/>
           </a:xfrm>
-          <a:custGeom>
+          <a:prstGeom prst="rect">
             <a:avLst/>
-            <a:gdLst>
-              <a:gd name="connsiteX0" fmla="*/ 0 w 6559865"/>
-              <a:gd name="connsiteY0" fmla="*/ 0 h 3109229"/>
-              <a:gd name="connsiteX1" fmla="*/ 590388 w 6559865"/>
-              <a:gd name="connsiteY1" fmla="*/ 0 h 3109229"/>
-              <a:gd name="connsiteX2" fmla="*/ 1115177 w 6559865"/>
-              <a:gd name="connsiteY2" fmla="*/ 0 h 3109229"/>
-              <a:gd name="connsiteX3" fmla="*/ 1574368 w 6559865"/>
-              <a:gd name="connsiteY3" fmla="*/ 0 h 3109229"/>
-              <a:gd name="connsiteX4" fmla="*/ 2164755 w 6559865"/>
-              <a:gd name="connsiteY4" fmla="*/ 0 h 3109229"/>
-              <a:gd name="connsiteX5" fmla="*/ 2623946 w 6559865"/>
-              <a:gd name="connsiteY5" fmla="*/ 0 h 3109229"/>
-              <a:gd name="connsiteX6" fmla="*/ 3083137 w 6559865"/>
-              <a:gd name="connsiteY6" fmla="*/ 0 h 3109229"/>
-              <a:gd name="connsiteX7" fmla="*/ 3542327 w 6559865"/>
-              <a:gd name="connsiteY7" fmla="*/ 0 h 3109229"/>
-              <a:gd name="connsiteX8" fmla="*/ 4263912 w 6559865"/>
-              <a:gd name="connsiteY8" fmla="*/ 0 h 3109229"/>
-              <a:gd name="connsiteX9" fmla="*/ 4788701 w 6559865"/>
-              <a:gd name="connsiteY9" fmla="*/ 0 h 3109229"/>
-              <a:gd name="connsiteX10" fmla="*/ 5510287 w 6559865"/>
-              <a:gd name="connsiteY10" fmla="*/ 0 h 3109229"/>
-              <a:gd name="connsiteX11" fmla="*/ 6559865 w 6559865"/>
-              <a:gd name="connsiteY11" fmla="*/ 0 h 3109229"/>
-              <a:gd name="connsiteX12" fmla="*/ 6559865 w 6559865"/>
-              <a:gd name="connsiteY12" fmla="*/ 621846 h 3109229"/>
-              <a:gd name="connsiteX13" fmla="*/ 6559865 w 6559865"/>
-              <a:gd name="connsiteY13" fmla="*/ 1305876 h 3109229"/>
-              <a:gd name="connsiteX14" fmla="*/ 6559865 w 6559865"/>
-              <a:gd name="connsiteY14" fmla="*/ 1896630 h 3109229"/>
-              <a:gd name="connsiteX15" fmla="*/ 6559865 w 6559865"/>
-              <a:gd name="connsiteY15" fmla="*/ 2425199 h 3109229"/>
-              <a:gd name="connsiteX16" fmla="*/ 6559865 w 6559865"/>
-              <a:gd name="connsiteY16" fmla="*/ 3109229 h 3109229"/>
-              <a:gd name="connsiteX17" fmla="*/ 6035076 w 6559865"/>
-              <a:gd name="connsiteY17" fmla="*/ 3109229 h 3109229"/>
-              <a:gd name="connsiteX18" fmla="*/ 5510287 w 6559865"/>
-              <a:gd name="connsiteY18" fmla="*/ 3109229 h 3109229"/>
-              <a:gd name="connsiteX19" fmla="*/ 4985497 w 6559865"/>
-              <a:gd name="connsiteY19" fmla="*/ 3109229 h 3109229"/>
-              <a:gd name="connsiteX20" fmla="*/ 4198314 w 6559865"/>
-              <a:gd name="connsiteY20" fmla="*/ 3109229 h 3109229"/>
-              <a:gd name="connsiteX21" fmla="*/ 3476728 w 6559865"/>
-              <a:gd name="connsiteY21" fmla="*/ 3109229 h 3109229"/>
-              <a:gd name="connsiteX22" fmla="*/ 2689545 w 6559865"/>
-              <a:gd name="connsiteY22" fmla="*/ 3109229 h 3109229"/>
-              <a:gd name="connsiteX23" fmla="*/ 2164755 w 6559865"/>
-              <a:gd name="connsiteY23" fmla="*/ 3109229 h 3109229"/>
-              <a:gd name="connsiteX24" fmla="*/ 1639966 w 6559865"/>
-              <a:gd name="connsiteY24" fmla="*/ 3109229 h 3109229"/>
-              <a:gd name="connsiteX25" fmla="*/ 918381 w 6559865"/>
-              <a:gd name="connsiteY25" fmla="*/ 3109229 h 3109229"/>
-              <a:gd name="connsiteX26" fmla="*/ 0 w 6559865"/>
-              <a:gd name="connsiteY26" fmla="*/ 3109229 h 3109229"/>
-              <a:gd name="connsiteX27" fmla="*/ 0 w 6559865"/>
-              <a:gd name="connsiteY27" fmla="*/ 2425199 h 3109229"/>
-              <a:gd name="connsiteX28" fmla="*/ 0 w 6559865"/>
-              <a:gd name="connsiteY28" fmla="*/ 1741168 h 3109229"/>
-              <a:gd name="connsiteX29" fmla="*/ 0 w 6559865"/>
-              <a:gd name="connsiteY29" fmla="*/ 1057138 h 3109229"/>
-              <a:gd name="connsiteX30" fmla="*/ 0 w 6559865"/>
-              <a:gd name="connsiteY30" fmla="*/ 0 h 3109229"/>
-            </a:gdLst>
-            <a:ahLst/>
-            <a:cxnLst>
-              <a:cxn ang="0">
-                <a:pos x="connsiteX0" y="connsiteY0"/>
-              </a:cxn>
-              <a:cxn ang="0">
-                <a:pos x="connsiteX1" y="connsiteY1"/>
-              </a:cxn>
-              <a:cxn ang="0">
-                <a:pos x="connsiteX2" y="connsiteY2"/>
-              </a:cxn>
-              <a:cxn ang="0">
-                <a:pos x="connsiteX3" y="connsiteY3"/>
-              </a:cxn>
-              <a:cxn ang="0">
-                <a:pos x="connsiteX4" y="connsiteY4"/>
-              </a:cxn>
-              <a:cxn ang="0">
-                <a:pos x="connsiteX5" y="connsiteY5"/>
-              </a:cxn>
-              <a:cxn ang="0">
-                <a:pos x="connsiteX6" y="connsiteY6"/>
-              </a:cxn>
-              <a:cxn ang="0">
-                <a:pos x="connsiteX7" y="connsiteY7"/>
-              </a:cxn>
-              <a:cxn ang="0">
-                <a:pos x="connsiteX8" y="connsiteY8"/>
-              </a:cxn>
-              <a:cxn ang="0">
-                <a:pos x="connsiteX9" y="connsiteY9"/>
-              </a:cxn>
-              <a:cxn ang="0">
-                <a:pos x="connsiteX10" y="connsiteY10"/>
-              </a:cxn>
-              <a:cxn ang="0">
-                <a:pos x="connsiteX11" y="connsiteY11"/>
-              </a:cxn>
-              <a:cxn ang="0">
-                <a:pos x="connsiteX12" y="connsiteY12"/>
-              </a:cxn>
-              <a:cxn ang="0">
-                <a:pos x="connsiteX13" y="connsiteY13"/>
-              </a:cxn>
-              <a:cxn ang="0">
-                <a:pos x="connsiteX14" y="connsiteY14"/>
-              </a:cxn>
-              <a:cxn ang="0">
-                <a:pos x="connsiteX15" y="connsiteY15"/>
-              </a:cxn>
-              <a:cxn ang="0">
-                <a:pos x="connsiteX16" y="connsiteY16"/>
-              </a:cxn>
-              <a:cxn ang="0">
-                <a:pos x="connsiteX17" y="connsiteY17"/>
-              </a:cxn>
-              <a:cxn ang="0">
-                <a:pos x="connsiteX18" y="connsiteY18"/>
-              </a:cxn>
-              <a:cxn ang="0">
-                <a:pos x="connsiteX19" y="connsiteY19"/>
-              </a:cxn>
-              <a:cxn ang="0">
-                <a:pos x="connsiteX20" y="connsiteY20"/>
-              </a:cxn>
-              <a:cxn ang="0">
-                <a:pos x="connsiteX21" y="connsiteY21"/>
-              </a:cxn>
-              <a:cxn ang="0">
-                <a:pos x="connsiteX22" y="connsiteY22"/>
-              </a:cxn>
-              <a:cxn ang="0">
-                <a:pos x="connsiteX23" y="connsiteY23"/>
-              </a:cxn>
-              <a:cxn ang="0">
-                <a:pos x="connsiteX24" y="connsiteY24"/>
-              </a:cxn>
-              <a:cxn ang="0">
-                <a:pos x="connsiteX25" y="connsiteY25"/>
-              </a:cxn>
-              <a:cxn ang="0">
-                <a:pos x="connsiteX26" y="connsiteY26"/>
-              </a:cxn>
-              <a:cxn ang="0">
-                <a:pos x="connsiteX27" y="connsiteY27"/>
-              </a:cxn>
-              <a:cxn ang="0">
-                <a:pos x="connsiteX28" y="connsiteY28"/>
-              </a:cxn>
-              <a:cxn ang="0">
-                <a:pos x="connsiteX29" y="connsiteY29"/>
-              </a:cxn>
-              <a:cxn ang="0">
-                <a:pos x="connsiteX30" y="connsiteY30"/>
-              </a:cxn>
-            </a:cxnLst>
-            <a:rect l="l" t="t" r="r" b="b"/>
-            <a:pathLst>
-              <a:path w="6559865" h="3109229" fill="none" extrusionOk="0">
-                <a:moveTo>
-                  <a:pt x="0" y="0"/>
-                </a:moveTo>
-                <a:cubicBezTo>
-                  <a:pt x="239433" y="-25192"/>
-                  <a:pt x="385722" y="11055"/>
-                  <a:pt x="590388" y="0"/>
-                </a:cubicBezTo>
-                <a:cubicBezTo>
-                  <a:pt x="795054" y="-11055"/>
-                  <a:pt x="903709" y="-22041"/>
-                  <a:pt x="1115177" y="0"/>
-                </a:cubicBezTo>
-                <a:cubicBezTo>
-                  <a:pt x="1326645" y="22041"/>
-                  <a:pt x="1352637" y="2760"/>
-                  <a:pt x="1574368" y="0"/>
-                </a:cubicBezTo>
-                <a:cubicBezTo>
-                  <a:pt x="1796099" y="-2760"/>
-                  <a:pt x="1919780" y="3999"/>
-                  <a:pt x="2164755" y="0"/>
-                </a:cubicBezTo>
-                <a:cubicBezTo>
-                  <a:pt x="2409730" y="-3999"/>
-                  <a:pt x="2421988" y="20376"/>
-                  <a:pt x="2623946" y="0"/>
-                </a:cubicBezTo>
-                <a:cubicBezTo>
-                  <a:pt x="2825904" y="-20376"/>
-                  <a:pt x="2885890" y="-15881"/>
-                  <a:pt x="3083137" y="0"/>
-                </a:cubicBezTo>
-                <a:cubicBezTo>
-                  <a:pt x="3280384" y="15881"/>
-                  <a:pt x="3335379" y="-7798"/>
-                  <a:pt x="3542327" y="0"/>
-                </a:cubicBezTo>
-                <a:cubicBezTo>
-                  <a:pt x="3749275" y="7798"/>
-                  <a:pt x="4096622" y="-24352"/>
-                  <a:pt x="4263912" y="0"/>
-                </a:cubicBezTo>
-                <a:cubicBezTo>
-                  <a:pt x="4431202" y="24352"/>
-                  <a:pt x="4550670" y="814"/>
-                  <a:pt x="4788701" y="0"/>
-                </a:cubicBezTo>
-                <a:cubicBezTo>
-                  <a:pt x="5026732" y="-814"/>
-                  <a:pt x="5230562" y="-25905"/>
-                  <a:pt x="5510287" y="0"/>
-                </a:cubicBezTo>
-                <a:cubicBezTo>
-                  <a:pt x="5790012" y="25905"/>
-                  <a:pt x="6271317" y="9648"/>
-                  <a:pt x="6559865" y="0"/>
-                </a:cubicBezTo>
-                <a:cubicBezTo>
-                  <a:pt x="6549972" y="231632"/>
-                  <a:pt x="6560982" y="327072"/>
-                  <a:pt x="6559865" y="621846"/>
-                </a:cubicBezTo>
-                <a:cubicBezTo>
-                  <a:pt x="6558748" y="916620"/>
-                  <a:pt x="6537105" y="1105105"/>
-                  <a:pt x="6559865" y="1305876"/>
-                </a:cubicBezTo>
-                <a:cubicBezTo>
-                  <a:pt x="6582626" y="1506647"/>
-                  <a:pt x="6563234" y="1687947"/>
-                  <a:pt x="6559865" y="1896630"/>
-                </a:cubicBezTo>
-                <a:cubicBezTo>
-                  <a:pt x="6556496" y="2105313"/>
-                  <a:pt x="6561643" y="2295845"/>
-                  <a:pt x="6559865" y="2425199"/>
-                </a:cubicBezTo>
-                <a:cubicBezTo>
-                  <a:pt x="6558087" y="2554553"/>
-                  <a:pt x="6534607" y="2885201"/>
-                  <a:pt x="6559865" y="3109229"/>
-                </a:cubicBezTo>
-                <a:cubicBezTo>
-                  <a:pt x="6375857" y="3115940"/>
-                  <a:pt x="6242969" y="3127562"/>
-                  <a:pt x="6035076" y="3109229"/>
-                </a:cubicBezTo>
-                <a:cubicBezTo>
-                  <a:pt x="5827183" y="3090896"/>
-                  <a:pt x="5767415" y="3105669"/>
-                  <a:pt x="5510287" y="3109229"/>
-                </a:cubicBezTo>
-                <a:cubicBezTo>
-                  <a:pt x="5253159" y="3112789"/>
-                  <a:pt x="5107439" y="3096607"/>
-                  <a:pt x="4985497" y="3109229"/>
-                </a:cubicBezTo>
-                <a:cubicBezTo>
-                  <a:pt x="4863555" y="3121852"/>
-                  <a:pt x="4512901" y="3148588"/>
-                  <a:pt x="4198314" y="3109229"/>
-                </a:cubicBezTo>
-                <a:cubicBezTo>
-                  <a:pt x="3883727" y="3069870"/>
-                  <a:pt x="3654110" y="3100097"/>
-                  <a:pt x="3476728" y="3109229"/>
-                </a:cubicBezTo>
-                <a:cubicBezTo>
-                  <a:pt x="3299346" y="3118361"/>
-                  <a:pt x="2861370" y="3090870"/>
-                  <a:pt x="2689545" y="3109229"/>
-                </a:cubicBezTo>
-                <a:cubicBezTo>
-                  <a:pt x="2517720" y="3127588"/>
-                  <a:pt x="2351068" y="3128299"/>
-                  <a:pt x="2164755" y="3109229"/>
-                </a:cubicBezTo>
-                <a:cubicBezTo>
-                  <a:pt x="1978442" y="3090160"/>
-                  <a:pt x="1822473" y="3118337"/>
-                  <a:pt x="1639966" y="3109229"/>
-                </a:cubicBezTo>
-                <a:cubicBezTo>
-                  <a:pt x="1457459" y="3100121"/>
-                  <a:pt x="1089420" y="3079627"/>
-                  <a:pt x="918381" y="3109229"/>
-                </a:cubicBezTo>
-                <a:cubicBezTo>
-                  <a:pt x="747343" y="3138831"/>
-                  <a:pt x="432909" y="3136386"/>
-                  <a:pt x="0" y="3109229"/>
-                </a:cubicBezTo>
-                <a:cubicBezTo>
-                  <a:pt x="-78" y="2808416"/>
-                  <a:pt x="30691" y="2700667"/>
-                  <a:pt x="0" y="2425199"/>
-                </a:cubicBezTo>
-                <a:cubicBezTo>
-                  <a:pt x="-30691" y="2149731"/>
-                  <a:pt x="-27539" y="1978511"/>
-                  <a:pt x="0" y="1741168"/>
-                </a:cubicBezTo>
-                <a:cubicBezTo>
-                  <a:pt x="27539" y="1503825"/>
-                  <a:pt x="33269" y="1200409"/>
-                  <a:pt x="0" y="1057138"/>
-                </a:cubicBezTo>
-                <a:cubicBezTo>
-                  <a:pt x="-33269" y="913867"/>
-                  <a:pt x="-19831" y="316610"/>
-                  <a:pt x="0" y="0"/>
-                </a:cubicBezTo>
-                <a:close/>
-              </a:path>
-              <a:path w="6559865" h="3109229" stroke="0" extrusionOk="0">
-                <a:moveTo>
-                  <a:pt x="0" y="0"/>
-                </a:moveTo>
-                <a:cubicBezTo>
-                  <a:pt x="280868" y="-25057"/>
-                  <a:pt x="417665" y="-13070"/>
-                  <a:pt x="655987" y="0"/>
-                </a:cubicBezTo>
-                <a:cubicBezTo>
-                  <a:pt x="894309" y="13070"/>
-                  <a:pt x="1097614" y="11210"/>
-                  <a:pt x="1246374" y="0"/>
-                </a:cubicBezTo>
-                <a:cubicBezTo>
-                  <a:pt x="1395134" y="-11210"/>
-                  <a:pt x="1753270" y="36783"/>
-                  <a:pt x="2033558" y="0"/>
-                </a:cubicBezTo>
-                <a:cubicBezTo>
-                  <a:pt x="2313846" y="-36783"/>
-                  <a:pt x="2425599" y="2932"/>
-                  <a:pt x="2623946" y="0"/>
-                </a:cubicBezTo>
-                <a:cubicBezTo>
-                  <a:pt x="2822293" y="-2932"/>
-                  <a:pt x="2906429" y="-13637"/>
-                  <a:pt x="3083137" y="0"/>
-                </a:cubicBezTo>
-                <a:cubicBezTo>
-                  <a:pt x="3259845" y="13637"/>
-                  <a:pt x="3442871" y="-2511"/>
-                  <a:pt x="3673524" y="0"/>
-                </a:cubicBezTo>
-                <a:cubicBezTo>
-                  <a:pt x="3904177" y="2511"/>
-                  <a:pt x="4209120" y="-22008"/>
-                  <a:pt x="4460708" y="0"/>
-                </a:cubicBezTo>
-                <a:cubicBezTo>
-                  <a:pt x="4712296" y="22008"/>
-                  <a:pt x="4818438" y="-18117"/>
-                  <a:pt x="4919899" y="0"/>
-                </a:cubicBezTo>
-                <a:cubicBezTo>
-                  <a:pt x="5021360" y="18117"/>
-                  <a:pt x="5336356" y="10391"/>
-                  <a:pt x="5444688" y="0"/>
-                </a:cubicBezTo>
-                <a:cubicBezTo>
-                  <a:pt x="5553020" y="-10391"/>
-                  <a:pt x="6212295" y="1759"/>
-                  <a:pt x="6559865" y="0"/>
-                </a:cubicBezTo>
-                <a:cubicBezTo>
-                  <a:pt x="6537575" y="308219"/>
-                  <a:pt x="6572334" y="416884"/>
-                  <a:pt x="6559865" y="652938"/>
-                </a:cubicBezTo>
-                <a:cubicBezTo>
-                  <a:pt x="6547396" y="888992"/>
-                  <a:pt x="6548834" y="1057853"/>
-                  <a:pt x="6559865" y="1212599"/>
-                </a:cubicBezTo>
-                <a:cubicBezTo>
-                  <a:pt x="6570896" y="1367345"/>
-                  <a:pt x="6541827" y="1630180"/>
-                  <a:pt x="6559865" y="1772261"/>
-                </a:cubicBezTo>
-                <a:cubicBezTo>
-                  <a:pt x="6577903" y="1914342"/>
-                  <a:pt x="6539785" y="2151692"/>
-                  <a:pt x="6559865" y="2425199"/>
-                </a:cubicBezTo>
-                <a:cubicBezTo>
-                  <a:pt x="6579945" y="2698706"/>
-                  <a:pt x="6569889" y="2770857"/>
-                  <a:pt x="6559865" y="3109229"/>
-                </a:cubicBezTo>
-                <a:cubicBezTo>
-                  <a:pt x="6412321" y="3117090"/>
-                  <a:pt x="6310132" y="3097560"/>
-                  <a:pt x="6100674" y="3109229"/>
-                </a:cubicBezTo>
-                <a:cubicBezTo>
-                  <a:pt x="5891216" y="3120898"/>
-                  <a:pt x="5560237" y="3135071"/>
-                  <a:pt x="5379089" y="3109229"/>
-                </a:cubicBezTo>
-                <a:cubicBezTo>
-                  <a:pt x="5197941" y="3083387"/>
-                  <a:pt x="5117195" y="3126350"/>
-                  <a:pt x="4919899" y="3109229"/>
-                </a:cubicBezTo>
-                <a:cubicBezTo>
-                  <a:pt x="4722603" y="3092109"/>
-                  <a:pt x="4514440" y="3089222"/>
-                  <a:pt x="4329511" y="3109229"/>
-                </a:cubicBezTo>
-                <a:cubicBezTo>
-                  <a:pt x="4144582" y="3129236"/>
-                  <a:pt x="3838046" y="3082063"/>
-                  <a:pt x="3542327" y="3109229"/>
-                </a:cubicBezTo>
-                <a:cubicBezTo>
-                  <a:pt x="3246608" y="3136395"/>
-                  <a:pt x="3063753" y="3136582"/>
-                  <a:pt x="2820742" y="3109229"/>
-                </a:cubicBezTo>
-                <a:cubicBezTo>
-                  <a:pt x="2577732" y="3081876"/>
-                  <a:pt x="2409345" y="3075654"/>
-                  <a:pt x="2033558" y="3109229"/>
-                </a:cubicBezTo>
-                <a:cubicBezTo>
-                  <a:pt x="1657771" y="3142804"/>
-                  <a:pt x="1627226" y="3127178"/>
-                  <a:pt x="1377572" y="3109229"/>
-                </a:cubicBezTo>
-                <a:cubicBezTo>
-                  <a:pt x="1127918" y="3091280"/>
-                  <a:pt x="886125" y="3126648"/>
-                  <a:pt x="721585" y="3109229"/>
-                </a:cubicBezTo>
-                <a:cubicBezTo>
-                  <a:pt x="557045" y="3091810"/>
-                  <a:pt x="167660" y="3141865"/>
-                  <a:pt x="0" y="3109229"/>
-                </a:cubicBezTo>
-                <a:cubicBezTo>
-                  <a:pt x="22526" y="2835704"/>
-                  <a:pt x="32529" y="2654884"/>
-                  <a:pt x="0" y="2425199"/>
-                </a:cubicBezTo>
-                <a:cubicBezTo>
-                  <a:pt x="-32529" y="2195514"/>
-                  <a:pt x="8832" y="2010517"/>
-                  <a:pt x="0" y="1896630"/>
-                </a:cubicBezTo>
-                <a:cubicBezTo>
-                  <a:pt x="-8832" y="1782743"/>
-                  <a:pt x="-7022" y="1564452"/>
-                  <a:pt x="0" y="1305876"/>
-                </a:cubicBezTo>
-                <a:cubicBezTo>
-                  <a:pt x="7022" y="1047300"/>
-                  <a:pt x="12797" y="975697"/>
-                  <a:pt x="0" y="746215"/>
-                </a:cubicBezTo>
-                <a:cubicBezTo>
-                  <a:pt x="-12797" y="516733"/>
-                  <a:pt x="2998" y="318243"/>
-                  <a:pt x="0" y="0"/>
-                </a:cubicBezTo>
-                <a:close/>
-              </a:path>
-            </a:pathLst>
-          </a:custGeom>
-          <a:ln>
-            <a:solidFill>
-              <a:schemeClr val="tx1"/>
-            </a:solidFill>
-            <a:extLst>
-              <a:ext uri="{C807C97D-BFC1-408E-A445-0C87EB9F89A2}">
-                <ask:lineSketchStyleProps xmlns:ask="http://schemas.microsoft.com/office/drawing/2018/sketchyshapes" sd="1397445888">
-                  <a:prstGeom prst="rect">
-                    <a:avLst/>
-                  </a:prstGeom>
-                  <ask:type>
-                    <ask:lineSketchFreehand/>
-                  </ask:type>
-                </ask:lineSketchStyleProps>
-              </a:ext>
-            </a:extLst>
-          </a:ln>
+          </a:prstGeom>
         </p:spPr>
       </p:pic>
       <p:pic>
         <p:nvPicPr>
-          <p:cNvPr id="6" name="Picture 5">
-            <a:extLst>
-              <a:ext uri="{FF2B5EF4-FFF2-40B4-BE49-F238E27FC236}">
-                <a16:creationId xmlns:a16="http://schemas.microsoft.com/office/drawing/2014/main" id="{F485EF93-D181-455C-BF89-B5824F920795}"/>
+          <p:cNvPr id="12" name="Picture 11">
+            <a:extLst>
+              <a:ext uri="{FF2B5EF4-FFF2-40B4-BE49-F238E27FC236}">
+                <a16:creationId xmlns:a16="http://schemas.microsoft.com/office/drawing/2014/main" id="{3B3CA1F6-9C80-F442-741D-504F811B3D33}"/>
               </a:ext>
             </a:extLst>
           </p:cNvPr>
@@ -8552,532 +7583,50 @@
         </p:blipFill>
         <p:spPr>
           <a:xfrm>
-            <a:off x="135861" y="559175"/>
-            <a:ext cx="6535478" cy="3072650"/>
+            <a:off x="7973181" y="3371670"/>
+            <a:ext cx="4218819" cy="3486329"/>
           </a:xfrm>
-          <a:custGeom>
+          <a:prstGeom prst="rect">
             <a:avLst/>
-            <a:gdLst>
-              <a:gd name="connsiteX0" fmla="*/ 0 w 6535478"/>
-              <a:gd name="connsiteY0" fmla="*/ 0 h 3072650"/>
-              <a:gd name="connsiteX1" fmla="*/ 522838 w 6535478"/>
-              <a:gd name="connsiteY1" fmla="*/ 0 h 3072650"/>
-              <a:gd name="connsiteX2" fmla="*/ 980322 w 6535478"/>
-              <a:gd name="connsiteY2" fmla="*/ 0 h 3072650"/>
-              <a:gd name="connsiteX3" fmla="*/ 1437805 w 6535478"/>
-              <a:gd name="connsiteY3" fmla="*/ 0 h 3072650"/>
-              <a:gd name="connsiteX4" fmla="*/ 2222063 w 6535478"/>
-              <a:gd name="connsiteY4" fmla="*/ 0 h 3072650"/>
-              <a:gd name="connsiteX5" fmla="*/ 2875610 w 6535478"/>
-              <a:gd name="connsiteY5" fmla="*/ 0 h 3072650"/>
-              <a:gd name="connsiteX6" fmla="*/ 3398449 w 6535478"/>
-              <a:gd name="connsiteY6" fmla="*/ 0 h 3072650"/>
-              <a:gd name="connsiteX7" fmla="*/ 3921287 w 6535478"/>
-              <a:gd name="connsiteY7" fmla="*/ 0 h 3072650"/>
-              <a:gd name="connsiteX8" fmla="*/ 4574835 w 6535478"/>
-              <a:gd name="connsiteY8" fmla="*/ 0 h 3072650"/>
-              <a:gd name="connsiteX9" fmla="*/ 5359092 w 6535478"/>
-              <a:gd name="connsiteY9" fmla="*/ 0 h 3072650"/>
-              <a:gd name="connsiteX10" fmla="*/ 5947285 w 6535478"/>
-              <a:gd name="connsiteY10" fmla="*/ 0 h 3072650"/>
-              <a:gd name="connsiteX11" fmla="*/ 6535478 w 6535478"/>
-              <a:gd name="connsiteY11" fmla="*/ 0 h 3072650"/>
-              <a:gd name="connsiteX12" fmla="*/ 6535478 w 6535478"/>
-              <a:gd name="connsiteY12" fmla="*/ 583804 h 3072650"/>
-              <a:gd name="connsiteX13" fmla="*/ 6535478 w 6535478"/>
-              <a:gd name="connsiteY13" fmla="*/ 1259787 h 3072650"/>
-              <a:gd name="connsiteX14" fmla="*/ 6535478 w 6535478"/>
-              <a:gd name="connsiteY14" fmla="*/ 1874317 h 3072650"/>
-              <a:gd name="connsiteX15" fmla="*/ 6535478 w 6535478"/>
-              <a:gd name="connsiteY15" fmla="*/ 2488847 h 3072650"/>
-              <a:gd name="connsiteX16" fmla="*/ 6535478 w 6535478"/>
-              <a:gd name="connsiteY16" fmla="*/ 3072650 h 3072650"/>
-              <a:gd name="connsiteX17" fmla="*/ 6012640 w 6535478"/>
-              <a:gd name="connsiteY17" fmla="*/ 3072650 h 3072650"/>
-              <a:gd name="connsiteX18" fmla="*/ 5293737 w 6535478"/>
-              <a:gd name="connsiteY18" fmla="*/ 3072650 h 3072650"/>
-              <a:gd name="connsiteX19" fmla="*/ 4770899 w 6535478"/>
-              <a:gd name="connsiteY19" fmla="*/ 3072650 h 3072650"/>
-              <a:gd name="connsiteX20" fmla="*/ 4051996 w 6535478"/>
-              <a:gd name="connsiteY20" fmla="*/ 3072650 h 3072650"/>
-              <a:gd name="connsiteX21" fmla="*/ 3529158 w 6535478"/>
-              <a:gd name="connsiteY21" fmla="*/ 3072650 h 3072650"/>
-              <a:gd name="connsiteX22" fmla="*/ 3071675 w 6535478"/>
-              <a:gd name="connsiteY22" fmla="*/ 3072650 h 3072650"/>
-              <a:gd name="connsiteX23" fmla="*/ 2614191 w 6535478"/>
-              <a:gd name="connsiteY23" fmla="*/ 3072650 h 3072650"/>
-              <a:gd name="connsiteX24" fmla="*/ 2156708 w 6535478"/>
-              <a:gd name="connsiteY24" fmla="*/ 3072650 h 3072650"/>
-              <a:gd name="connsiteX25" fmla="*/ 1372450 w 6535478"/>
-              <a:gd name="connsiteY25" fmla="*/ 3072650 h 3072650"/>
-              <a:gd name="connsiteX26" fmla="*/ 849612 w 6535478"/>
-              <a:gd name="connsiteY26" fmla="*/ 3072650 h 3072650"/>
-              <a:gd name="connsiteX27" fmla="*/ 0 w 6535478"/>
-              <a:gd name="connsiteY27" fmla="*/ 3072650 h 3072650"/>
-              <a:gd name="connsiteX28" fmla="*/ 0 w 6535478"/>
-              <a:gd name="connsiteY28" fmla="*/ 2458120 h 3072650"/>
-              <a:gd name="connsiteX29" fmla="*/ 0 w 6535478"/>
-              <a:gd name="connsiteY29" fmla="*/ 1843590 h 3072650"/>
-              <a:gd name="connsiteX30" fmla="*/ 0 w 6535478"/>
-              <a:gd name="connsiteY30" fmla="*/ 1259786 h 3072650"/>
-              <a:gd name="connsiteX31" fmla="*/ 0 w 6535478"/>
-              <a:gd name="connsiteY31" fmla="*/ 645256 h 3072650"/>
-              <a:gd name="connsiteX32" fmla="*/ 0 w 6535478"/>
-              <a:gd name="connsiteY32" fmla="*/ 0 h 3072650"/>
-            </a:gdLst>
-            <a:ahLst/>
-            <a:cxnLst>
-              <a:cxn ang="0">
-                <a:pos x="connsiteX0" y="connsiteY0"/>
-              </a:cxn>
-              <a:cxn ang="0">
-                <a:pos x="connsiteX1" y="connsiteY1"/>
-              </a:cxn>
-              <a:cxn ang="0">
-                <a:pos x="connsiteX2" y="connsiteY2"/>
-              </a:cxn>
-              <a:cxn ang="0">
-                <a:pos x="connsiteX3" y="connsiteY3"/>
-              </a:cxn>
-              <a:cxn ang="0">
-                <a:pos x="connsiteX4" y="connsiteY4"/>
-              </a:cxn>
-              <a:cxn ang="0">
-                <a:pos x="connsiteX5" y="connsiteY5"/>
-              </a:cxn>
-              <a:cxn ang="0">
-                <a:pos x="connsiteX6" y="connsiteY6"/>
-              </a:cxn>
-              <a:cxn ang="0">
-                <a:pos x="connsiteX7" y="connsiteY7"/>
-              </a:cxn>
-              <a:cxn ang="0">
-                <a:pos x="connsiteX8" y="connsiteY8"/>
-              </a:cxn>
-              <a:cxn ang="0">
-                <a:pos x="connsiteX9" y="connsiteY9"/>
-              </a:cxn>
-              <a:cxn ang="0">
-                <a:pos x="connsiteX10" y="connsiteY10"/>
-              </a:cxn>
-              <a:cxn ang="0">
-                <a:pos x="connsiteX11" y="connsiteY11"/>
-              </a:cxn>
-              <a:cxn ang="0">
-                <a:pos x="connsiteX12" y="connsiteY12"/>
-              </a:cxn>
-              <a:cxn ang="0">
-                <a:pos x="connsiteX13" y="connsiteY13"/>
-              </a:cxn>
-              <a:cxn ang="0">
-                <a:pos x="connsiteX14" y="connsiteY14"/>
-              </a:cxn>
-              <a:cxn ang="0">
-                <a:pos x="connsiteX15" y="connsiteY15"/>
-              </a:cxn>
-              <a:cxn ang="0">
-                <a:pos x="connsiteX16" y="connsiteY16"/>
-              </a:cxn>
-              <a:cxn ang="0">
-                <a:pos x="connsiteX17" y="connsiteY17"/>
-              </a:cxn>
-              <a:cxn ang="0">
-                <a:pos x="connsiteX18" y="connsiteY18"/>
-              </a:cxn>
-              <a:cxn ang="0">
-                <a:pos x="connsiteX19" y="connsiteY19"/>
-              </a:cxn>
-              <a:cxn ang="0">
-                <a:pos x="connsiteX20" y="connsiteY20"/>
-              </a:cxn>
-              <a:cxn ang="0">
-                <a:pos x="connsiteX21" y="connsiteY21"/>
-              </a:cxn>
-              <a:cxn ang="0">
-                <a:pos x="connsiteX22" y="connsiteY22"/>
-              </a:cxn>
-              <a:cxn ang="0">
-                <a:pos x="connsiteX23" y="connsiteY23"/>
-              </a:cxn>
-              <a:cxn ang="0">
-                <a:pos x="connsiteX24" y="connsiteY24"/>
-              </a:cxn>
-              <a:cxn ang="0">
-                <a:pos x="connsiteX25" y="connsiteY25"/>
-              </a:cxn>
-              <a:cxn ang="0">
-                <a:pos x="connsiteX26" y="connsiteY26"/>
-              </a:cxn>
-              <a:cxn ang="0">
-                <a:pos x="connsiteX27" y="connsiteY27"/>
-              </a:cxn>
-              <a:cxn ang="0">
-                <a:pos x="connsiteX28" y="connsiteY28"/>
-              </a:cxn>
-              <a:cxn ang="0">
-                <a:pos x="connsiteX29" y="connsiteY29"/>
-              </a:cxn>
-              <a:cxn ang="0">
-                <a:pos x="connsiteX30" y="connsiteY30"/>
-              </a:cxn>
-              <a:cxn ang="0">
-                <a:pos x="connsiteX31" y="connsiteY31"/>
-              </a:cxn>
-              <a:cxn ang="0">
-                <a:pos x="connsiteX32" y="connsiteY32"/>
-              </a:cxn>
-            </a:cxnLst>
-            <a:rect l="l" t="t" r="r" b="b"/>
-            <a:pathLst>
-              <a:path w="6535478" h="3072650" fill="none" extrusionOk="0">
-                <a:moveTo>
-                  <a:pt x="0" y="0"/>
-                </a:moveTo>
-                <a:cubicBezTo>
-                  <a:pt x="159619" y="-3187"/>
-                  <a:pt x="329326" y="-13087"/>
-                  <a:pt x="522838" y="0"/>
-                </a:cubicBezTo>
-                <a:cubicBezTo>
-                  <a:pt x="716350" y="13087"/>
-                  <a:pt x="812501" y="14080"/>
-                  <a:pt x="980322" y="0"/>
-                </a:cubicBezTo>
-                <a:cubicBezTo>
-                  <a:pt x="1148143" y="-14080"/>
-                  <a:pt x="1265511" y="18233"/>
-                  <a:pt x="1437805" y="0"/>
-                </a:cubicBezTo>
-                <a:cubicBezTo>
-                  <a:pt x="1610099" y="-18233"/>
-                  <a:pt x="1959013" y="25445"/>
-                  <a:pt x="2222063" y="0"/>
-                </a:cubicBezTo>
-                <a:cubicBezTo>
-                  <a:pt x="2485113" y="-25445"/>
-                  <a:pt x="2549492" y="-12910"/>
-                  <a:pt x="2875610" y="0"/>
-                </a:cubicBezTo>
-                <a:cubicBezTo>
-                  <a:pt x="3201728" y="12910"/>
-                  <a:pt x="3194836" y="11392"/>
-                  <a:pt x="3398449" y="0"/>
-                </a:cubicBezTo>
-                <a:cubicBezTo>
-                  <a:pt x="3602062" y="-11392"/>
-                  <a:pt x="3790919" y="22638"/>
-                  <a:pt x="3921287" y="0"/>
-                </a:cubicBezTo>
-                <a:cubicBezTo>
-                  <a:pt x="4051655" y="-22638"/>
-                  <a:pt x="4267427" y="18953"/>
-                  <a:pt x="4574835" y="0"/>
-                </a:cubicBezTo>
-                <a:cubicBezTo>
-                  <a:pt x="4882243" y="-18953"/>
-                  <a:pt x="5151288" y="-3465"/>
-                  <a:pt x="5359092" y="0"/>
-                </a:cubicBezTo>
-                <a:cubicBezTo>
-                  <a:pt x="5566896" y="3465"/>
-                  <a:pt x="5804439" y="13279"/>
-                  <a:pt x="5947285" y="0"/>
-                </a:cubicBezTo>
-                <a:cubicBezTo>
-                  <a:pt x="6090131" y="-13279"/>
-                  <a:pt x="6278708" y="-27619"/>
-                  <a:pt x="6535478" y="0"/>
-                </a:cubicBezTo>
-                <a:cubicBezTo>
-                  <a:pt x="6513910" y="254673"/>
-                  <a:pt x="6529235" y="451869"/>
-                  <a:pt x="6535478" y="583804"/>
-                </a:cubicBezTo>
-                <a:cubicBezTo>
-                  <a:pt x="6541721" y="715739"/>
-                  <a:pt x="6551182" y="1072315"/>
-                  <a:pt x="6535478" y="1259787"/>
-                </a:cubicBezTo>
-                <a:cubicBezTo>
-                  <a:pt x="6519774" y="1447259"/>
-                  <a:pt x="6506548" y="1688133"/>
-                  <a:pt x="6535478" y="1874317"/>
-                </a:cubicBezTo>
-                <a:cubicBezTo>
-                  <a:pt x="6564409" y="2060501"/>
-                  <a:pt x="6545944" y="2206927"/>
-                  <a:pt x="6535478" y="2488847"/>
-                </a:cubicBezTo>
-                <a:cubicBezTo>
-                  <a:pt x="6525013" y="2770767"/>
-                  <a:pt x="6519923" y="2903020"/>
-                  <a:pt x="6535478" y="3072650"/>
-                </a:cubicBezTo>
-                <a:cubicBezTo>
-                  <a:pt x="6401358" y="3067683"/>
-                  <a:pt x="6210469" y="3097506"/>
-                  <a:pt x="6012640" y="3072650"/>
-                </a:cubicBezTo>
-                <a:cubicBezTo>
-                  <a:pt x="5814811" y="3047794"/>
-                  <a:pt x="5628021" y="3057823"/>
-                  <a:pt x="5293737" y="3072650"/>
-                </a:cubicBezTo>
-                <a:cubicBezTo>
-                  <a:pt x="4959453" y="3087477"/>
-                  <a:pt x="4956156" y="3097205"/>
-                  <a:pt x="4770899" y="3072650"/>
-                </a:cubicBezTo>
-                <a:cubicBezTo>
-                  <a:pt x="4585642" y="3048095"/>
-                  <a:pt x="4333156" y="3084482"/>
-                  <a:pt x="4051996" y="3072650"/>
-                </a:cubicBezTo>
-                <a:cubicBezTo>
-                  <a:pt x="3770836" y="3060818"/>
-                  <a:pt x="3752622" y="3056731"/>
-                  <a:pt x="3529158" y="3072650"/>
-                </a:cubicBezTo>
-                <a:cubicBezTo>
-                  <a:pt x="3305694" y="3088569"/>
-                  <a:pt x="3284582" y="3084764"/>
-                  <a:pt x="3071675" y="3072650"/>
-                </a:cubicBezTo>
-                <a:cubicBezTo>
-                  <a:pt x="2858768" y="3060536"/>
-                  <a:pt x="2828296" y="3089775"/>
-                  <a:pt x="2614191" y="3072650"/>
-                </a:cubicBezTo>
-                <a:cubicBezTo>
-                  <a:pt x="2400086" y="3055525"/>
-                  <a:pt x="2278730" y="3077950"/>
-                  <a:pt x="2156708" y="3072650"/>
-                </a:cubicBezTo>
-                <a:cubicBezTo>
-                  <a:pt x="2034686" y="3067350"/>
-                  <a:pt x="1650309" y="3106009"/>
-                  <a:pt x="1372450" y="3072650"/>
-                </a:cubicBezTo>
-                <a:cubicBezTo>
-                  <a:pt x="1094591" y="3039291"/>
-                  <a:pt x="1021022" y="3060555"/>
-                  <a:pt x="849612" y="3072650"/>
-                </a:cubicBezTo>
-                <a:cubicBezTo>
-                  <a:pt x="678202" y="3084745"/>
-                  <a:pt x="252622" y="3066049"/>
-                  <a:pt x="0" y="3072650"/>
-                </a:cubicBezTo>
-                <a:cubicBezTo>
-                  <a:pt x="1485" y="2819379"/>
-                  <a:pt x="26202" y="2751868"/>
-                  <a:pt x="0" y="2458120"/>
-                </a:cubicBezTo>
-                <a:cubicBezTo>
-                  <a:pt x="-26202" y="2164372"/>
-                  <a:pt x="423" y="2026370"/>
-                  <a:pt x="0" y="1843590"/>
-                </a:cubicBezTo>
-                <a:cubicBezTo>
-                  <a:pt x="-423" y="1660810"/>
-                  <a:pt x="-27063" y="1417748"/>
-                  <a:pt x="0" y="1259786"/>
-                </a:cubicBezTo>
-                <a:cubicBezTo>
-                  <a:pt x="27063" y="1101824"/>
-                  <a:pt x="-29155" y="771211"/>
-                  <a:pt x="0" y="645256"/>
-                </a:cubicBezTo>
-                <a:cubicBezTo>
-                  <a:pt x="29155" y="519301"/>
-                  <a:pt x="31853" y="316591"/>
-                  <a:pt x="0" y="0"/>
-                </a:cubicBezTo>
-                <a:close/>
-              </a:path>
-              <a:path w="6535478" h="3072650" stroke="0" extrusionOk="0">
-                <a:moveTo>
-                  <a:pt x="0" y="0"/>
-                </a:moveTo>
-                <a:cubicBezTo>
-                  <a:pt x="155961" y="-29251"/>
-                  <a:pt x="487784" y="28310"/>
-                  <a:pt x="718903" y="0"/>
-                </a:cubicBezTo>
-                <a:cubicBezTo>
-                  <a:pt x="950022" y="-28310"/>
-                  <a:pt x="1131852" y="-6966"/>
-                  <a:pt x="1241741" y="0"/>
-                </a:cubicBezTo>
-                <a:cubicBezTo>
-                  <a:pt x="1351630" y="6966"/>
-                  <a:pt x="1749638" y="-7043"/>
-                  <a:pt x="2025998" y="0"/>
-                </a:cubicBezTo>
-                <a:cubicBezTo>
-                  <a:pt x="2302358" y="7043"/>
-                  <a:pt x="2448320" y="-31814"/>
-                  <a:pt x="2679546" y="0"/>
-                </a:cubicBezTo>
-                <a:cubicBezTo>
-                  <a:pt x="2910772" y="31814"/>
-                  <a:pt x="3044416" y="14437"/>
-                  <a:pt x="3137029" y="0"/>
-                </a:cubicBezTo>
-                <a:cubicBezTo>
-                  <a:pt x="3229642" y="-14437"/>
-                  <a:pt x="3653019" y="35332"/>
-                  <a:pt x="3855932" y="0"/>
-                </a:cubicBezTo>
-                <a:cubicBezTo>
-                  <a:pt x="4058845" y="-35332"/>
-                  <a:pt x="4292210" y="-19931"/>
-                  <a:pt x="4640189" y="0"/>
-                </a:cubicBezTo>
-                <a:cubicBezTo>
-                  <a:pt x="4988168" y="19931"/>
-                  <a:pt x="5084258" y="5504"/>
-                  <a:pt x="5293737" y="0"/>
-                </a:cubicBezTo>
-                <a:cubicBezTo>
-                  <a:pt x="5503216" y="-5504"/>
-                  <a:pt x="6103511" y="42361"/>
-                  <a:pt x="6535478" y="0"/>
-                </a:cubicBezTo>
-                <a:cubicBezTo>
-                  <a:pt x="6549453" y="234826"/>
-                  <a:pt x="6547862" y="512544"/>
-                  <a:pt x="6535478" y="675983"/>
-                </a:cubicBezTo>
-                <a:cubicBezTo>
-                  <a:pt x="6523094" y="839422"/>
-                  <a:pt x="6559452" y="1022999"/>
-                  <a:pt x="6535478" y="1321240"/>
-                </a:cubicBezTo>
-                <a:cubicBezTo>
-                  <a:pt x="6511504" y="1619481"/>
-                  <a:pt x="6544377" y="1679572"/>
-                  <a:pt x="6535478" y="1905043"/>
-                </a:cubicBezTo>
-                <a:cubicBezTo>
-                  <a:pt x="6526579" y="2130514"/>
-                  <a:pt x="6559577" y="2327000"/>
-                  <a:pt x="6535478" y="2519573"/>
-                </a:cubicBezTo>
-                <a:cubicBezTo>
-                  <a:pt x="6511380" y="2712146"/>
-                  <a:pt x="6521547" y="2925612"/>
-                  <a:pt x="6535478" y="3072650"/>
-                </a:cubicBezTo>
-                <a:cubicBezTo>
-                  <a:pt x="6426582" y="3059608"/>
-                  <a:pt x="6175729" y="3072893"/>
-                  <a:pt x="6077995" y="3072650"/>
-                </a:cubicBezTo>
-                <a:cubicBezTo>
-                  <a:pt x="5980261" y="3072407"/>
-                  <a:pt x="5676776" y="3072281"/>
-                  <a:pt x="5555156" y="3072650"/>
-                </a:cubicBezTo>
-                <a:cubicBezTo>
-                  <a:pt x="5433536" y="3073019"/>
-                  <a:pt x="5041690" y="3046922"/>
-                  <a:pt x="4770899" y="3072650"/>
-                </a:cubicBezTo>
-                <a:cubicBezTo>
-                  <a:pt x="4500108" y="3098378"/>
-                  <a:pt x="4417167" y="3072742"/>
-                  <a:pt x="4117351" y="3072650"/>
-                </a:cubicBezTo>
-                <a:cubicBezTo>
-                  <a:pt x="3817535" y="3072558"/>
-                  <a:pt x="3786518" y="3060763"/>
-                  <a:pt x="3594513" y="3072650"/>
-                </a:cubicBezTo>
-                <a:cubicBezTo>
-                  <a:pt x="3402508" y="3084537"/>
-                  <a:pt x="3326025" y="3061476"/>
-                  <a:pt x="3137029" y="3072650"/>
-                </a:cubicBezTo>
-                <a:cubicBezTo>
-                  <a:pt x="2948033" y="3083824"/>
-                  <a:pt x="2783298" y="3086465"/>
-                  <a:pt x="2614191" y="3072650"/>
-                </a:cubicBezTo>
-                <a:cubicBezTo>
-                  <a:pt x="2445084" y="3058835"/>
-                  <a:pt x="2292163" y="3080243"/>
-                  <a:pt x="2091353" y="3072650"/>
-                </a:cubicBezTo>
-                <a:cubicBezTo>
-                  <a:pt x="1890543" y="3065057"/>
-                  <a:pt x="1645117" y="3036328"/>
-                  <a:pt x="1307096" y="3072650"/>
-                </a:cubicBezTo>
-                <a:cubicBezTo>
-                  <a:pt x="969075" y="3108972"/>
-                  <a:pt x="999331" y="3075489"/>
-                  <a:pt x="718903" y="3072650"/>
-                </a:cubicBezTo>
-                <a:cubicBezTo>
-                  <a:pt x="438475" y="3069811"/>
-                  <a:pt x="251052" y="3086040"/>
-                  <a:pt x="0" y="3072650"/>
-                </a:cubicBezTo>
-                <a:cubicBezTo>
-                  <a:pt x="2517" y="2903900"/>
-                  <a:pt x="-5469" y="2689467"/>
-                  <a:pt x="0" y="2550300"/>
-                </a:cubicBezTo>
-                <a:cubicBezTo>
-                  <a:pt x="5469" y="2411133"/>
-                  <a:pt x="-28419" y="2120595"/>
-                  <a:pt x="0" y="1905043"/>
-                </a:cubicBezTo>
-                <a:cubicBezTo>
-                  <a:pt x="28419" y="1689491"/>
-                  <a:pt x="-18595" y="1532336"/>
-                  <a:pt x="0" y="1351966"/>
-                </a:cubicBezTo>
-                <a:cubicBezTo>
-                  <a:pt x="18595" y="1171596"/>
-                  <a:pt x="-16243" y="881567"/>
-                  <a:pt x="0" y="706710"/>
-                </a:cubicBezTo>
-                <a:cubicBezTo>
-                  <a:pt x="16243" y="531853"/>
-                  <a:pt x="-34709" y="232578"/>
-                  <a:pt x="0" y="0"/>
-                </a:cubicBezTo>
-                <a:close/>
-              </a:path>
-            </a:pathLst>
-          </a:custGeom>
-          <a:ln>
-            <a:solidFill>
-              <a:schemeClr val="tx1"/>
-            </a:solidFill>
-            <a:extLst>
-              <a:ext uri="{C807C97D-BFC1-408E-A445-0C87EB9F89A2}">
-                <ask:lineSketchStyleProps xmlns:ask="http://schemas.microsoft.com/office/drawing/2018/sketchyshapes" sd="4774417">
-                  <a:prstGeom prst="rect">
-                    <a:avLst/>
-                  </a:prstGeom>
-                  <ask:type>
-                    <ask:lineSketchFreehand/>
-                  </ask:type>
-                </ask:lineSketchStyleProps>
-              </a:ext>
-            </a:extLst>
-          </a:ln>
+          </a:prstGeom>
+        </p:spPr>
+      </p:pic>
+      <p:pic>
+        <p:nvPicPr>
+          <p:cNvPr id="15" name="Picture 14">
+            <a:extLst>
+              <a:ext uri="{FF2B5EF4-FFF2-40B4-BE49-F238E27FC236}">
+                <a16:creationId xmlns:a16="http://schemas.microsoft.com/office/drawing/2014/main" id="{EA02C1C7-B144-CB79-48BC-A03D16E0ACF6}"/>
+              </a:ext>
+            </a:extLst>
+          </p:cNvPr>
+          <p:cNvPicPr>
+            <a:picLocks noChangeAspect="1"/>
+          </p:cNvPicPr>
+          <p:nvPr/>
+        </p:nvPicPr>
+        <p:blipFill>
+          <a:blip r:embed="rId4"/>
+          <a:stretch>
+            <a:fillRect/>
+          </a:stretch>
+        </p:blipFill>
+        <p:spPr>
+          <a:xfrm>
+            <a:off x="7977184" y="-1"/>
+            <a:ext cx="4214816" cy="3486329"/>
+          </a:xfrm>
+          <a:prstGeom prst="rect">
+            <a:avLst/>
+          </a:prstGeom>
         </p:spPr>
       </p:pic>
       <p:sp>
         <p:nvSpPr>
-          <p:cNvPr id="4" name="TextBox 3">
-            <a:extLst>
-              <a:ext uri="{FF2B5EF4-FFF2-40B4-BE49-F238E27FC236}">
-                <a16:creationId xmlns:a16="http://schemas.microsoft.com/office/drawing/2014/main" id="{C3A60D11-AEA7-D412-70DD-753B4EE6B408}"/>
+          <p:cNvPr id="18" name="TextBox 17">
+            <a:extLst>
+              <a:ext uri="{FF2B5EF4-FFF2-40B4-BE49-F238E27FC236}">
+                <a16:creationId xmlns:a16="http://schemas.microsoft.com/office/drawing/2014/main" id="{D27EC9AC-2136-867F-CC85-1D018D49ED4C}"/>
               </a:ext>
             </a:extLst>
           </p:cNvPr>
@@ -9086,46 +7635,8 @@
         </p:nvSpPr>
         <p:spPr>
           <a:xfrm>
-            <a:off x="0" y="0"/>
-            <a:ext cx="12192000" cy="523220"/>
-          </a:xfrm>
-          <a:prstGeom prst="rect">
-            <a:avLst/>
-          </a:prstGeom>
-          <a:noFill/>
-        </p:spPr>
-        <p:txBody>
-          <a:bodyPr wrap="square" rtlCol="0">
-            <a:spAutoFit/>
-          </a:bodyPr>
-          <a:lstStyle/>
-          <a:p>
-            <a:pPr algn="ctr"/>
-            <a:r>
-              <a:rPr lang="en-GB" sz="2800" b="1" dirty="0">
-                <a:latin typeface="Arial Nova Cond" panose="020B0506020202020204" pitchFamily="34" charset="0"/>
-              </a:rPr>
-              <a:t>Showcase of the Photoionisation Cross-Section and Asymmetry Database</a:t>
-            </a:r>
-          </a:p>
-        </p:txBody>
-      </p:sp>
-      <p:sp>
-        <p:nvSpPr>
-          <p:cNvPr id="8" name="TextBox 7">
-            <a:extLst>
-              <a:ext uri="{FF2B5EF4-FFF2-40B4-BE49-F238E27FC236}">
-                <a16:creationId xmlns:a16="http://schemas.microsoft.com/office/drawing/2014/main" id="{DAA6B327-F268-AD7C-4B4E-054CD8F94693}"/>
-              </a:ext>
-            </a:extLst>
-          </p:cNvPr>
-          <p:cNvSpPr txBox="1"/>
-          <p:nvPr/>
-        </p:nvSpPr>
-        <p:spPr>
-          <a:xfrm>
-            <a:off x="6759237" y="2332841"/>
-            <a:ext cx="4797763" cy="830997"/>
+            <a:off x="127001" y="4375082"/>
+            <a:ext cx="5943599" cy="1815882"/>
           </a:xfrm>
           <a:prstGeom prst="rect">
             <a:avLst/>
@@ -9145,45 +7656,16 @@
           </a:bodyPr>
           <a:lstStyle/>
           <a:p>
-            <a:r>
-              <a:rPr lang="en-GB" sz="1600" b="1" i="0" dirty="0">
-                <a:effectLst/>
-                <a:latin typeface="Arial Nova Cond" panose="020B0506020202020204" pitchFamily="34" charset="0"/>
-              </a:rPr>
-              <a:t>Elements 1 – 103 available and use:</a:t>
-            </a:r>
-          </a:p>
-          <a:p>
             <a:pPr marL="285750" indent="-285750">
               <a:buFont typeface="Wingdings" panose="05000000000000000000" pitchFamily="2" charset="2"/>
               <a:buChar char="Ø"/>
             </a:pPr>
             <a:r>
-              <a:rPr lang="en-GB" sz="1600" b="1" i="0" dirty="0">
+              <a:rPr lang="en-GB" sz="1600" i="0" dirty="0">
                 <a:effectLst/>
                 <a:latin typeface="Arial Nova Cond" panose="020B0506020202020204" pitchFamily="34" charset="0"/>
               </a:rPr>
-              <a:t>‘get_pixsad_props</a:t>
-            </a:r>
-            <a:r>
-              <a:rPr lang="en-GB" sz="1600" b="1" dirty="0">
-                <a:latin typeface="Arial Nova Cond" panose="020B0506020202020204" pitchFamily="34" charset="0"/>
-              </a:rPr>
-              <a:t>(</a:t>
-            </a:r>
-            <a:r>
-              <a:rPr lang="en-GB" sz="1600" b="1" i="0" dirty="0">
-                <a:effectLst/>
-                <a:latin typeface="Arial Nova Cond" panose="020B0506020202020204" pitchFamily="34" charset="0"/>
-              </a:rPr>
-              <a:t>)’ </a:t>
-            </a:r>
-            <a:r>
-              <a:rPr lang="en-GB" sz="1600" b="0" i="0" dirty="0">
-                <a:effectLst/>
-                <a:latin typeface="Arial Nova Cond" panose="020B0506020202020204" pitchFamily="34" charset="0"/>
-              </a:rPr>
-              <a:t>to extract all experimental data.</a:t>
+              <a:t>Elements 1 – 103 available.</a:t>
             </a:r>
           </a:p>
           <a:p>
@@ -9192,1573 +7674,80 @@
               <a:buChar char="Ø"/>
             </a:pPr>
             <a:r>
-              <a:rPr lang="en-GB" sz="1600" b="1" i="0" dirty="0">
-                <a:effectLst/>
+              <a:rPr lang="en-GB" sz="1600" dirty="0">
                 <a:latin typeface="Arial Nova Cond" panose="020B0506020202020204" pitchFamily="34" charset="0"/>
               </a:rPr>
-              <a:t>‘view_pixsad_props</a:t>
+              <a:t>Plot the binding energy spectrum, photoionization cross-sections, and photoionization asymmetry parameters.</a:t>
+            </a:r>
+          </a:p>
+          <a:p>
+            <a:pPr marL="285750" indent="-285750">
+              <a:buFont typeface="Wingdings" panose="05000000000000000000" pitchFamily="2" charset="2"/>
+              <a:buChar char="Ø"/>
+            </a:pPr>
+            <a:r>
+              <a:rPr lang="en-GB" sz="1600" dirty="0">
+                <a:latin typeface="Arial Nova Cond" panose="020B0506020202020204" pitchFamily="34" charset="0"/>
+              </a:rPr>
+              <a:t>Easily identify the best core-levels to probe by finding the maximum cross-sections</a:t>
+            </a:r>
+          </a:p>
+          <a:p>
+            <a:pPr marL="285750" indent="-285750">
+              <a:buFont typeface="Wingdings" panose="05000000000000000000" pitchFamily="2" charset="2"/>
+              <a:buChar char="Ø"/>
+            </a:pPr>
+            <a:r>
+              <a:rPr lang="en-GB" sz="1600" dirty="0">
+                <a:latin typeface="Arial Nova Cond" panose="020B0506020202020204" pitchFamily="34" charset="0"/>
+              </a:rPr>
+              <a:t>Export the data as a text file.</a:t>
+            </a:r>
+            <a:endParaRPr lang="en-GB" sz="1600" b="0" i="0" dirty="0">
+              <a:effectLst/>
+              <a:latin typeface="Arial Nova Cond" panose="020B0506020202020204" pitchFamily="34" charset="0"/>
+            </a:endParaRPr>
+          </a:p>
+          <a:p>
+            <a:pPr marL="285750" indent="-285750">
+              <a:buFont typeface="Wingdings" panose="05000000000000000000" pitchFamily="2" charset="2"/>
+              <a:buChar char="Ø"/>
+            </a:pPr>
+            <a:r>
+              <a:rPr lang="en-GB" sz="1600" dirty="0">
+                <a:latin typeface="Arial Nova Cond" panose="020B0506020202020204" pitchFamily="34" charset="0"/>
+              </a:rPr>
+              <a:t>Navigate to this App via </a:t>
             </a:r>
             <a:r>
               <a:rPr lang="en-GB" sz="1600" b="1" dirty="0">
                 <a:latin typeface="Arial Nova Cond" panose="020B0506020202020204" pitchFamily="34" charset="0"/>
               </a:rPr>
-              <a:t>(</a:t>
-            </a:r>
-            <a:r>
-              <a:rPr lang="en-GB" sz="1600" b="1" i="0" dirty="0">
-                <a:effectLst/>
+              <a:t>‘App_MatBase’ </a:t>
+            </a:r>
+            <a:r>
+              <a:rPr lang="en-GB" sz="1600" dirty="0">
                 <a:latin typeface="Arial Nova Cond" panose="020B0506020202020204" pitchFamily="34" charset="0"/>
               </a:rPr>
-              <a:t>)’ </a:t>
-            </a:r>
-            <a:r>
-              <a:rPr lang="en-GB" sz="1600" b="0" i="0" dirty="0">
-                <a:effectLst/>
+              <a:t>Main Menu</a:t>
+            </a:r>
+            <a:r>
+              <a:rPr lang="en-GB" sz="1600" b="1" dirty="0">
                 <a:latin typeface="Arial Nova Cond" panose="020B0506020202020204" pitchFamily="34" charset="0"/>
               </a:rPr>
-              <a:t>to quickly view data.</a:t>
-            </a:r>
-          </a:p>
-        </p:txBody>
-      </p:sp>
-      <p:sp>
-        <p:nvSpPr>
-          <p:cNvPr id="15" name="TextBox 14">
-            <a:extLst>
-              <a:ext uri="{FF2B5EF4-FFF2-40B4-BE49-F238E27FC236}">
-                <a16:creationId xmlns:a16="http://schemas.microsoft.com/office/drawing/2014/main" id="{C046EE0E-DA89-4161-49E3-E910C5A93EFD}"/>
-              </a:ext>
-            </a:extLst>
-          </p:cNvPr>
-          <p:cNvSpPr txBox="1"/>
-          <p:nvPr/>
-        </p:nvSpPr>
-        <p:spPr>
-          <a:xfrm>
-            <a:off x="4684607" y="3876689"/>
-            <a:ext cx="2721186" cy="307777"/>
-          </a:xfrm>
-          <a:prstGeom prst="rect">
-            <a:avLst/>
-          </a:prstGeom>
-          <a:noFill/>
-        </p:spPr>
-        <p:txBody>
-          <a:bodyPr wrap="square">
-            <a:spAutoFit/>
-          </a:bodyPr>
-          <a:lstStyle/>
-          <a:p>
-            <a:r>
-              <a:rPr lang="it-IT" sz="1400" b="0" i="1" dirty="0">
-                <a:solidFill>
-                  <a:srgbClr val="212121"/>
-                </a:solidFill>
-                <a:effectLst/>
-                <a:latin typeface="Arial Nova Cond" panose="020B0506020202020204" pitchFamily="34" charset="0"/>
-              </a:rPr>
-              <a:t>view_pixsad_props(</a:t>
-            </a:r>
-            <a:r>
-              <a:rPr lang="it-IT" sz="1400" b="0" i="1" u="none" strike="noStrike" dirty="0">
-                <a:solidFill>
-                  <a:srgbClr val="A709F5"/>
-                </a:solidFill>
-                <a:effectLst/>
-                <a:latin typeface="Arial Nova Cond" panose="020B0506020202020204" pitchFamily="34" charset="0"/>
-              </a:rPr>
-              <a:t>"Si"</a:t>
-            </a:r>
-            <a:r>
-              <a:rPr lang="it-IT" sz="1400" b="0" i="1" dirty="0">
-                <a:solidFill>
-                  <a:srgbClr val="212121"/>
-                </a:solidFill>
-                <a:effectLst/>
-                <a:latin typeface="Arial Nova Cond" panose="020B0506020202020204" pitchFamily="34" charset="0"/>
-              </a:rPr>
-              <a:t>);</a:t>
-            </a:r>
-          </a:p>
-        </p:txBody>
-      </p:sp>
-      <p:sp>
-        <p:nvSpPr>
-          <p:cNvPr id="16" name="TextBox 15">
-            <a:extLst>
-              <a:ext uri="{FF2B5EF4-FFF2-40B4-BE49-F238E27FC236}">
-                <a16:creationId xmlns:a16="http://schemas.microsoft.com/office/drawing/2014/main" id="{3058AF1D-608E-66C1-FDB4-323D68E9126E}"/>
-              </a:ext>
-            </a:extLst>
-          </p:cNvPr>
-          <p:cNvSpPr txBox="1"/>
-          <p:nvPr/>
-        </p:nvSpPr>
-        <p:spPr>
-          <a:xfrm>
-            <a:off x="4051727" y="734840"/>
-            <a:ext cx="2721186" cy="307777"/>
-          </a:xfrm>
-          <a:prstGeom prst="rect">
-            <a:avLst/>
-          </a:prstGeom>
-          <a:noFill/>
-        </p:spPr>
-        <p:txBody>
-          <a:bodyPr wrap="square">
-            <a:spAutoFit/>
-          </a:bodyPr>
-          <a:lstStyle/>
-          <a:p>
-            <a:r>
-              <a:rPr lang="it-IT" sz="1400" b="0" i="1" dirty="0">
-                <a:solidFill>
-                  <a:srgbClr val="212121"/>
-                </a:solidFill>
-                <a:effectLst/>
-                <a:latin typeface="Arial Nova Cond" panose="020B0506020202020204" pitchFamily="34" charset="0"/>
-              </a:rPr>
-              <a:t>view_pixsad_props(</a:t>
-            </a:r>
-            <a:r>
-              <a:rPr lang="it-IT" sz="1400" b="0" i="1" u="none" strike="noStrike" dirty="0">
-                <a:solidFill>
-                  <a:srgbClr val="A709F5"/>
-                </a:solidFill>
-                <a:effectLst/>
-                <a:latin typeface="Arial Nova Cond" panose="020B0506020202020204" pitchFamily="34" charset="0"/>
-              </a:rPr>
-              <a:t>"Au"</a:t>
-            </a:r>
-            <a:r>
-              <a:rPr lang="it-IT" sz="1400" b="0" i="1" dirty="0">
-                <a:solidFill>
-                  <a:srgbClr val="212121"/>
-                </a:solidFill>
-                <a:effectLst/>
-                <a:latin typeface="Arial Nova Cond" panose="020B0506020202020204" pitchFamily="34" charset="0"/>
-              </a:rPr>
-              <a:t>);</a:t>
-            </a:r>
+              <a:t>.</a:t>
+            </a:r>
+            <a:endParaRPr lang="en-GB" sz="1600" b="1" i="0" dirty="0">
+              <a:effectLst/>
+              <a:latin typeface="Arial Nova Cond" panose="020B0506020202020204" pitchFamily="34" charset="0"/>
+            </a:endParaRPr>
           </a:p>
         </p:txBody>
       </p:sp>
     </p:spTree>
     <p:extLst>
       <p:ext uri="{BB962C8B-B14F-4D97-AF65-F5344CB8AC3E}">
-        <p14:creationId xmlns:p14="http://schemas.microsoft.com/office/powerpoint/2010/main" val="278120897"/>
-      </p:ext>
-    </p:extLst>
-  </p:cSld>
-  <p:clrMapOvr>
-    <a:masterClrMapping/>
-  </p:clrMapOvr>
-</p:sld>
-</file>
-
-<file path=ppt/slides/slide6.xml><?xml version="1.0" encoding="utf-8"?>
-<p:sld xmlns:a="http://schemas.openxmlformats.org/drawingml/2006/main" xmlns:r="http://schemas.openxmlformats.org/officeDocument/2006/relationships" xmlns:p="http://schemas.openxmlformats.org/presentationml/2006/main">
-  <p:cSld>
-    <p:spTree>
-      <p:nvGrpSpPr>
-        <p:cNvPr id="1" name=""/>
-        <p:cNvGrpSpPr/>
-        <p:nvPr/>
-      </p:nvGrpSpPr>
-      <p:grpSpPr>
-        <a:xfrm>
-          <a:off x="0" y="0"/>
-          <a:ext cx="0" cy="0"/>
-          <a:chOff x="0" y="0"/>
-          <a:chExt cx="0" cy="0"/>
-        </a:xfrm>
-      </p:grpSpPr>
-      <p:sp>
-        <p:nvSpPr>
-          <p:cNvPr id="4" name="TextBox 3">
-            <a:extLst>
-              <a:ext uri="{FF2B5EF4-FFF2-40B4-BE49-F238E27FC236}">
-                <a16:creationId xmlns:a16="http://schemas.microsoft.com/office/drawing/2014/main" id="{C3A60D11-AEA7-D412-70DD-753B4EE6B408}"/>
-              </a:ext>
-            </a:extLst>
-          </p:cNvPr>
-          <p:cNvSpPr txBox="1"/>
-          <p:nvPr/>
-        </p:nvSpPr>
-        <p:spPr>
-          <a:xfrm>
-            <a:off x="0" y="0"/>
-            <a:ext cx="12192000" cy="523220"/>
-          </a:xfrm>
-          <a:prstGeom prst="rect">
-            <a:avLst/>
-          </a:prstGeom>
-          <a:noFill/>
-        </p:spPr>
-        <p:txBody>
-          <a:bodyPr wrap="square" rtlCol="0">
-            <a:spAutoFit/>
-          </a:bodyPr>
-          <a:lstStyle/>
-          <a:p>
-            <a:pPr algn="ctr"/>
-            <a:r>
-              <a:rPr lang="en-GB" sz="2800" b="1" dirty="0">
-                <a:latin typeface="Arial Nova Cond" panose="020B0506020202020204" pitchFamily="34" charset="0"/>
-              </a:rPr>
-              <a:t>Showcase of the Photoionisation Energy and Fluorescence Database</a:t>
-            </a:r>
-          </a:p>
-        </p:txBody>
-      </p:sp>
-      <p:pic>
-        <p:nvPicPr>
-          <p:cNvPr id="23" name="Picture 22">
-            <a:extLst>
-              <a:ext uri="{FF2B5EF4-FFF2-40B4-BE49-F238E27FC236}">
-                <a16:creationId xmlns:a16="http://schemas.microsoft.com/office/drawing/2014/main" id="{4556ECF9-ADEC-0761-7449-D97F2934E08B}"/>
-              </a:ext>
-            </a:extLst>
-          </p:cNvPr>
-          <p:cNvPicPr>
-            <a:picLocks noChangeAspect="1"/>
-          </p:cNvPicPr>
-          <p:nvPr/>
-        </p:nvPicPr>
-        <p:blipFill>
-          <a:blip r:embed="rId2"/>
-          <a:stretch>
-            <a:fillRect/>
-          </a:stretch>
-        </p:blipFill>
-        <p:spPr>
-          <a:xfrm>
-            <a:off x="72687" y="664631"/>
-            <a:ext cx="6188413" cy="3686276"/>
-          </a:xfrm>
-          <a:custGeom>
-            <a:avLst/>
-            <a:gdLst>
-              <a:gd name="connsiteX0" fmla="*/ 0 w 6188413"/>
-              <a:gd name="connsiteY0" fmla="*/ 0 h 3686276"/>
-              <a:gd name="connsiteX1" fmla="*/ 687601 w 6188413"/>
-              <a:gd name="connsiteY1" fmla="*/ 0 h 3686276"/>
-              <a:gd name="connsiteX2" fmla="*/ 1313319 w 6188413"/>
-              <a:gd name="connsiteY2" fmla="*/ 0 h 3686276"/>
-              <a:gd name="connsiteX3" fmla="*/ 1815268 w 6188413"/>
-              <a:gd name="connsiteY3" fmla="*/ 0 h 3686276"/>
-              <a:gd name="connsiteX4" fmla="*/ 2317217 w 6188413"/>
-              <a:gd name="connsiteY4" fmla="*/ 0 h 3686276"/>
-              <a:gd name="connsiteX5" fmla="*/ 3004818 w 6188413"/>
-              <a:gd name="connsiteY5" fmla="*/ 0 h 3686276"/>
-              <a:gd name="connsiteX6" fmla="*/ 3816188 w 6188413"/>
-              <a:gd name="connsiteY6" fmla="*/ 0 h 3686276"/>
-              <a:gd name="connsiteX7" fmla="*/ 4565674 w 6188413"/>
-              <a:gd name="connsiteY7" fmla="*/ 0 h 3686276"/>
-              <a:gd name="connsiteX8" fmla="*/ 5129507 w 6188413"/>
-              <a:gd name="connsiteY8" fmla="*/ 0 h 3686276"/>
-              <a:gd name="connsiteX9" fmla="*/ 6188413 w 6188413"/>
-              <a:gd name="connsiteY9" fmla="*/ 0 h 3686276"/>
-              <a:gd name="connsiteX10" fmla="*/ 6188413 w 6188413"/>
-              <a:gd name="connsiteY10" fmla="*/ 503791 h 3686276"/>
-              <a:gd name="connsiteX11" fmla="*/ 6188413 w 6188413"/>
-              <a:gd name="connsiteY11" fmla="*/ 1155033 h 3686276"/>
-              <a:gd name="connsiteX12" fmla="*/ 6188413 w 6188413"/>
-              <a:gd name="connsiteY12" fmla="*/ 1769412 h 3686276"/>
-              <a:gd name="connsiteX13" fmla="*/ 6188413 w 6188413"/>
-              <a:gd name="connsiteY13" fmla="*/ 2273204 h 3686276"/>
-              <a:gd name="connsiteX14" fmla="*/ 6188413 w 6188413"/>
-              <a:gd name="connsiteY14" fmla="*/ 2850720 h 3686276"/>
-              <a:gd name="connsiteX15" fmla="*/ 6188413 w 6188413"/>
-              <a:gd name="connsiteY15" fmla="*/ 3686276 h 3686276"/>
-              <a:gd name="connsiteX16" fmla="*/ 5562696 w 6188413"/>
-              <a:gd name="connsiteY16" fmla="*/ 3686276 h 3686276"/>
-              <a:gd name="connsiteX17" fmla="*/ 4875094 w 6188413"/>
-              <a:gd name="connsiteY17" fmla="*/ 3686276 h 3686276"/>
-              <a:gd name="connsiteX18" fmla="*/ 4373145 w 6188413"/>
-              <a:gd name="connsiteY18" fmla="*/ 3686276 h 3686276"/>
-              <a:gd name="connsiteX19" fmla="*/ 3561775 w 6188413"/>
-              <a:gd name="connsiteY19" fmla="*/ 3686276 h 3686276"/>
-              <a:gd name="connsiteX20" fmla="*/ 2936058 w 6188413"/>
-              <a:gd name="connsiteY20" fmla="*/ 3686276 h 3686276"/>
-              <a:gd name="connsiteX21" fmla="*/ 2434109 w 6188413"/>
-              <a:gd name="connsiteY21" fmla="*/ 3686276 h 3686276"/>
-              <a:gd name="connsiteX22" fmla="*/ 1746508 w 6188413"/>
-              <a:gd name="connsiteY22" fmla="*/ 3686276 h 3686276"/>
-              <a:gd name="connsiteX23" fmla="*/ 1182674 w 6188413"/>
-              <a:gd name="connsiteY23" fmla="*/ 3686276 h 3686276"/>
-              <a:gd name="connsiteX24" fmla="*/ 0 w 6188413"/>
-              <a:gd name="connsiteY24" fmla="*/ 3686276 h 3686276"/>
-              <a:gd name="connsiteX25" fmla="*/ 0 w 6188413"/>
-              <a:gd name="connsiteY25" fmla="*/ 3071897 h 3686276"/>
-              <a:gd name="connsiteX26" fmla="*/ 0 w 6188413"/>
-              <a:gd name="connsiteY26" fmla="*/ 2494380 h 3686276"/>
-              <a:gd name="connsiteX27" fmla="*/ 0 w 6188413"/>
-              <a:gd name="connsiteY27" fmla="*/ 1990589 h 3686276"/>
-              <a:gd name="connsiteX28" fmla="*/ 0 w 6188413"/>
-              <a:gd name="connsiteY28" fmla="*/ 1449935 h 3686276"/>
-              <a:gd name="connsiteX29" fmla="*/ 0 w 6188413"/>
-              <a:gd name="connsiteY29" fmla="*/ 872419 h 3686276"/>
-              <a:gd name="connsiteX30" fmla="*/ 0 w 6188413"/>
-              <a:gd name="connsiteY30" fmla="*/ 0 h 3686276"/>
-            </a:gdLst>
-            <a:ahLst/>
-            <a:cxnLst>
-              <a:cxn ang="0">
-                <a:pos x="connsiteX0" y="connsiteY0"/>
-              </a:cxn>
-              <a:cxn ang="0">
-                <a:pos x="connsiteX1" y="connsiteY1"/>
-              </a:cxn>
-              <a:cxn ang="0">
-                <a:pos x="connsiteX2" y="connsiteY2"/>
-              </a:cxn>
-              <a:cxn ang="0">
-                <a:pos x="connsiteX3" y="connsiteY3"/>
-              </a:cxn>
-              <a:cxn ang="0">
-                <a:pos x="connsiteX4" y="connsiteY4"/>
-              </a:cxn>
-              <a:cxn ang="0">
-                <a:pos x="connsiteX5" y="connsiteY5"/>
-              </a:cxn>
-              <a:cxn ang="0">
-                <a:pos x="connsiteX6" y="connsiteY6"/>
-              </a:cxn>
-              <a:cxn ang="0">
-                <a:pos x="connsiteX7" y="connsiteY7"/>
-              </a:cxn>
-              <a:cxn ang="0">
-                <a:pos x="connsiteX8" y="connsiteY8"/>
-              </a:cxn>
-              <a:cxn ang="0">
-                <a:pos x="connsiteX9" y="connsiteY9"/>
-              </a:cxn>
-              <a:cxn ang="0">
-                <a:pos x="connsiteX10" y="connsiteY10"/>
-              </a:cxn>
-              <a:cxn ang="0">
-                <a:pos x="connsiteX11" y="connsiteY11"/>
-              </a:cxn>
-              <a:cxn ang="0">
-                <a:pos x="connsiteX12" y="connsiteY12"/>
-              </a:cxn>
-              <a:cxn ang="0">
-                <a:pos x="connsiteX13" y="connsiteY13"/>
-              </a:cxn>
-              <a:cxn ang="0">
-                <a:pos x="connsiteX14" y="connsiteY14"/>
-              </a:cxn>
-              <a:cxn ang="0">
-                <a:pos x="connsiteX15" y="connsiteY15"/>
-              </a:cxn>
-              <a:cxn ang="0">
-                <a:pos x="connsiteX16" y="connsiteY16"/>
-              </a:cxn>
-              <a:cxn ang="0">
-                <a:pos x="connsiteX17" y="connsiteY17"/>
-              </a:cxn>
-              <a:cxn ang="0">
-                <a:pos x="connsiteX18" y="connsiteY18"/>
-              </a:cxn>
-              <a:cxn ang="0">
-                <a:pos x="connsiteX19" y="connsiteY19"/>
-              </a:cxn>
-              <a:cxn ang="0">
-                <a:pos x="connsiteX20" y="connsiteY20"/>
-              </a:cxn>
-              <a:cxn ang="0">
-                <a:pos x="connsiteX21" y="connsiteY21"/>
-              </a:cxn>
-              <a:cxn ang="0">
-                <a:pos x="connsiteX22" y="connsiteY22"/>
-              </a:cxn>
-              <a:cxn ang="0">
-                <a:pos x="connsiteX23" y="connsiteY23"/>
-              </a:cxn>
-              <a:cxn ang="0">
-                <a:pos x="connsiteX24" y="connsiteY24"/>
-              </a:cxn>
-              <a:cxn ang="0">
-                <a:pos x="connsiteX25" y="connsiteY25"/>
-              </a:cxn>
-              <a:cxn ang="0">
-                <a:pos x="connsiteX26" y="connsiteY26"/>
-              </a:cxn>
-              <a:cxn ang="0">
-                <a:pos x="connsiteX27" y="connsiteY27"/>
-              </a:cxn>
-              <a:cxn ang="0">
-                <a:pos x="connsiteX28" y="connsiteY28"/>
-              </a:cxn>
-              <a:cxn ang="0">
-                <a:pos x="connsiteX29" y="connsiteY29"/>
-              </a:cxn>
-              <a:cxn ang="0">
-                <a:pos x="connsiteX30" y="connsiteY30"/>
-              </a:cxn>
-            </a:cxnLst>
-            <a:rect l="l" t="t" r="r" b="b"/>
-            <a:pathLst>
-              <a:path w="6188413" h="3686276" fill="none" extrusionOk="0">
-                <a:moveTo>
-                  <a:pt x="0" y="0"/>
-                </a:moveTo>
-                <a:cubicBezTo>
-                  <a:pt x="150821" y="-23233"/>
-                  <a:pt x="523287" y="26177"/>
-                  <a:pt x="687601" y="0"/>
-                </a:cubicBezTo>
-                <a:cubicBezTo>
-                  <a:pt x="851915" y="-26177"/>
-                  <a:pt x="1148678" y="-11741"/>
-                  <a:pt x="1313319" y="0"/>
-                </a:cubicBezTo>
-                <a:cubicBezTo>
-                  <a:pt x="1477960" y="11741"/>
-                  <a:pt x="1616872" y="3972"/>
-                  <a:pt x="1815268" y="0"/>
-                </a:cubicBezTo>
-                <a:cubicBezTo>
-                  <a:pt x="2013664" y="-3972"/>
-                  <a:pt x="2160770" y="1156"/>
-                  <a:pt x="2317217" y="0"/>
-                </a:cubicBezTo>
-                <a:cubicBezTo>
-                  <a:pt x="2473664" y="-1156"/>
-                  <a:pt x="2681582" y="20595"/>
-                  <a:pt x="3004818" y="0"/>
-                </a:cubicBezTo>
-                <a:cubicBezTo>
-                  <a:pt x="3328054" y="-20595"/>
-                  <a:pt x="3638288" y="5423"/>
-                  <a:pt x="3816188" y="0"/>
-                </a:cubicBezTo>
-                <a:cubicBezTo>
-                  <a:pt x="3994088" y="-5423"/>
-                  <a:pt x="4345293" y="31403"/>
-                  <a:pt x="4565674" y="0"/>
-                </a:cubicBezTo>
-                <a:cubicBezTo>
-                  <a:pt x="4786055" y="-31403"/>
-                  <a:pt x="4954168" y="12639"/>
-                  <a:pt x="5129507" y="0"/>
-                </a:cubicBezTo>
-                <a:cubicBezTo>
-                  <a:pt x="5304846" y="-12639"/>
-                  <a:pt x="5919431" y="-14945"/>
-                  <a:pt x="6188413" y="0"/>
-                </a:cubicBezTo>
-                <a:cubicBezTo>
-                  <a:pt x="6163570" y="107162"/>
-                  <a:pt x="6195307" y="323405"/>
-                  <a:pt x="6188413" y="503791"/>
-                </a:cubicBezTo>
-                <a:cubicBezTo>
-                  <a:pt x="6181519" y="684177"/>
-                  <a:pt x="6183742" y="874414"/>
-                  <a:pt x="6188413" y="1155033"/>
-                </a:cubicBezTo>
-                <a:cubicBezTo>
-                  <a:pt x="6193084" y="1435652"/>
-                  <a:pt x="6191416" y="1639723"/>
-                  <a:pt x="6188413" y="1769412"/>
-                </a:cubicBezTo>
-                <a:cubicBezTo>
-                  <a:pt x="6185410" y="1899101"/>
-                  <a:pt x="6166892" y="2109519"/>
-                  <a:pt x="6188413" y="2273204"/>
-                </a:cubicBezTo>
-                <a:cubicBezTo>
-                  <a:pt x="6209934" y="2436889"/>
-                  <a:pt x="6184117" y="2643679"/>
-                  <a:pt x="6188413" y="2850720"/>
-                </a:cubicBezTo>
-                <a:cubicBezTo>
-                  <a:pt x="6192709" y="3057761"/>
-                  <a:pt x="6224935" y="3410919"/>
-                  <a:pt x="6188413" y="3686276"/>
-                </a:cubicBezTo>
-                <a:cubicBezTo>
-                  <a:pt x="5914976" y="3705806"/>
-                  <a:pt x="5843072" y="3661819"/>
-                  <a:pt x="5562696" y="3686276"/>
-                </a:cubicBezTo>
-                <a:cubicBezTo>
-                  <a:pt x="5282320" y="3710733"/>
-                  <a:pt x="5023311" y="3692878"/>
-                  <a:pt x="4875094" y="3686276"/>
-                </a:cubicBezTo>
-                <a:cubicBezTo>
-                  <a:pt x="4726877" y="3679674"/>
-                  <a:pt x="4602365" y="3661389"/>
-                  <a:pt x="4373145" y="3686276"/>
-                </a:cubicBezTo>
-                <a:cubicBezTo>
-                  <a:pt x="4143925" y="3711163"/>
-                  <a:pt x="3850785" y="3706803"/>
-                  <a:pt x="3561775" y="3686276"/>
-                </a:cubicBezTo>
-                <a:cubicBezTo>
-                  <a:pt x="3272765" y="3665750"/>
-                  <a:pt x="3217605" y="3662428"/>
-                  <a:pt x="2936058" y="3686276"/>
-                </a:cubicBezTo>
-                <a:cubicBezTo>
-                  <a:pt x="2654511" y="3710124"/>
-                  <a:pt x="2676164" y="3663870"/>
-                  <a:pt x="2434109" y="3686276"/>
-                </a:cubicBezTo>
-                <a:cubicBezTo>
-                  <a:pt x="2192054" y="3708682"/>
-                  <a:pt x="1894923" y="3696310"/>
-                  <a:pt x="1746508" y="3686276"/>
-                </a:cubicBezTo>
-                <a:cubicBezTo>
-                  <a:pt x="1598093" y="3676242"/>
-                  <a:pt x="1348885" y="3683844"/>
-                  <a:pt x="1182674" y="3686276"/>
-                </a:cubicBezTo>
-                <a:cubicBezTo>
-                  <a:pt x="1016463" y="3688708"/>
-                  <a:pt x="341999" y="3739547"/>
-                  <a:pt x="0" y="3686276"/>
-                </a:cubicBezTo>
-                <a:cubicBezTo>
-                  <a:pt x="12286" y="3554863"/>
-                  <a:pt x="-14113" y="3222861"/>
-                  <a:pt x="0" y="3071897"/>
-                </a:cubicBezTo>
-                <a:cubicBezTo>
-                  <a:pt x="14113" y="2920933"/>
-                  <a:pt x="13748" y="2631912"/>
-                  <a:pt x="0" y="2494380"/>
-                </a:cubicBezTo>
-                <a:cubicBezTo>
-                  <a:pt x="-13748" y="2356848"/>
-                  <a:pt x="3001" y="2111131"/>
-                  <a:pt x="0" y="1990589"/>
-                </a:cubicBezTo>
-                <a:cubicBezTo>
-                  <a:pt x="-3001" y="1870047"/>
-                  <a:pt x="22371" y="1597493"/>
-                  <a:pt x="0" y="1449935"/>
-                </a:cubicBezTo>
-                <a:cubicBezTo>
-                  <a:pt x="-22371" y="1302377"/>
-                  <a:pt x="16033" y="1120325"/>
-                  <a:pt x="0" y="872419"/>
-                </a:cubicBezTo>
-                <a:cubicBezTo>
-                  <a:pt x="-16033" y="624513"/>
-                  <a:pt x="11739" y="272410"/>
-                  <a:pt x="0" y="0"/>
-                </a:cubicBezTo>
-                <a:close/>
-              </a:path>
-              <a:path w="6188413" h="3686276" stroke="0" extrusionOk="0">
-                <a:moveTo>
-                  <a:pt x="0" y="0"/>
-                </a:moveTo>
-                <a:cubicBezTo>
-                  <a:pt x="272469" y="13435"/>
-                  <a:pt x="455339" y="-19079"/>
-                  <a:pt x="687601" y="0"/>
-                </a:cubicBezTo>
-                <a:cubicBezTo>
-                  <a:pt x="919863" y="19079"/>
-                  <a:pt x="1252447" y="-11215"/>
-                  <a:pt x="1437087" y="0"/>
-                </a:cubicBezTo>
-                <a:cubicBezTo>
-                  <a:pt x="1621727" y="11215"/>
-                  <a:pt x="1910033" y="-15341"/>
-                  <a:pt x="2124688" y="0"/>
-                </a:cubicBezTo>
-                <a:cubicBezTo>
-                  <a:pt x="2339343" y="15341"/>
-                  <a:pt x="2540584" y="9088"/>
-                  <a:pt x="2936058" y="0"/>
-                </a:cubicBezTo>
-                <a:cubicBezTo>
-                  <a:pt x="3331532" y="-9088"/>
-                  <a:pt x="3411073" y="9903"/>
-                  <a:pt x="3623660" y="0"/>
-                </a:cubicBezTo>
-                <a:cubicBezTo>
-                  <a:pt x="3836247" y="-9903"/>
-                  <a:pt x="4004121" y="18159"/>
-                  <a:pt x="4125609" y="0"/>
-                </a:cubicBezTo>
-                <a:cubicBezTo>
-                  <a:pt x="4247097" y="-18159"/>
-                  <a:pt x="4589383" y="14072"/>
-                  <a:pt x="4875094" y="0"/>
-                </a:cubicBezTo>
-                <a:cubicBezTo>
-                  <a:pt x="5160806" y="-14072"/>
-                  <a:pt x="5219872" y="24969"/>
-                  <a:pt x="5377043" y="0"/>
-                </a:cubicBezTo>
-                <a:cubicBezTo>
-                  <a:pt x="5534214" y="-24969"/>
-                  <a:pt x="6000441" y="6657"/>
-                  <a:pt x="6188413" y="0"/>
-                </a:cubicBezTo>
-                <a:cubicBezTo>
-                  <a:pt x="6179837" y="221838"/>
-                  <a:pt x="6219033" y="383472"/>
-                  <a:pt x="6188413" y="651242"/>
-                </a:cubicBezTo>
-                <a:cubicBezTo>
-                  <a:pt x="6157793" y="919012"/>
-                  <a:pt x="6173508" y="989350"/>
-                  <a:pt x="6188413" y="1302484"/>
-                </a:cubicBezTo>
-                <a:cubicBezTo>
-                  <a:pt x="6203318" y="1615618"/>
-                  <a:pt x="6220455" y="1655839"/>
-                  <a:pt x="6188413" y="1953726"/>
-                </a:cubicBezTo>
-                <a:cubicBezTo>
-                  <a:pt x="6156371" y="2251613"/>
-                  <a:pt x="6194653" y="2263403"/>
-                  <a:pt x="6188413" y="2568106"/>
-                </a:cubicBezTo>
-                <a:cubicBezTo>
-                  <a:pt x="6182173" y="2872809"/>
-                  <a:pt x="6172450" y="2882334"/>
-                  <a:pt x="6188413" y="3108759"/>
-                </a:cubicBezTo>
-                <a:cubicBezTo>
-                  <a:pt x="6204376" y="3335184"/>
-                  <a:pt x="6200107" y="3415052"/>
-                  <a:pt x="6188413" y="3686276"/>
-                </a:cubicBezTo>
-                <a:cubicBezTo>
-                  <a:pt x="5891658" y="3690213"/>
-                  <a:pt x="5801660" y="3662898"/>
-                  <a:pt x="5438927" y="3686276"/>
-                </a:cubicBezTo>
-                <a:cubicBezTo>
-                  <a:pt x="5076194" y="3709654"/>
-                  <a:pt x="5105782" y="3709112"/>
-                  <a:pt x="4936978" y="3686276"/>
-                </a:cubicBezTo>
-                <a:cubicBezTo>
-                  <a:pt x="4768174" y="3663440"/>
-                  <a:pt x="4499169" y="3713783"/>
-                  <a:pt x="4187493" y="3686276"/>
-                </a:cubicBezTo>
-                <a:cubicBezTo>
-                  <a:pt x="3875817" y="3658769"/>
-                  <a:pt x="3806041" y="3685633"/>
-                  <a:pt x="3438007" y="3686276"/>
-                </a:cubicBezTo>
-                <a:cubicBezTo>
-                  <a:pt x="3069973" y="3686919"/>
-                  <a:pt x="2955013" y="3665269"/>
-                  <a:pt x="2626638" y="3686276"/>
-                </a:cubicBezTo>
-                <a:cubicBezTo>
-                  <a:pt x="2298263" y="3707283"/>
-                  <a:pt x="2283727" y="3695139"/>
-                  <a:pt x="2124688" y="3686276"/>
-                </a:cubicBezTo>
-                <a:cubicBezTo>
-                  <a:pt x="1965649" y="3677414"/>
-                  <a:pt x="1855986" y="3710323"/>
-                  <a:pt x="1622739" y="3686276"/>
-                </a:cubicBezTo>
-                <a:cubicBezTo>
-                  <a:pt x="1389492" y="3662229"/>
-                  <a:pt x="1169558" y="3670760"/>
-                  <a:pt x="935138" y="3686276"/>
-                </a:cubicBezTo>
-                <a:cubicBezTo>
-                  <a:pt x="700718" y="3701792"/>
-                  <a:pt x="342558" y="3645646"/>
-                  <a:pt x="0" y="3686276"/>
-                </a:cubicBezTo>
-                <a:cubicBezTo>
-                  <a:pt x="4171" y="3484212"/>
-                  <a:pt x="6537" y="3226026"/>
-                  <a:pt x="0" y="3108759"/>
-                </a:cubicBezTo>
-                <a:cubicBezTo>
-                  <a:pt x="-6537" y="2991492"/>
-                  <a:pt x="21188" y="2721496"/>
-                  <a:pt x="0" y="2531243"/>
-                </a:cubicBezTo>
-                <a:cubicBezTo>
-                  <a:pt x="-21188" y="2340990"/>
-                  <a:pt x="24151" y="2114812"/>
-                  <a:pt x="0" y="1990589"/>
-                </a:cubicBezTo>
-                <a:cubicBezTo>
-                  <a:pt x="-24151" y="1866366"/>
-                  <a:pt x="23366" y="1537754"/>
-                  <a:pt x="0" y="1413072"/>
-                </a:cubicBezTo>
-                <a:cubicBezTo>
-                  <a:pt x="-23366" y="1288390"/>
-                  <a:pt x="-17324" y="932474"/>
-                  <a:pt x="0" y="798693"/>
-                </a:cubicBezTo>
-                <a:cubicBezTo>
-                  <a:pt x="17324" y="664912"/>
-                  <a:pt x="-2122" y="239454"/>
-                  <a:pt x="0" y="0"/>
-                </a:cubicBezTo>
-                <a:close/>
-              </a:path>
-            </a:pathLst>
-          </a:custGeom>
-          <a:ln>
-            <a:solidFill>
-              <a:schemeClr val="tx1"/>
-            </a:solidFill>
-            <a:extLst>
-              <a:ext uri="{C807C97D-BFC1-408E-A445-0C87EB9F89A2}">
-                <ask:lineSketchStyleProps xmlns:ask="http://schemas.microsoft.com/office/drawing/2018/sketchyshapes" sd="1810393652">
-                  <a:prstGeom prst="rect">
-                    <a:avLst/>
-                  </a:prstGeom>
-                  <ask:type>
-                    <ask:lineSketchFreehand/>
-                  </ask:type>
-                </ask:lineSketchStyleProps>
-              </a:ext>
-            </a:extLst>
-          </a:ln>
-        </p:spPr>
-      </p:pic>
-      <p:pic>
-        <p:nvPicPr>
-          <p:cNvPr id="21" name="Picture 20">
-            <a:extLst>
-              <a:ext uri="{FF2B5EF4-FFF2-40B4-BE49-F238E27FC236}">
-                <a16:creationId xmlns:a16="http://schemas.microsoft.com/office/drawing/2014/main" id="{8D6AE923-6184-866E-4827-639A8329D529}"/>
-              </a:ext>
-            </a:extLst>
-          </p:cNvPr>
-          <p:cNvPicPr>
-            <a:picLocks noChangeAspect="1"/>
-          </p:cNvPicPr>
-          <p:nvPr/>
-        </p:nvPicPr>
-        <p:blipFill>
-          <a:blip r:embed="rId3"/>
-          <a:stretch>
-            <a:fillRect/>
-          </a:stretch>
-        </p:blipFill>
-        <p:spPr>
-          <a:xfrm>
-            <a:off x="5920602" y="1591010"/>
-            <a:ext cx="6198711" cy="3675979"/>
-          </a:xfrm>
-          <a:custGeom>
-            <a:avLst/>
-            <a:gdLst>
-              <a:gd name="connsiteX0" fmla="*/ 0 w 6198711"/>
-              <a:gd name="connsiteY0" fmla="*/ 0 h 3675979"/>
-              <a:gd name="connsiteX1" fmla="*/ 812720 w 6198711"/>
-              <a:gd name="connsiteY1" fmla="*/ 0 h 3675979"/>
-              <a:gd name="connsiteX2" fmla="*/ 1439478 w 6198711"/>
-              <a:gd name="connsiteY2" fmla="*/ 0 h 3675979"/>
-              <a:gd name="connsiteX3" fmla="*/ 2128224 w 6198711"/>
-              <a:gd name="connsiteY3" fmla="*/ 0 h 3675979"/>
-              <a:gd name="connsiteX4" fmla="*/ 2878957 w 6198711"/>
-              <a:gd name="connsiteY4" fmla="*/ 0 h 3675979"/>
-              <a:gd name="connsiteX5" fmla="*/ 3505715 w 6198711"/>
-              <a:gd name="connsiteY5" fmla="*/ 0 h 3675979"/>
-              <a:gd name="connsiteX6" fmla="*/ 4008500 w 6198711"/>
-              <a:gd name="connsiteY6" fmla="*/ 0 h 3675979"/>
-              <a:gd name="connsiteX7" fmla="*/ 4759233 w 6198711"/>
-              <a:gd name="connsiteY7" fmla="*/ 0 h 3675979"/>
-              <a:gd name="connsiteX8" fmla="*/ 5262017 w 6198711"/>
-              <a:gd name="connsiteY8" fmla="*/ 0 h 3675979"/>
-              <a:gd name="connsiteX9" fmla="*/ 6198711 w 6198711"/>
-              <a:gd name="connsiteY9" fmla="*/ 0 h 3675979"/>
-              <a:gd name="connsiteX10" fmla="*/ 6198711 w 6198711"/>
-              <a:gd name="connsiteY10" fmla="*/ 575903 h 3675979"/>
-              <a:gd name="connsiteX11" fmla="*/ 6198711 w 6198711"/>
-              <a:gd name="connsiteY11" fmla="*/ 1115047 h 3675979"/>
-              <a:gd name="connsiteX12" fmla="*/ 6198711 w 6198711"/>
-              <a:gd name="connsiteY12" fmla="*/ 1690950 h 3675979"/>
-              <a:gd name="connsiteX13" fmla="*/ 6198711 w 6198711"/>
-              <a:gd name="connsiteY13" fmla="*/ 2193334 h 3675979"/>
-              <a:gd name="connsiteX14" fmla="*/ 6198711 w 6198711"/>
-              <a:gd name="connsiteY14" fmla="*/ 2695718 h 3675979"/>
-              <a:gd name="connsiteX15" fmla="*/ 6198711 w 6198711"/>
-              <a:gd name="connsiteY15" fmla="*/ 3675979 h 3675979"/>
-              <a:gd name="connsiteX16" fmla="*/ 5571952 w 6198711"/>
-              <a:gd name="connsiteY16" fmla="*/ 3675979 h 3675979"/>
-              <a:gd name="connsiteX17" fmla="*/ 4759233 w 6198711"/>
-              <a:gd name="connsiteY17" fmla="*/ 3675979 h 3675979"/>
-              <a:gd name="connsiteX18" fmla="*/ 4256448 w 6198711"/>
-              <a:gd name="connsiteY18" fmla="*/ 3675979 h 3675979"/>
-              <a:gd name="connsiteX19" fmla="*/ 3629690 w 6198711"/>
-              <a:gd name="connsiteY19" fmla="*/ 3675979 h 3675979"/>
-              <a:gd name="connsiteX20" fmla="*/ 2816970 w 6198711"/>
-              <a:gd name="connsiteY20" fmla="*/ 3675979 h 3675979"/>
-              <a:gd name="connsiteX21" fmla="*/ 2066237 w 6198711"/>
-              <a:gd name="connsiteY21" fmla="*/ 3675979 h 3675979"/>
-              <a:gd name="connsiteX22" fmla="*/ 1315504 w 6198711"/>
-              <a:gd name="connsiteY22" fmla="*/ 3675979 h 3675979"/>
-              <a:gd name="connsiteX23" fmla="*/ 812720 w 6198711"/>
-              <a:gd name="connsiteY23" fmla="*/ 3675979 h 3675979"/>
-              <a:gd name="connsiteX24" fmla="*/ 0 w 6198711"/>
-              <a:gd name="connsiteY24" fmla="*/ 3675979 h 3675979"/>
-              <a:gd name="connsiteX25" fmla="*/ 0 w 6198711"/>
-              <a:gd name="connsiteY25" fmla="*/ 3173595 h 3675979"/>
-              <a:gd name="connsiteX26" fmla="*/ 0 w 6198711"/>
-              <a:gd name="connsiteY26" fmla="*/ 2524172 h 3675979"/>
-              <a:gd name="connsiteX27" fmla="*/ 0 w 6198711"/>
-              <a:gd name="connsiteY27" fmla="*/ 1837990 h 3675979"/>
-              <a:gd name="connsiteX28" fmla="*/ 0 w 6198711"/>
-              <a:gd name="connsiteY28" fmla="*/ 1262086 h 3675979"/>
-              <a:gd name="connsiteX29" fmla="*/ 0 w 6198711"/>
-              <a:gd name="connsiteY29" fmla="*/ 612663 h 3675979"/>
-              <a:gd name="connsiteX30" fmla="*/ 0 w 6198711"/>
-              <a:gd name="connsiteY30" fmla="*/ 0 h 3675979"/>
-            </a:gdLst>
-            <a:ahLst/>
-            <a:cxnLst>
-              <a:cxn ang="0">
-                <a:pos x="connsiteX0" y="connsiteY0"/>
-              </a:cxn>
-              <a:cxn ang="0">
-                <a:pos x="connsiteX1" y="connsiteY1"/>
-              </a:cxn>
-              <a:cxn ang="0">
-                <a:pos x="connsiteX2" y="connsiteY2"/>
-              </a:cxn>
-              <a:cxn ang="0">
-                <a:pos x="connsiteX3" y="connsiteY3"/>
-              </a:cxn>
-              <a:cxn ang="0">
-                <a:pos x="connsiteX4" y="connsiteY4"/>
-              </a:cxn>
-              <a:cxn ang="0">
-                <a:pos x="connsiteX5" y="connsiteY5"/>
-              </a:cxn>
-              <a:cxn ang="0">
-                <a:pos x="connsiteX6" y="connsiteY6"/>
-              </a:cxn>
-              <a:cxn ang="0">
-                <a:pos x="connsiteX7" y="connsiteY7"/>
-              </a:cxn>
-              <a:cxn ang="0">
-                <a:pos x="connsiteX8" y="connsiteY8"/>
-              </a:cxn>
-              <a:cxn ang="0">
-                <a:pos x="connsiteX9" y="connsiteY9"/>
-              </a:cxn>
-              <a:cxn ang="0">
-                <a:pos x="connsiteX10" y="connsiteY10"/>
-              </a:cxn>
-              <a:cxn ang="0">
-                <a:pos x="connsiteX11" y="connsiteY11"/>
-              </a:cxn>
-              <a:cxn ang="0">
-                <a:pos x="connsiteX12" y="connsiteY12"/>
-              </a:cxn>
-              <a:cxn ang="0">
-                <a:pos x="connsiteX13" y="connsiteY13"/>
-              </a:cxn>
-              <a:cxn ang="0">
-                <a:pos x="connsiteX14" y="connsiteY14"/>
-              </a:cxn>
-              <a:cxn ang="0">
-                <a:pos x="connsiteX15" y="connsiteY15"/>
-              </a:cxn>
-              <a:cxn ang="0">
-                <a:pos x="connsiteX16" y="connsiteY16"/>
-              </a:cxn>
-              <a:cxn ang="0">
-                <a:pos x="connsiteX17" y="connsiteY17"/>
-              </a:cxn>
-              <a:cxn ang="0">
-                <a:pos x="connsiteX18" y="connsiteY18"/>
-              </a:cxn>
-              <a:cxn ang="0">
-                <a:pos x="connsiteX19" y="connsiteY19"/>
-              </a:cxn>
-              <a:cxn ang="0">
-                <a:pos x="connsiteX20" y="connsiteY20"/>
-              </a:cxn>
-              <a:cxn ang="0">
-                <a:pos x="connsiteX21" y="connsiteY21"/>
-              </a:cxn>
-              <a:cxn ang="0">
-                <a:pos x="connsiteX22" y="connsiteY22"/>
-              </a:cxn>
-              <a:cxn ang="0">
-                <a:pos x="connsiteX23" y="connsiteY23"/>
-              </a:cxn>
-              <a:cxn ang="0">
-                <a:pos x="connsiteX24" y="connsiteY24"/>
-              </a:cxn>
-              <a:cxn ang="0">
-                <a:pos x="connsiteX25" y="connsiteY25"/>
-              </a:cxn>
-              <a:cxn ang="0">
-                <a:pos x="connsiteX26" y="connsiteY26"/>
-              </a:cxn>
-              <a:cxn ang="0">
-                <a:pos x="connsiteX27" y="connsiteY27"/>
-              </a:cxn>
-              <a:cxn ang="0">
-                <a:pos x="connsiteX28" y="connsiteY28"/>
-              </a:cxn>
-              <a:cxn ang="0">
-                <a:pos x="connsiteX29" y="connsiteY29"/>
-              </a:cxn>
-              <a:cxn ang="0">
-                <a:pos x="connsiteX30" y="connsiteY30"/>
-              </a:cxn>
-            </a:cxnLst>
-            <a:rect l="l" t="t" r="r" b="b"/>
-            <a:pathLst>
-              <a:path w="6198711" h="3675979" fill="none" extrusionOk="0">
-                <a:moveTo>
-                  <a:pt x="0" y="0"/>
-                </a:moveTo>
-                <a:cubicBezTo>
-                  <a:pt x="381947" y="-7931"/>
-                  <a:pt x="502487" y="-27641"/>
-                  <a:pt x="812720" y="0"/>
-                </a:cubicBezTo>
-                <a:cubicBezTo>
-                  <a:pt x="1122953" y="27641"/>
-                  <a:pt x="1195234" y="28757"/>
-                  <a:pt x="1439478" y="0"/>
-                </a:cubicBezTo>
-                <a:cubicBezTo>
-                  <a:pt x="1683722" y="-28757"/>
-                  <a:pt x="1950695" y="-8517"/>
-                  <a:pt x="2128224" y="0"/>
-                </a:cubicBezTo>
-                <a:cubicBezTo>
-                  <a:pt x="2305753" y="8517"/>
-                  <a:pt x="2669327" y="-21128"/>
-                  <a:pt x="2878957" y="0"/>
-                </a:cubicBezTo>
-                <a:cubicBezTo>
-                  <a:pt x="3088587" y="21128"/>
-                  <a:pt x="3238616" y="-28508"/>
-                  <a:pt x="3505715" y="0"/>
-                </a:cubicBezTo>
-                <a:cubicBezTo>
-                  <a:pt x="3772814" y="28508"/>
-                  <a:pt x="3861884" y="10737"/>
-                  <a:pt x="4008500" y="0"/>
-                </a:cubicBezTo>
-                <a:cubicBezTo>
-                  <a:pt x="4155116" y="-10737"/>
-                  <a:pt x="4526585" y="277"/>
-                  <a:pt x="4759233" y="0"/>
-                </a:cubicBezTo>
-                <a:cubicBezTo>
-                  <a:pt x="4991881" y="-277"/>
-                  <a:pt x="5022564" y="-18162"/>
-                  <a:pt x="5262017" y="0"/>
-                </a:cubicBezTo>
-                <a:cubicBezTo>
-                  <a:pt x="5501470" y="18162"/>
-                  <a:pt x="5944718" y="18931"/>
-                  <a:pt x="6198711" y="0"/>
-                </a:cubicBezTo>
-                <a:cubicBezTo>
-                  <a:pt x="6194085" y="139160"/>
-                  <a:pt x="6185944" y="422264"/>
-                  <a:pt x="6198711" y="575903"/>
-                </a:cubicBezTo>
-                <a:cubicBezTo>
-                  <a:pt x="6211478" y="729542"/>
-                  <a:pt x="6203159" y="889759"/>
-                  <a:pt x="6198711" y="1115047"/>
-                </a:cubicBezTo>
-                <a:cubicBezTo>
-                  <a:pt x="6194263" y="1340335"/>
-                  <a:pt x="6180105" y="1517574"/>
-                  <a:pt x="6198711" y="1690950"/>
-                </a:cubicBezTo>
-                <a:cubicBezTo>
-                  <a:pt x="6217317" y="1864326"/>
-                  <a:pt x="6197605" y="1984668"/>
-                  <a:pt x="6198711" y="2193334"/>
-                </a:cubicBezTo>
-                <a:cubicBezTo>
-                  <a:pt x="6199817" y="2402000"/>
-                  <a:pt x="6187563" y="2527782"/>
-                  <a:pt x="6198711" y="2695718"/>
-                </a:cubicBezTo>
-                <a:cubicBezTo>
-                  <a:pt x="6209859" y="2863654"/>
-                  <a:pt x="6196647" y="3263654"/>
-                  <a:pt x="6198711" y="3675979"/>
-                </a:cubicBezTo>
-                <a:cubicBezTo>
-                  <a:pt x="6009211" y="3655650"/>
-                  <a:pt x="5847847" y="3658808"/>
-                  <a:pt x="5571952" y="3675979"/>
-                </a:cubicBezTo>
-                <a:cubicBezTo>
-                  <a:pt x="5296057" y="3693150"/>
-                  <a:pt x="5145908" y="3682325"/>
-                  <a:pt x="4759233" y="3675979"/>
-                </a:cubicBezTo>
-                <a:cubicBezTo>
-                  <a:pt x="4372558" y="3669633"/>
-                  <a:pt x="4448778" y="3660403"/>
-                  <a:pt x="4256448" y="3675979"/>
-                </a:cubicBezTo>
-                <a:cubicBezTo>
-                  <a:pt x="4064118" y="3691555"/>
-                  <a:pt x="3844435" y="3698212"/>
-                  <a:pt x="3629690" y="3675979"/>
-                </a:cubicBezTo>
-                <a:cubicBezTo>
-                  <a:pt x="3414945" y="3653746"/>
-                  <a:pt x="3150648" y="3678119"/>
-                  <a:pt x="2816970" y="3675979"/>
-                </a:cubicBezTo>
-                <a:cubicBezTo>
-                  <a:pt x="2483292" y="3673839"/>
-                  <a:pt x="2220314" y="3645124"/>
-                  <a:pt x="2066237" y="3675979"/>
-                </a:cubicBezTo>
-                <a:cubicBezTo>
-                  <a:pt x="1912160" y="3706834"/>
-                  <a:pt x="1557568" y="3708585"/>
-                  <a:pt x="1315504" y="3675979"/>
-                </a:cubicBezTo>
-                <a:cubicBezTo>
-                  <a:pt x="1073440" y="3643373"/>
-                  <a:pt x="916964" y="3694817"/>
-                  <a:pt x="812720" y="3675979"/>
-                </a:cubicBezTo>
-                <a:cubicBezTo>
-                  <a:pt x="708476" y="3657141"/>
-                  <a:pt x="217464" y="3636676"/>
-                  <a:pt x="0" y="3675979"/>
-                </a:cubicBezTo>
-                <a:cubicBezTo>
-                  <a:pt x="11311" y="3453531"/>
-                  <a:pt x="-2419" y="3407008"/>
-                  <a:pt x="0" y="3173595"/>
-                </a:cubicBezTo>
-                <a:cubicBezTo>
-                  <a:pt x="2419" y="2940182"/>
-                  <a:pt x="-9268" y="2687373"/>
-                  <a:pt x="0" y="2524172"/>
-                </a:cubicBezTo>
-                <a:cubicBezTo>
-                  <a:pt x="9268" y="2360971"/>
-                  <a:pt x="16764" y="2026188"/>
-                  <a:pt x="0" y="1837990"/>
-                </a:cubicBezTo>
-                <a:cubicBezTo>
-                  <a:pt x="-16764" y="1649792"/>
-                  <a:pt x="-14368" y="1384991"/>
-                  <a:pt x="0" y="1262086"/>
-                </a:cubicBezTo>
-                <a:cubicBezTo>
-                  <a:pt x="14368" y="1139181"/>
-                  <a:pt x="-4558" y="936862"/>
-                  <a:pt x="0" y="612663"/>
-                </a:cubicBezTo>
-                <a:cubicBezTo>
-                  <a:pt x="4558" y="288464"/>
-                  <a:pt x="-8186" y="190980"/>
-                  <a:pt x="0" y="0"/>
-                </a:cubicBezTo>
-                <a:close/>
-              </a:path>
-              <a:path w="6198711" h="3675979" stroke="0" extrusionOk="0">
-                <a:moveTo>
-                  <a:pt x="0" y="0"/>
-                </a:moveTo>
-                <a:cubicBezTo>
-                  <a:pt x="131274" y="6074"/>
-                  <a:pt x="310050" y="11530"/>
-                  <a:pt x="502784" y="0"/>
-                </a:cubicBezTo>
-                <a:cubicBezTo>
-                  <a:pt x="695518" y="-11530"/>
-                  <a:pt x="1079314" y="8922"/>
-                  <a:pt x="1315504" y="0"/>
-                </a:cubicBezTo>
-                <a:cubicBezTo>
-                  <a:pt x="1551694" y="-8922"/>
-                  <a:pt x="1915438" y="38540"/>
-                  <a:pt x="2128224" y="0"/>
-                </a:cubicBezTo>
-                <a:cubicBezTo>
-                  <a:pt x="2341010" y="-38540"/>
-                  <a:pt x="2419687" y="2733"/>
-                  <a:pt x="2692996" y="0"/>
-                </a:cubicBezTo>
-                <a:cubicBezTo>
-                  <a:pt x="2966305" y="-2733"/>
-                  <a:pt x="2958551" y="6668"/>
-                  <a:pt x="3195780" y="0"/>
-                </a:cubicBezTo>
-                <a:cubicBezTo>
-                  <a:pt x="3433009" y="-6668"/>
-                  <a:pt x="3550394" y="20926"/>
-                  <a:pt x="3698564" y="0"/>
-                </a:cubicBezTo>
-                <a:cubicBezTo>
-                  <a:pt x="3846734" y="-20926"/>
-                  <a:pt x="3980636" y="6521"/>
-                  <a:pt x="4201349" y="0"/>
-                </a:cubicBezTo>
-                <a:cubicBezTo>
-                  <a:pt x="4422062" y="-6521"/>
-                  <a:pt x="4521427" y="14449"/>
-                  <a:pt x="4828107" y="0"/>
-                </a:cubicBezTo>
-                <a:cubicBezTo>
-                  <a:pt x="5134787" y="-14449"/>
-                  <a:pt x="5324649" y="-8605"/>
-                  <a:pt x="5454866" y="0"/>
-                </a:cubicBezTo>
-                <a:cubicBezTo>
-                  <a:pt x="5585083" y="8605"/>
-                  <a:pt x="5982684" y="30930"/>
-                  <a:pt x="6198711" y="0"/>
-                </a:cubicBezTo>
-                <a:cubicBezTo>
-                  <a:pt x="6182709" y="188661"/>
-                  <a:pt x="6202965" y="284952"/>
-                  <a:pt x="6198711" y="502384"/>
-                </a:cubicBezTo>
-                <a:cubicBezTo>
-                  <a:pt x="6194457" y="719816"/>
-                  <a:pt x="6189983" y="817951"/>
-                  <a:pt x="6198711" y="1041527"/>
-                </a:cubicBezTo>
-                <a:cubicBezTo>
-                  <a:pt x="6207439" y="1265103"/>
-                  <a:pt x="6195367" y="1456613"/>
-                  <a:pt x="6198711" y="1727710"/>
-                </a:cubicBezTo>
-                <a:cubicBezTo>
-                  <a:pt x="6202055" y="1998807"/>
-                  <a:pt x="6169884" y="2205788"/>
-                  <a:pt x="6198711" y="2413893"/>
-                </a:cubicBezTo>
-                <a:cubicBezTo>
-                  <a:pt x="6227538" y="2621998"/>
-                  <a:pt x="6207181" y="2935934"/>
-                  <a:pt x="6198711" y="3100076"/>
-                </a:cubicBezTo>
-                <a:cubicBezTo>
-                  <a:pt x="6190241" y="3264218"/>
-                  <a:pt x="6196672" y="3424056"/>
-                  <a:pt x="6198711" y="3675979"/>
-                </a:cubicBezTo>
-                <a:cubicBezTo>
-                  <a:pt x="6097039" y="3653062"/>
-                  <a:pt x="5887482" y="3679257"/>
-                  <a:pt x="5695927" y="3675979"/>
-                </a:cubicBezTo>
-                <a:cubicBezTo>
-                  <a:pt x="5504372" y="3672701"/>
-                  <a:pt x="5290386" y="3677792"/>
-                  <a:pt x="5007181" y="3675979"/>
-                </a:cubicBezTo>
-                <a:cubicBezTo>
-                  <a:pt x="4723976" y="3674166"/>
-                  <a:pt x="4675877" y="3695885"/>
-                  <a:pt x="4442410" y="3675979"/>
-                </a:cubicBezTo>
-                <a:cubicBezTo>
-                  <a:pt x="4208943" y="3656073"/>
-                  <a:pt x="4094040" y="3699541"/>
-                  <a:pt x="3877638" y="3675979"/>
-                </a:cubicBezTo>
-                <a:cubicBezTo>
-                  <a:pt x="3661236" y="3652417"/>
-                  <a:pt x="3493375" y="3662775"/>
-                  <a:pt x="3374854" y="3675979"/>
-                </a:cubicBezTo>
-                <a:cubicBezTo>
-                  <a:pt x="3256333" y="3689183"/>
-                  <a:pt x="2933692" y="3675894"/>
-                  <a:pt x="2562134" y="3675979"/>
-                </a:cubicBezTo>
-                <a:cubicBezTo>
-                  <a:pt x="2190576" y="3676064"/>
-                  <a:pt x="2220239" y="3660142"/>
-                  <a:pt x="1935375" y="3675979"/>
-                </a:cubicBezTo>
-                <a:cubicBezTo>
-                  <a:pt x="1650511" y="3691816"/>
-                  <a:pt x="1534406" y="3664745"/>
-                  <a:pt x="1432591" y="3675979"/>
-                </a:cubicBezTo>
-                <a:cubicBezTo>
-                  <a:pt x="1330776" y="3687213"/>
-                  <a:pt x="1025565" y="3644654"/>
-                  <a:pt x="805832" y="3675979"/>
-                </a:cubicBezTo>
-                <a:cubicBezTo>
-                  <a:pt x="586099" y="3707304"/>
-                  <a:pt x="314411" y="3688527"/>
-                  <a:pt x="0" y="3675979"/>
-                </a:cubicBezTo>
-                <a:cubicBezTo>
-                  <a:pt x="27340" y="3500300"/>
-                  <a:pt x="27541" y="3360846"/>
-                  <a:pt x="0" y="3100076"/>
-                </a:cubicBezTo>
-                <a:cubicBezTo>
-                  <a:pt x="-27541" y="2839306"/>
-                  <a:pt x="10664" y="2747889"/>
-                  <a:pt x="0" y="2597692"/>
-                </a:cubicBezTo>
-                <a:cubicBezTo>
-                  <a:pt x="-10664" y="2447495"/>
-                  <a:pt x="21192" y="2250344"/>
-                  <a:pt x="0" y="2021788"/>
-                </a:cubicBezTo>
-                <a:cubicBezTo>
-                  <a:pt x="-21192" y="1793232"/>
-                  <a:pt x="-18675" y="1611027"/>
-                  <a:pt x="0" y="1372365"/>
-                </a:cubicBezTo>
-                <a:cubicBezTo>
-                  <a:pt x="18675" y="1133703"/>
-                  <a:pt x="8723" y="978593"/>
-                  <a:pt x="0" y="722943"/>
-                </a:cubicBezTo>
-                <a:cubicBezTo>
-                  <a:pt x="-8723" y="467293"/>
-                  <a:pt x="32071" y="297051"/>
-                  <a:pt x="0" y="0"/>
-                </a:cubicBezTo>
-                <a:close/>
-              </a:path>
-            </a:pathLst>
-          </a:custGeom>
-          <a:ln>
-            <a:solidFill>
-              <a:schemeClr val="tx1"/>
-            </a:solidFill>
-            <a:extLst>
-              <a:ext uri="{C807C97D-BFC1-408E-A445-0C87EB9F89A2}">
-                <ask:lineSketchStyleProps xmlns:ask="http://schemas.microsoft.com/office/drawing/2018/sketchyshapes" sd="2420088551">
-                  <a:prstGeom prst="rect">
-                    <a:avLst/>
-                  </a:prstGeom>
-                  <ask:type>
-                    <ask:lineSketchFreehand/>
-                  </ask:type>
-                </ask:lineSketchStyleProps>
-              </a:ext>
-            </a:extLst>
-          </a:ln>
-        </p:spPr>
-      </p:pic>
-      <p:sp>
-        <p:nvSpPr>
-          <p:cNvPr id="25" name="TextBox 24">
-            <a:extLst>
-              <a:ext uri="{FF2B5EF4-FFF2-40B4-BE49-F238E27FC236}">
-                <a16:creationId xmlns:a16="http://schemas.microsoft.com/office/drawing/2014/main" id="{BAF55DB3-98CF-AA12-10B9-B5D14C8CC78C}"/>
-              </a:ext>
-            </a:extLst>
-          </p:cNvPr>
-          <p:cNvSpPr txBox="1"/>
-          <p:nvPr/>
-        </p:nvSpPr>
-        <p:spPr>
-          <a:xfrm>
-            <a:off x="860213" y="1498084"/>
-            <a:ext cx="2866397" cy="307777"/>
-          </a:xfrm>
-          <a:prstGeom prst="rect">
-            <a:avLst/>
-          </a:prstGeom>
-          <a:noFill/>
-        </p:spPr>
-        <p:txBody>
-          <a:bodyPr wrap="square">
-            <a:spAutoFit/>
-          </a:bodyPr>
-          <a:lstStyle/>
-          <a:p>
-            <a:r>
-              <a:rPr lang="it-IT" sz="1400" b="0" i="1" dirty="0">
-                <a:solidFill>
-                  <a:srgbClr val="212121"/>
-                </a:solidFill>
-                <a:effectLst/>
-                <a:latin typeface="Arial Nova Cond" panose="020B0506020202020204" pitchFamily="34" charset="0"/>
-              </a:rPr>
-              <a:t>view_be_spectrum([</a:t>
-            </a:r>
-            <a:r>
-              <a:rPr lang="it-IT" sz="1400" b="0" i="1" u="none" strike="noStrike" dirty="0">
-                <a:solidFill>
-                  <a:srgbClr val="A709F5"/>
-                </a:solidFill>
-                <a:effectLst/>
-                <a:latin typeface="Arial Nova Cond" panose="020B0506020202020204" pitchFamily="34" charset="0"/>
-              </a:rPr>
-              <a:t>"Al"</a:t>
-            </a:r>
-            <a:r>
-              <a:rPr lang="it-IT" sz="1400" b="0" i="1" dirty="0">
-                <a:solidFill>
-                  <a:srgbClr val="212121"/>
-                </a:solidFill>
-                <a:effectLst/>
-                <a:latin typeface="Arial Nova Cond" panose="020B0506020202020204" pitchFamily="34" charset="0"/>
-              </a:rPr>
-              <a:t>, </a:t>
-            </a:r>
-            <a:r>
-              <a:rPr lang="it-IT" sz="1400" b="0" i="1" u="none" strike="noStrike" dirty="0">
-                <a:solidFill>
-                  <a:srgbClr val="A709F5"/>
-                </a:solidFill>
-                <a:effectLst/>
-                <a:latin typeface="Arial Nova Cond" panose="020B0506020202020204" pitchFamily="34" charset="0"/>
-              </a:rPr>
-              <a:t>"Si"</a:t>
-            </a:r>
-            <a:r>
-              <a:rPr lang="it-IT" sz="1400" b="0" i="1" dirty="0">
-                <a:solidFill>
-                  <a:srgbClr val="212121"/>
-                </a:solidFill>
-                <a:effectLst/>
-                <a:latin typeface="Arial Nova Cond" panose="020B0506020202020204" pitchFamily="34" charset="0"/>
-              </a:rPr>
-              <a:t>, </a:t>
-            </a:r>
-            <a:r>
-              <a:rPr lang="it-IT" sz="1400" b="0" i="1" u="none" strike="noStrike" dirty="0">
-                <a:solidFill>
-                  <a:srgbClr val="A709F5"/>
-                </a:solidFill>
-                <a:effectLst/>
-                <a:latin typeface="Arial Nova Cond" panose="020B0506020202020204" pitchFamily="34" charset="0"/>
-              </a:rPr>
-              <a:t>"O"</a:t>
-            </a:r>
-            <a:r>
-              <a:rPr lang="it-IT" sz="1400" b="0" i="1" dirty="0">
-                <a:solidFill>
-                  <a:srgbClr val="212121"/>
-                </a:solidFill>
-                <a:effectLst/>
-                <a:latin typeface="Arial Nova Cond" panose="020B0506020202020204" pitchFamily="34" charset="0"/>
-              </a:rPr>
-              <a:t>]);</a:t>
-            </a:r>
-          </a:p>
-        </p:txBody>
-      </p:sp>
-      <p:sp>
-        <p:nvSpPr>
-          <p:cNvPr id="26" name="TextBox 25">
-            <a:extLst>
-              <a:ext uri="{FF2B5EF4-FFF2-40B4-BE49-F238E27FC236}">
-                <a16:creationId xmlns:a16="http://schemas.microsoft.com/office/drawing/2014/main" id="{854F80A4-4832-A78A-7FF2-0BFEE52A05A3}"/>
-              </a:ext>
-            </a:extLst>
-          </p:cNvPr>
-          <p:cNvSpPr txBox="1"/>
-          <p:nvPr/>
-        </p:nvSpPr>
-        <p:spPr>
-          <a:xfrm>
-            <a:off x="6689514" y="2353880"/>
-            <a:ext cx="2721186" cy="307777"/>
-          </a:xfrm>
-          <a:prstGeom prst="rect">
-            <a:avLst/>
-          </a:prstGeom>
-          <a:noFill/>
-        </p:spPr>
-        <p:txBody>
-          <a:bodyPr wrap="square">
-            <a:spAutoFit/>
-          </a:bodyPr>
-          <a:lstStyle/>
-          <a:p>
-            <a:r>
-              <a:rPr lang="it-IT" sz="1400" b="0" i="1" dirty="0">
-                <a:solidFill>
-                  <a:srgbClr val="212121"/>
-                </a:solidFill>
-                <a:effectLst/>
-                <a:latin typeface="Arial Nova Cond" panose="020B0506020202020204" pitchFamily="34" charset="0"/>
-              </a:rPr>
-              <a:t>view_be_spectrum(</a:t>
-            </a:r>
-            <a:r>
-              <a:rPr lang="it-IT" sz="1400" b="0" i="1" u="none" strike="noStrike" dirty="0">
-                <a:solidFill>
-                  <a:srgbClr val="A709F5"/>
-                </a:solidFill>
-                <a:effectLst/>
-                <a:latin typeface="Arial Nova Cond" panose="020B0506020202020204" pitchFamily="34" charset="0"/>
-              </a:rPr>
-              <a:t>"Au"</a:t>
-            </a:r>
-            <a:r>
-              <a:rPr lang="it-IT" sz="1400" b="0" i="1" dirty="0">
-                <a:solidFill>
-                  <a:srgbClr val="212121"/>
-                </a:solidFill>
-                <a:effectLst/>
-                <a:latin typeface="Arial Nova Cond" panose="020B0506020202020204" pitchFamily="34" charset="0"/>
-              </a:rPr>
-              <a:t>);</a:t>
-            </a:r>
-          </a:p>
-        </p:txBody>
-      </p:sp>
-      <p:sp>
-        <p:nvSpPr>
-          <p:cNvPr id="5" name="TextBox 4">
-            <a:extLst>
-              <a:ext uri="{FF2B5EF4-FFF2-40B4-BE49-F238E27FC236}">
-                <a16:creationId xmlns:a16="http://schemas.microsoft.com/office/drawing/2014/main" id="{AE05CE1C-3AE7-59BB-CF38-F534E856D8F8}"/>
-              </a:ext>
-            </a:extLst>
-          </p:cNvPr>
-          <p:cNvSpPr txBox="1"/>
-          <p:nvPr/>
-        </p:nvSpPr>
-        <p:spPr>
-          <a:xfrm>
-            <a:off x="548656" y="4629240"/>
-            <a:ext cx="5614019" cy="830997"/>
-          </a:xfrm>
-          <a:prstGeom prst="rect">
-            <a:avLst/>
-          </a:prstGeom>
-          <a:solidFill>
-            <a:schemeClr val="bg1"/>
-          </a:solidFill>
-          <a:ln>
-            <a:solidFill>
-              <a:schemeClr val="tx1"/>
-            </a:solidFill>
-          </a:ln>
-        </p:spPr>
-        <p:txBody>
-          <a:bodyPr wrap="square">
-            <a:spAutoFit/>
-          </a:bodyPr>
-          <a:lstStyle/>
-          <a:p>
-            <a:pPr marL="285750" indent="-285750">
-              <a:buFont typeface="Wingdings" panose="05000000000000000000" pitchFamily="2" charset="2"/>
-              <a:buChar char="Ø"/>
-            </a:pPr>
-            <a:r>
-              <a:rPr lang="en-GB" sz="1600" b="1" i="0" dirty="0">
-                <a:effectLst/>
-                <a:latin typeface="Arial Nova Cond" panose="020B0506020202020204" pitchFamily="34" charset="0"/>
-              </a:rPr>
-              <a:t>Elements 1 – 103 available.</a:t>
-            </a:r>
-          </a:p>
-          <a:p>
-            <a:pPr marL="285750" indent="-285750">
-              <a:buFont typeface="Wingdings" panose="05000000000000000000" pitchFamily="2" charset="2"/>
-              <a:buChar char="Ø"/>
-            </a:pPr>
-            <a:r>
-              <a:rPr lang="en-GB" sz="1600" b="1" i="0" dirty="0">
-                <a:effectLst/>
-                <a:latin typeface="Arial Nova Cond" panose="020B0506020202020204" pitchFamily="34" charset="0"/>
-              </a:rPr>
-              <a:t>‘get_piefd_props</a:t>
-            </a:r>
-            <a:r>
-              <a:rPr lang="en-GB" sz="1600" b="1" dirty="0">
-                <a:latin typeface="Arial Nova Cond" panose="020B0506020202020204" pitchFamily="34" charset="0"/>
-              </a:rPr>
-              <a:t>(</a:t>
-            </a:r>
-            <a:r>
-              <a:rPr lang="en-GB" sz="1600" b="1" i="0" dirty="0">
-                <a:effectLst/>
-                <a:latin typeface="Arial Nova Cond" panose="020B0506020202020204" pitchFamily="34" charset="0"/>
-              </a:rPr>
-              <a:t>)’ </a:t>
-            </a:r>
-            <a:r>
-              <a:rPr lang="en-GB" sz="1600" b="0" i="0" dirty="0">
-                <a:effectLst/>
-                <a:latin typeface="Arial Nova Cond" panose="020B0506020202020204" pitchFamily="34" charset="0"/>
-              </a:rPr>
-              <a:t>to extract all experimental data.</a:t>
-            </a:r>
-          </a:p>
-          <a:p>
-            <a:pPr marL="285750" indent="-285750">
-              <a:buFont typeface="Wingdings" panose="05000000000000000000" pitchFamily="2" charset="2"/>
-              <a:buChar char="Ø"/>
-            </a:pPr>
-            <a:r>
-              <a:rPr lang="en-GB" sz="1600" b="1" i="0" dirty="0">
-                <a:effectLst/>
-                <a:latin typeface="Arial Nova Cond" panose="020B0506020202020204" pitchFamily="34" charset="0"/>
-              </a:rPr>
-              <a:t>‘view_be_spectrum</a:t>
-            </a:r>
-            <a:r>
-              <a:rPr lang="en-GB" sz="1600" b="1" dirty="0">
-                <a:latin typeface="Arial Nova Cond" panose="020B0506020202020204" pitchFamily="34" charset="0"/>
-              </a:rPr>
-              <a:t>(</a:t>
-            </a:r>
-            <a:r>
-              <a:rPr lang="en-GB" sz="1600" b="1" i="0" dirty="0">
-                <a:effectLst/>
-                <a:latin typeface="Arial Nova Cond" panose="020B0506020202020204" pitchFamily="34" charset="0"/>
-              </a:rPr>
-              <a:t>)’ </a:t>
-            </a:r>
-            <a:r>
-              <a:rPr lang="en-GB" sz="1600" b="0" i="0" dirty="0">
-                <a:effectLst/>
-                <a:latin typeface="Arial Nova Cond" panose="020B0506020202020204" pitchFamily="34" charset="0"/>
-              </a:rPr>
-              <a:t>to quickly view </a:t>
-            </a:r>
-            <a:r>
-              <a:rPr lang="en-GB" sz="1600" dirty="0">
-                <a:latin typeface="Arial Nova Cond" panose="020B0506020202020204" pitchFamily="34" charset="0"/>
-              </a:rPr>
-              <a:t>all occupied core-levels</a:t>
-            </a:r>
-            <a:r>
-              <a:rPr lang="en-GB" sz="1600" b="0" i="0" dirty="0">
-                <a:effectLst/>
-                <a:latin typeface="Arial Nova Cond" panose="020B0506020202020204" pitchFamily="34" charset="0"/>
-              </a:rPr>
-              <a:t>.</a:t>
-            </a:r>
-          </a:p>
-        </p:txBody>
-      </p:sp>
-    </p:spTree>
-    <p:extLst>
-      <p:ext uri="{BB962C8B-B14F-4D97-AF65-F5344CB8AC3E}">
-        <p14:creationId xmlns:p14="http://schemas.microsoft.com/office/powerpoint/2010/main" val="4059991840"/>
+        <p14:creationId xmlns:p14="http://schemas.microsoft.com/office/powerpoint/2010/main" val="6992132"/>
       </p:ext>
     </p:extLst>
   </p:cSld>
